--- a/VoidPrinter.pptx
+++ b/VoidPrinter.pptx
@@ -1,22 +1,22 @@
 
 <file path=ppt/presentation.xml><?xml version="1.0" encoding="utf-8"?>
-<p:presentation xmlns:a="http://schemas.openxmlformats.org/drawingml/2006/main" xmlns:r="http://schemas.openxmlformats.org/officeDocument/2006/relationships" xmlns:p="http://schemas.openxmlformats.org/presentationml/2006/main" saveSubsetFonts="1">
+<p:presentation xmlns:a="http://schemas.openxmlformats.org/drawingml/2006/main" xmlns:r="http://schemas.openxmlformats.org/officeDocument/2006/relationships" xmlns:p="http://schemas.openxmlformats.org/presentationml/2006/main" xmlns:p14="http://schemas.microsoft.com/office/powerpoint/2010/main" saveSubsetFonts="1">
   <p:sldMasterIdLst>
-    <p:sldMasterId id="2147483648" r:id="rId1"/>
+    <p:sldMasterId id="2147483662" r:id="rId13"/>
   </p:sldMasterIdLst>
   <p:sldIdLst>
-    <p:sldId id="256" r:id="rId2"/>
-    <p:sldId id="260" r:id="rId3"/>
-    <p:sldId id="258" r:id="rId4"/>
-    <p:sldId id="261" r:id="rId5"/>
-    <p:sldId id="267" r:id="rId6"/>
-    <p:sldId id="268" r:id="rId7"/>
-    <p:sldId id="269" r:id="rId8"/>
-    <p:sldId id="270" r:id="rId9"/>
-    <p:sldId id="271" r:id="rId10"/>
-    <p:sldId id="273" r:id="rId11"/>
-    <p:sldId id="274" r:id="rId12"/>
-    <p:sldId id="272" r:id="rId13"/>
+    <p:sldId id="256" r:id="rId15"/>
+    <p:sldId id="260" r:id="rId16"/>
+    <p:sldId id="258" r:id="rId17"/>
+    <p:sldId id="261" r:id="rId18"/>
+    <p:sldId id="267" r:id="rId19"/>
+    <p:sldId id="268" r:id="rId20"/>
+    <p:sldId id="269" r:id="rId21"/>
+    <p:sldId id="270" r:id="rId22"/>
+    <p:sldId id="271" r:id="rId23"/>
+    <p:sldId id="273" r:id="rId24"/>
+    <p:sldId id="274" r:id="rId25"/>
+    <p:sldId id="272" r:id="rId26"/>
   </p:sldIdLst>
   <p:sldSz cx="12192000" cy="6858000"/>
   <p:notesSz cx="6858000" cy="9144000"/>
@@ -115,11 +115,7 @@
       </a:defRPr>
     </a:lvl9pPr>
   </p:defaultTextStyle>
-  <p:extLst>
-    <p:ext uri="{EFAFB233-063F-42B5-8137-9DF3F51BA10A}">
-      <p15:sldGuideLst xmlns:p15="http://schemas.microsoft.com/office/powerpoint/2012/main"/>
-    </p:ext>
-  </p:extLst>
+  <p:extLst/>
 </p:presentation>
 </file>
 
@@ -2964,7 +2960,7 @@
 </file>
 
 <file path=ppt/slides/slide1.xml><?xml version="1.0" encoding="utf-8"?>
-<p:sld xmlns:a="http://schemas.openxmlformats.org/drawingml/2006/main" xmlns:r="http://schemas.openxmlformats.org/officeDocument/2006/relationships" xmlns:p="http://schemas.openxmlformats.org/presentationml/2006/main">
+<p:sld xmlns:a="http://schemas.openxmlformats.org/drawingml/2006/main" xmlns:r="http://schemas.openxmlformats.org/officeDocument/2006/relationships" xmlns:p="http://schemas.openxmlformats.org/presentationml/2006/main" xmlns:p14="http://schemas.microsoft.com/office/powerpoint/2010/main">
   <p:cSld>
     <p:spTree>
       <p:nvGrpSpPr>
@@ -2983,24 +2979,27 @@
       <p:sp>
         <p:nvSpPr>
           <p:cNvPr id="6" name="직사각형 5"/>
-          <p:cNvSpPr/>
+          <p:cNvSpPr>
+            <a:spLocks/>
+          </p:cNvSpPr>
           <p:nvPr/>
         </p:nvSpPr>
         <p:spPr>
-          <a:xfrm rot="20502044">
-            <a:off x="-585960" y="1212921"/>
-            <a:ext cx="15235237" cy="7983230"/>
-          </a:xfrm>
-          <a:prstGeom prst="rect">
-            <a:avLst/>
-          </a:prstGeom>
+          <a:xfrm rot="20460000">
+            <a:off x="-1202055" y="630555"/>
+            <a:ext cx="15235555" cy="7983855"/>
+          </a:xfrm>
+          <a:prstGeom prst="rect"/>
           <a:solidFill>
             <a:srgbClr val="00B0F0"/>
           </a:solidFill>
-          <a:ln>
+          <a:ln w="12700" cap="flat" cmpd="sng">
             <a:solidFill>
-              <a:srgbClr val="00B0F0"/>
+              <a:srgbClr val="00B0F0">
+                <a:alpha val="100000"/>
+              </a:srgbClr>
             </a:solidFill>
+            <a:prstDash val="solid"/>
           </a:ln>
         </p:spPr>
         <p:style>
@@ -3020,11 +3019,28 @@
           </a:fontRef>
         </p:style>
         <p:txBody>
-          <a:bodyPr rtlCol="0" anchor="ctr"/>
-          <a:lstStyle/>
-          <a:p>
-            <a:pPr algn="ctr"/>
-            <a:endParaRPr lang="ko-KR" altLang="en-US"/>
+          <a:bodyPr wrap="square" lIns="91440" tIns="45720" rIns="91440" bIns="45720" numCol="1" vert="horz" anchor="ctr">
+            <a:noAutofit/>
+          </a:bodyPr>
+          <a:lstStyle/>
+          <a:p>
+            <a:pPr marL="0" indent="0" algn="ctr" fontAlgn="auto" defTabSz="914400" eaLnBrk="0">
+              <a:lnSpc>
+                <a:spcPct val="100000"/>
+              </a:lnSpc>
+              <a:spcBef>
+                <a:spcPts val="0"/>
+              </a:spcBef>
+              <a:spcAft>
+                <a:spcPts val="0"/>
+              </a:spcAft>
+              <a:buFontTx/>
+              <a:buNone/>
+            </a:pPr>
+            <a:endParaRPr lang="ko-KR" altLang="en-US" sz="1800" cap="none" dirty="0" smtClean="0" b="0" strike="noStrike">
+              <a:latin typeface="맑은 고딕" charset="0"/>
+              <a:ea typeface="맑은 고딕" charset="0"/>
+            </a:endParaRPr>
           </a:p>
         </p:txBody>
       </p:sp>
@@ -3040,7 +3056,7 @@
         </p:nvSpPr>
         <p:spPr>
           <a:xfrm>
-            <a:off x="3256231" y="3375516"/>
+            <a:off x="3256280" y="3375660"/>
             <a:ext cx="9144000" cy="2387600"/>
           </a:xfrm>
         </p:spPr>
@@ -3082,8 +3098,8 @@
         </p:nvSpPr>
         <p:spPr>
           <a:xfrm>
-            <a:off x="3256231" y="5763116"/>
-            <a:ext cx="9144000" cy="1655762"/>
+            <a:off x="3256280" y="5763260"/>
+            <a:ext cx="9144000" cy="1655445"/>
           </a:xfrm>
         </p:spPr>
         <p:txBody>
@@ -3190,6 +3206,14 @@
   <p:clrMapOvr>
     <a:masterClrMapping/>
   </p:clrMapOvr>
+  <mc:AlternateContent xmlns:mc="http://schemas.openxmlformats.org/markup-compatibility/2006">
+    <mc:Choice xmlns:p14="http://schemas.microsoft.com/office/powerpoint/2010/main" Requires="p14">
+      <p:transition spd="slow" p14:dur="2000"/>
+    </mc:Choice>
+    <mc:Fallback>
+      <p:transition spd="slow"/>
+    </mc:Fallback>
+  </mc:AlternateContent>
   <p:timing>
     <p:tnLst>
       <p:par>
@@ -3220,24 +3244,27 @@
       <p:sp>
         <p:nvSpPr>
           <p:cNvPr id="4" name="직사각형 3"/>
-          <p:cNvSpPr/>
+          <p:cNvSpPr>
+            <a:spLocks/>
+          </p:cNvSpPr>
           <p:nvPr/>
         </p:nvSpPr>
         <p:spPr>
-          <a:xfrm rot="20502044">
-            <a:off x="-585960" y="1212921"/>
-            <a:ext cx="15235237" cy="7983230"/>
-          </a:xfrm>
-          <a:prstGeom prst="rect">
-            <a:avLst/>
-          </a:prstGeom>
+          <a:xfrm rot="20460000">
+            <a:off x="-365760" y="355600"/>
+            <a:ext cx="15235555" cy="7983855"/>
+          </a:xfrm>
+          <a:prstGeom prst="rect"/>
           <a:solidFill>
             <a:srgbClr val="00B0F0"/>
           </a:solidFill>
-          <a:ln>
+          <a:ln w="12700" cap="flat" cmpd="sng">
             <a:solidFill>
-              <a:srgbClr val="00B0F0"/>
+              <a:srgbClr val="00B0F0">
+                <a:alpha val="100000"/>
+              </a:srgbClr>
             </a:solidFill>
+            <a:prstDash val="solid"/>
           </a:ln>
         </p:spPr>
         <p:style>
@@ -3257,162 +3284,100 @@
           </a:fontRef>
         </p:style>
         <p:txBody>
-          <a:bodyPr rtlCol="0" anchor="ctr"/>
-          <a:lstStyle/>
-          <a:p>
-            <a:pPr algn="ctr"/>
-            <a:endParaRPr lang="ko-KR" altLang="en-US"/>
-          </a:p>
-        </p:txBody>
-      </p:sp>
-      <p:sp>
-        <p:nvSpPr>
-          <p:cNvPr id="2" name="제목 1"/>
-          <p:cNvSpPr>
-            <a:spLocks noGrp="1"/>
-          </p:cNvSpPr>
-          <p:nvPr>
-            <p:ph type="title"/>
-          </p:nvPr>
-        </p:nvSpPr>
-        <p:spPr>
-          <a:xfrm>
-            <a:off x="550816" y="373835"/>
-            <a:ext cx="3754854" cy="780262"/>
-          </a:xfrm>
-        </p:spPr>
-        <p:txBody>
-          <a:bodyPr>
+          <a:bodyPr wrap="square" lIns="91440" tIns="45720" rIns="91440" bIns="45720" vert="horz" anchor="ctr">
             <a:noAutofit/>
           </a:bodyPr>
           <a:lstStyle/>
           <a:p>
-            <a:r>
-              <a:rPr lang="en-US" altLang="ko-KR" sz="5000" dirty="0" smtClean="0">
+            <a:pPr marL="0" indent="0" algn="ctr" fontAlgn="auto" defTabSz="914400" eaLnBrk="0">
+              <a:lnSpc>
+                <a:spcPct val="100000"/>
+              </a:lnSpc>
+              <a:spcBef>
+                <a:spcPts val="0"/>
+              </a:spcBef>
+              <a:spcAft>
+                <a:spcPts val="0"/>
+              </a:spcAft>
+              <a:buFontTx/>
+              <a:buNone/>
+            </a:pPr>
+            <a:endParaRPr lang="ko-KR" altLang="en-US" sz="1800" cap="none" dirty="0" smtClean="0" b="0" strike="noStrike">
+              <a:latin typeface="맑은 고딕" charset="0"/>
+              <a:ea typeface="맑은 고딕" charset="0"/>
+            </a:endParaRPr>
+          </a:p>
+        </p:txBody>
+      </p:sp>
+      <p:sp>
+        <p:nvSpPr>
+          <p:cNvPr id="2" name="텍스트 개체 틀 1"/>
+          <p:cNvSpPr txBox="1">
+            <a:spLocks/>
+          </p:cNvSpPr>
+          <p:nvPr>
+            <p:ph type="title"/>
+          </p:nvPr>
+        </p:nvSpPr>
+        <p:spPr>
+          <a:xfrm rot="0">
+            <a:off x="550545" y="374015"/>
+            <a:ext cx="3755390" cy="781050"/>
+          </a:xfrm>
+          <a:prstGeom prst="rect"/>
+        </p:spPr>
+        <p:txBody>
+          <a:bodyPr wrap="square" lIns="91440" tIns="45720" rIns="91440" bIns="45720" vert="horz" anchor="ctr">
+            <a:noAutofit/>
+          </a:bodyPr>
+          <a:lstStyle/>
+          <a:p>
+            <a:pPr marL="0" indent="0" algn="l" fontAlgn="auto" defTabSz="914400">
+              <a:lnSpc>
+                <a:spcPct val="90000"/>
+              </a:lnSpc>
+              <a:spcBef>
+                <a:spcPts val="0"/>
+              </a:spcBef>
+              <a:spcAft>
+                <a:spcPts val="0"/>
+              </a:spcAft>
+              <a:buFontTx/>
+              <a:buNone/>
+            </a:pPr>
+            <a:r>
+              <a:rPr lang="en-US" altLang="ko-KR" sz="5000" cap="none" dirty="0" smtClean="0" b="0" strike="noStrike">
                 <a:solidFill>
                   <a:srgbClr val="00B0F0"/>
                 </a:solidFill>
-                <a:latin typeface="나눔스퀘어 ExtraBold" panose="020B0600000101010101" pitchFamily="50" charset="-127"/>
-                <a:ea typeface="나눔스퀘어 ExtraBold" panose="020B0600000101010101" pitchFamily="50" charset="-127"/>
+                <a:latin typeface="나눔스퀘어 ExtraBold" charset="0"/>
+                <a:ea typeface="나눔스퀘어 ExtraBold" charset="0"/>
               </a:rPr>
               <a:t>Test Result</a:t>
             </a:r>
-            <a:endParaRPr lang="ko-KR" altLang="en-US" sz="5000" dirty="0">
+            <a:endParaRPr lang="ko-KR" altLang="en-US" sz="5000" cap="none" dirty="0" smtClean="0" b="0" strike="noStrike">
               <a:solidFill>
                 <a:srgbClr val="00B0F0"/>
               </a:solidFill>
-              <a:latin typeface="나눔스퀘어 ExtraBold" panose="020B0600000101010101" pitchFamily="50" charset="-127"/>
-              <a:ea typeface="나눔스퀘어 ExtraBold" panose="020B0600000101010101" pitchFamily="50" charset="-127"/>
+              <a:latin typeface="나눔스퀘어 ExtraBold" charset="0"/>
+              <a:ea typeface="나눔스퀘어 ExtraBold" charset="0"/>
             </a:endParaRPr>
           </a:p>
         </p:txBody>
       </p:sp>
-      <p:sp>
-        <p:nvSpPr>
-          <p:cNvPr id="9" name="오른쪽 화살표 8"/>
-          <p:cNvSpPr/>
-          <p:nvPr/>
-        </p:nvSpPr>
-        <p:spPr>
-          <a:xfrm rot="10800000">
-            <a:off x="4683513" y="1196543"/>
-            <a:ext cx="292963" cy="186431"/>
-          </a:xfrm>
-          <a:prstGeom prst="rightArrow">
-            <a:avLst/>
-          </a:prstGeom>
-          <a:solidFill>
-            <a:schemeClr val="bg1"/>
-          </a:solidFill>
-          <a:ln>
-            <a:solidFill>
-              <a:schemeClr val="bg1"/>
-            </a:solidFill>
-          </a:ln>
-        </p:spPr>
-        <p:style>
-          <a:lnRef idx="2">
-            <a:schemeClr val="accent1">
-              <a:shade val="50000"/>
-            </a:schemeClr>
-          </a:lnRef>
-          <a:fillRef idx="1">
-            <a:schemeClr val="accent1"/>
-          </a:fillRef>
-          <a:effectRef idx="0">
-            <a:schemeClr val="accent1"/>
-          </a:effectRef>
-          <a:fontRef idx="minor">
-            <a:schemeClr val="lt1"/>
-          </a:fontRef>
-        </p:style>
-        <p:txBody>
-          <a:bodyPr rtlCol="0" anchor="ctr"/>
-          <a:lstStyle/>
-          <a:p>
-            <a:pPr algn="ctr"/>
-            <a:endParaRPr lang="ko-KR" altLang="en-US"/>
-          </a:p>
-        </p:txBody>
-      </p:sp>
-      <p:sp>
-        <p:nvSpPr>
-          <p:cNvPr id="10" name="오른쪽 화살표 9"/>
-          <p:cNvSpPr/>
-          <p:nvPr/>
-        </p:nvSpPr>
-        <p:spPr>
-          <a:xfrm rot="10800000">
-            <a:off x="4835913" y="1348943"/>
-            <a:ext cx="292963" cy="186431"/>
-          </a:xfrm>
-          <a:prstGeom prst="rightArrow">
-            <a:avLst/>
-          </a:prstGeom>
-          <a:solidFill>
-            <a:schemeClr val="bg1"/>
-          </a:solidFill>
-          <a:ln>
-            <a:solidFill>
-              <a:schemeClr val="bg1"/>
-            </a:solidFill>
-          </a:ln>
-        </p:spPr>
-        <p:style>
-          <a:lnRef idx="2">
-            <a:schemeClr val="accent1">
-              <a:shade val="50000"/>
-            </a:schemeClr>
-          </a:lnRef>
-          <a:fillRef idx="1">
-            <a:schemeClr val="accent1"/>
-          </a:fillRef>
-          <a:effectRef idx="0">
-            <a:schemeClr val="accent1"/>
-          </a:effectRef>
-          <a:fontRef idx="minor">
-            <a:schemeClr val="lt1"/>
-          </a:fontRef>
-        </p:style>
-        <p:txBody>
-          <a:bodyPr rtlCol="0" anchor="ctr"/>
-          <a:lstStyle/>
-          <a:p>
-            <a:pPr algn="ctr"/>
-            <a:endParaRPr lang="ko-KR" altLang="en-US"/>
-          </a:p>
-        </p:txBody>
-      </p:sp>
     </p:spTree>
-    <p:extLst>
-      <p:ext uri="{BB962C8B-B14F-4D97-AF65-F5344CB8AC3E}">
-        <p14:creationId xmlns:p14="http://schemas.microsoft.com/office/powerpoint/2010/main" val="3774799318"/>
-      </p:ext>
-    </p:extLst>
   </p:cSld>
   <p:clrMapOvr>
     <a:masterClrMapping/>
   </p:clrMapOvr>
+  <mc:AlternateContent xmlns:mc="http://schemas.openxmlformats.org/markup-compatibility/2006">
+    <mc:Choice xmlns:p14="http://schemas.microsoft.com/office/powerpoint/2010/main" Requires="p14">
+      <p:transition spd="slow" p14:dur="2000"/>
+    </mc:Choice>
+    <mc:Fallback>
+      <p:transition spd="slow"/>
+    </mc:Fallback>
+  </mc:AlternateContent>
   <p:timing>
     <p:tnLst>
       <p:par>
@@ -3443,24 +3408,27 @@
       <p:sp>
         <p:nvSpPr>
           <p:cNvPr id="4" name="직사각형 3"/>
-          <p:cNvSpPr/>
+          <p:cNvSpPr>
+            <a:spLocks/>
+          </p:cNvSpPr>
           <p:nvPr/>
         </p:nvSpPr>
         <p:spPr>
-          <a:xfrm rot="20502044">
-            <a:off x="-585960" y="1212921"/>
-            <a:ext cx="15235237" cy="7983230"/>
-          </a:xfrm>
-          <a:prstGeom prst="rect">
-            <a:avLst/>
-          </a:prstGeom>
+          <a:xfrm rot="20460000">
+            <a:off x="-365760" y="355600"/>
+            <a:ext cx="15235555" cy="7983855"/>
+          </a:xfrm>
+          <a:prstGeom prst="rect"/>
           <a:solidFill>
             <a:srgbClr val="00B0F0"/>
           </a:solidFill>
-          <a:ln>
+          <a:ln w="12700" cap="flat" cmpd="sng">
             <a:solidFill>
-              <a:srgbClr val="00B0F0"/>
+              <a:srgbClr val="00B0F0">
+                <a:alpha val="100000"/>
+              </a:srgbClr>
             </a:solidFill>
+            <a:prstDash val="solid"/>
           </a:ln>
         </p:spPr>
         <p:style>
@@ -3480,77 +3448,151 @@
           </a:fontRef>
         </p:style>
         <p:txBody>
-          <a:bodyPr rtlCol="0" anchor="ctr"/>
-          <a:lstStyle/>
-          <a:p>
-            <a:pPr algn="ctr"/>
-            <a:endParaRPr lang="ko-KR" altLang="en-US"/>
-          </a:p>
-        </p:txBody>
-      </p:sp>
-      <p:sp>
-        <p:nvSpPr>
-          <p:cNvPr id="2" name="제목 1"/>
-          <p:cNvSpPr>
-            <a:spLocks noGrp="1"/>
-          </p:cNvSpPr>
-          <p:nvPr>
-            <p:ph type="title"/>
-          </p:nvPr>
-        </p:nvSpPr>
-        <p:spPr>
-          <a:xfrm>
-            <a:off x="550816" y="373835"/>
-            <a:ext cx="3754854" cy="780262"/>
-          </a:xfrm>
-        </p:spPr>
-        <p:txBody>
-          <a:bodyPr>
+          <a:bodyPr wrap="square" lIns="91440" tIns="45720" rIns="91440" bIns="45720" vert="horz" anchor="ctr">
             <a:noAutofit/>
           </a:bodyPr>
           <a:lstStyle/>
           <a:p>
-            <a:r>
-              <a:rPr lang="en-US" altLang="ko-KR" sz="5000" dirty="0" smtClean="0">
+            <a:pPr marL="0" indent="0" algn="ctr" fontAlgn="auto" defTabSz="914400" eaLnBrk="0">
+              <a:lnSpc>
+                <a:spcPct val="100000"/>
+              </a:lnSpc>
+              <a:spcBef>
+                <a:spcPts val="0"/>
+              </a:spcBef>
+              <a:spcAft>
+                <a:spcPts val="0"/>
+              </a:spcAft>
+              <a:buFontTx/>
+              <a:buNone/>
+            </a:pPr>
+            <a:endParaRPr lang="ko-KR" altLang="en-US" sz="1800" cap="none" dirty="0" smtClean="0" b="0" strike="noStrike">
+              <a:latin typeface="맑은 고딕" charset="0"/>
+              <a:ea typeface="맑은 고딕" charset="0"/>
+            </a:endParaRPr>
+          </a:p>
+        </p:txBody>
+      </p:sp>
+      <p:sp>
+        <p:nvSpPr>
+          <p:cNvPr id="2" name="텍스트 개체 틀 1"/>
+          <p:cNvSpPr txBox="1">
+            <a:spLocks/>
+          </p:cNvSpPr>
+          <p:nvPr>
+            <p:ph type="title"/>
+          </p:nvPr>
+        </p:nvSpPr>
+        <p:spPr>
+          <a:xfrm rot="0">
+            <a:off x="550545" y="374015"/>
+            <a:ext cx="3755390" cy="781050"/>
+          </a:xfrm>
+          <a:prstGeom prst="rect"/>
+        </p:spPr>
+        <p:txBody>
+          <a:bodyPr wrap="square" lIns="91440" tIns="45720" rIns="91440" bIns="45720" vert="horz" anchor="ctr">
+            <a:noAutofit/>
+          </a:bodyPr>
+          <a:lstStyle/>
+          <a:p>
+            <a:pPr marL="0" indent="0" algn="l" fontAlgn="auto" defTabSz="914400">
+              <a:lnSpc>
+                <a:spcPct val="90000"/>
+              </a:lnSpc>
+              <a:spcBef>
+                <a:spcPts val="0"/>
+              </a:spcBef>
+              <a:spcAft>
+                <a:spcPts val="0"/>
+              </a:spcAft>
+              <a:buFontTx/>
+              <a:buNone/>
+            </a:pPr>
+            <a:r>
+              <a:rPr lang="en-US" altLang="ko-KR" sz="5000" cap="none" dirty="0" smtClean="0" b="0" strike="noStrike">
                 <a:solidFill>
                   <a:srgbClr val="00B0F0"/>
                 </a:solidFill>
-                <a:latin typeface="나눔스퀘어 ExtraBold" panose="020B0600000101010101" pitchFamily="50" charset="-127"/>
-                <a:ea typeface="나눔스퀘어 ExtraBold" panose="020B0600000101010101" pitchFamily="50" charset="-127"/>
+                <a:latin typeface="나눔스퀘어 ExtraBold" charset="0"/>
+                <a:ea typeface="나눔스퀘어 ExtraBold" charset="0"/>
               </a:rPr>
               <a:t>Test Result</a:t>
             </a:r>
-            <a:endParaRPr lang="ko-KR" altLang="en-US" sz="5000" dirty="0">
+            <a:endParaRPr lang="ko-KR" altLang="en-US" sz="5000" cap="none" dirty="0" smtClean="0" b="0" strike="noStrike">
               <a:solidFill>
                 <a:srgbClr val="00B0F0"/>
               </a:solidFill>
-              <a:latin typeface="나눔스퀘어 ExtraBold" panose="020B0600000101010101" pitchFamily="50" charset="-127"/>
-              <a:ea typeface="나눔스퀘어 ExtraBold" panose="020B0600000101010101" pitchFamily="50" charset="-127"/>
+              <a:latin typeface="나눔스퀘어 ExtraBold" charset="0"/>
+              <a:ea typeface="나눔스퀘어 ExtraBold" charset="0"/>
             </a:endParaRPr>
           </a:p>
         </p:txBody>
       </p:sp>
-      <p:sp>
-        <p:nvSpPr>
-          <p:cNvPr id="9" name="오른쪽 화살표 8"/>
-          <p:cNvSpPr/>
+    </p:spTree>
+  </p:cSld>
+  <p:clrMapOvr>
+    <a:masterClrMapping/>
+  </p:clrMapOvr>
+  <mc:AlternateContent xmlns:mc="http://schemas.openxmlformats.org/markup-compatibility/2006">
+    <mc:Choice xmlns:p14="http://schemas.microsoft.com/office/powerpoint/2010/main" Requires="p14">
+      <p:transition spd="slow" p14:dur="2000"/>
+    </mc:Choice>
+    <mc:Fallback>
+      <p:transition spd="slow"/>
+    </mc:Fallback>
+  </mc:AlternateContent>
+  <p:timing>
+    <p:tnLst>
+      <p:par>
+        <p:cTn id="1" dur="indefinite" restart="never" nodeType="tmRoot"/>
+      </p:par>
+    </p:tnLst>
+  </p:timing>
+</p:sld>
+</file>
+
+<file path=ppt/slides/slide12.xml><?xml version="1.0" encoding="utf-8"?>
+<p:sld xmlns:a="http://schemas.openxmlformats.org/drawingml/2006/main" xmlns:r="http://schemas.openxmlformats.org/officeDocument/2006/relationships" xmlns:p="http://schemas.openxmlformats.org/presentationml/2006/main" xmlns:p14="http://schemas.microsoft.com/office/powerpoint/2010/main">
+  <p:cSld>
+    <p:spTree>
+      <p:nvGrpSpPr>
+        <p:cNvPr id="1" name=""/>
+        <p:cNvGrpSpPr/>
+        <p:nvPr/>
+      </p:nvGrpSpPr>
+      <p:grpSpPr>
+        <a:xfrm>
+          <a:off x="0" y="0"/>
+          <a:ext cx="0" cy="0"/>
+          <a:chOff x="0" y="0"/>
+          <a:chExt cx="0" cy="0"/>
+        </a:xfrm>
+      </p:grpSpPr>
+      <p:sp>
+        <p:nvSpPr>
+          <p:cNvPr id="4" name="직사각형 3"/>
+          <p:cNvSpPr>
+            <a:spLocks/>
+          </p:cNvSpPr>
           <p:nvPr/>
         </p:nvSpPr>
         <p:spPr>
-          <a:xfrm rot="10800000">
-            <a:off x="4683513" y="1196543"/>
-            <a:ext cx="292963" cy="186431"/>
-          </a:xfrm>
-          <a:prstGeom prst="rightArrow">
-            <a:avLst/>
-          </a:prstGeom>
+          <a:xfrm rot="20460000">
+            <a:off x="-950595" y="350520"/>
+            <a:ext cx="15234285" cy="8173085"/>
+          </a:xfrm>
+          <a:prstGeom prst="rect"/>
           <a:solidFill>
-            <a:schemeClr val="bg1"/>
+            <a:srgbClr val="00B0F0"/>
           </a:solidFill>
-          <a:ln>
+          <a:ln w="12700" cap="flat" cmpd="sng">
             <a:solidFill>
-              <a:schemeClr val="bg1"/>
+              <a:srgbClr val="00B0F0">
+                <a:alpha val="100000"/>
+              </a:srgbClr>
             </a:solidFill>
+            <a:prstDash val="solid"/>
           </a:ln>
         </p:spPr>
         <p:style>
@@ -3570,35 +3612,142 @@
           </a:fontRef>
         </p:style>
         <p:txBody>
-          <a:bodyPr rtlCol="0" anchor="ctr"/>
-          <a:lstStyle/>
-          <a:p>
-            <a:pPr algn="ctr"/>
-            <a:endParaRPr lang="ko-KR" altLang="en-US"/>
-          </a:p>
-        </p:txBody>
-      </p:sp>
-      <p:sp>
-        <p:nvSpPr>
-          <p:cNvPr id="10" name="오른쪽 화살표 9"/>
-          <p:cNvSpPr/>
+          <a:bodyPr wrap="square" lIns="91440" tIns="45720" rIns="91440" bIns="45720" numCol="1" vert="horz" anchor="ctr">
+            <a:noAutofit/>
+          </a:bodyPr>
+          <a:lstStyle/>
+          <a:p>
+            <a:pPr marL="0" indent="0" algn="ctr" fontAlgn="auto" defTabSz="914400" eaLnBrk="0">
+              <a:lnSpc>
+                <a:spcPct val="100000"/>
+              </a:lnSpc>
+              <a:spcBef>
+                <a:spcPts val="0"/>
+              </a:spcBef>
+              <a:spcAft>
+                <a:spcPts val="0"/>
+              </a:spcAft>
+              <a:buFontTx/>
+              <a:buNone/>
+            </a:pPr>
+            <a:endParaRPr lang="ko-KR" altLang="en-US" sz="1800" cap="none" dirty="0" smtClean="0" b="0" strike="noStrike">
+              <a:latin typeface="맑은 고딕" charset="0"/>
+              <a:ea typeface="맑은 고딕" charset="0"/>
+            </a:endParaRPr>
+          </a:p>
+        </p:txBody>
+      </p:sp>
+      <p:sp>
+        <p:nvSpPr>
+          <p:cNvPr id="2" name="제목 1"/>
+          <p:cNvSpPr>
+            <a:spLocks noGrp="1"/>
+          </p:cNvSpPr>
+          <p:nvPr>
+            <p:ph type="title"/>
+          </p:nvPr>
+        </p:nvSpPr>
+        <p:spPr>
+          <a:xfrm>
+            <a:off x="550545" y="374015"/>
+            <a:ext cx="3524250" cy="780415"/>
+          </a:xfrm>
+        </p:spPr>
+        <p:txBody>
+          <a:bodyPr>
+            <a:noAutofit/>
+          </a:bodyPr>
+          <a:lstStyle/>
+          <a:p>
+            <a:r>
+              <a:rPr lang="en-US" altLang="ko-KR" sz="5000" dirty="0" smtClean="0">
+                <a:solidFill>
+                  <a:srgbClr val="00B0F0"/>
+                </a:solidFill>
+                <a:latin typeface="나눔스퀘어 ExtraBold" panose="020B0600000101010101" pitchFamily="50" charset="-127"/>
+                <a:ea typeface="나눔스퀘어 ExtraBold" panose="020B0600000101010101" pitchFamily="50" charset="-127"/>
+              </a:rPr>
+              <a:t>Demo</a:t>
+            </a:r>
+            <a:endParaRPr lang="ko-KR" altLang="en-US" sz="5000" dirty="0">
+              <a:solidFill>
+                <a:srgbClr val="00B0F0"/>
+              </a:solidFill>
+              <a:latin typeface="나눔스퀘어 ExtraBold" panose="020B0600000101010101" pitchFamily="50" charset="-127"/>
+              <a:ea typeface="나눔스퀘어 ExtraBold" panose="020B0600000101010101" pitchFamily="50" charset="-127"/>
+            </a:endParaRPr>
+          </a:p>
+        </p:txBody>
+      </p:sp>
+    </p:spTree>
+    <p:extLst>
+      <p:ext uri="{BB962C8B-B14F-4D97-AF65-F5344CB8AC3E}">
+        <p14:creationId xmlns:p14="http://schemas.microsoft.com/office/powerpoint/2010/main" val="2570249122"/>
+      </p:ext>
+    </p:extLst>
+  </p:cSld>
+  <p:clrMapOvr>
+    <a:masterClrMapping/>
+  </p:clrMapOvr>
+  <mc:AlternateContent xmlns:mc="http://schemas.openxmlformats.org/markup-compatibility/2006">
+    <mc:Choice xmlns:p14="http://schemas.microsoft.com/office/powerpoint/2010/main" Requires="p14">
+      <p:transition spd="slow" p14:dur="2000"/>
+    </mc:Choice>
+    <mc:Fallback>
+      <p:transition spd="slow"/>
+    </mc:Fallback>
+  </mc:AlternateContent>
+  <p:timing>
+    <p:tnLst>
+      <p:par>
+        <p:cTn id="1" dur="indefinite" restart="never" nodeType="tmRoot"/>
+      </p:par>
+    </p:tnLst>
+  </p:timing>
+</p:sld>
+</file>
+
+<file path=ppt/slides/slide2.xml><?xml version="1.0" encoding="utf-8"?>
+<p:sld xmlns:a="http://schemas.openxmlformats.org/drawingml/2006/main" xmlns:r="http://schemas.openxmlformats.org/officeDocument/2006/relationships" xmlns:p="http://schemas.openxmlformats.org/presentationml/2006/main" xmlns:p14="http://schemas.microsoft.com/office/powerpoint/2010/main">
+  <p:cSld>
+    <p:spTree>
+      <p:nvGrpSpPr>
+        <p:cNvPr id="1" name=""/>
+        <p:cNvGrpSpPr/>
+        <p:nvPr/>
+      </p:nvGrpSpPr>
+      <p:grpSpPr>
+        <a:xfrm>
+          <a:off x="0" y="0"/>
+          <a:ext cx="0" cy="0"/>
+          <a:chOff x="0" y="0"/>
+          <a:chExt cx="0" cy="0"/>
+        </a:xfrm>
+      </p:grpSpPr>
+      <p:sp>
+        <p:nvSpPr>
+          <p:cNvPr id="4" name="직사각형 3"/>
+          <p:cNvSpPr>
+            <a:spLocks/>
+          </p:cNvSpPr>
           <p:nvPr/>
         </p:nvSpPr>
         <p:spPr>
-          <a:xfrm rot="10800000">
-            <a:off x="4835913" y="1348943"/>
-            <a:ext cx="292963" cy="186431"/>
-          </a:xfrm>
-          <a:prstGeom prst="rightArrow">
-            <a:avLst/>
-          </a:prstGeom>
+          <a:xfrm rot="20460000">
+            <a:off x="-1080770" y="586740"/>
+            <a:ext cx="15235555" cy="7983855"/>
+          </a:xfrm>
+          <a:prstGeom prst="rect"/>
           <a:solidFill>
-            <a:schemeClr val="bg1"/>
+            <a:srgbClr val="00B0F0"/>
           </a:solidFill>
-          <a:ln>
+          <a:ln w="12700" cap="flat" cmpd="sng">
             <a:solidFill>
-              <a:schemeClr val="bg1"/>
+              <a:srgbClr val="00B0F0">
+                <a:alpha val="100000"/>
+              </a:srgbClr>
             </a:solidFill>
+            <a:prstDash val="solid"/>
           </a:ln>
         </p:spPr>
         <p:style>
@@ -3618,96 +3767,28 @@
           </a:fontRef>
         </p:style>
         <p:txBody>
-          <a:bodyPr rtlCol="0" anchor="ctr"/>
-          <a:lstStyle/>
-          <a:p>
-            <a:pPr algn="ctr"/>
-            <a:endParaRPr lang="ko-KR" altLang="en-US"/>
-          </a:p>
-        </p:txBody>
-      </p:sp>
-    </p:spTree>
-    <p:extLst>
-      <p:ext uri="{BB962C8B-B14F-4D97-AF65-F5344CB8AC3E}">
-        <p14:creationId xmlns:p14="http://schemas.microsoft.com/office/powerpoint/2010/main" val="1620149413"/>
-      </p:ext>
-    </p:extLst>
-  </p:cSld>
-  <p:clrMapOvr>
-    <a:masterClrMapping/>
-  </p:clrMapOvr>
-  <p:timing>
-    <p:tnLst>
-      <p:par>
-        <p:cTn id="1" dur="indefinite" restart="never" nodeType="tmRoot"/>
-      </p:par>
-    </p:tnLst>
-  </p:timing>
-</p:sld>
-</file>
-
-<file path=ppt/slides/slide12.xml><?xml version="1.0" encoding="utf-8"?>
-<p:sld xmlns:a="http://schemas.openxmlformats.org/drawingml/2006/main" xmlns:r="http://schemas.openxmlformats.org/officeDocument/2006/relationships" xmlns:p="http://schemas.openxmlformats.org/presentationml/2006/main">
-  <p:cSld>
-    <p:spTree>
-      <p:nvGrpSpPr>
-        <p:cNvPr id="1" name=""/>
-        <p:cNvGrpSpPr/>
-        <p:nvPr/>
-      </p:nvGrpSpPr>
-      <p:grpSpPr>
-        <a:xfrm>
-          <a:off x="0" y="0"/>
-          <a:ext cx="0" cy="0"/>
-          <a:chOff x="0" y="0"/>
-          <a:chExt cx="0" cy="0"/>
-        </a:xfrm>
-      </p:grpSpPr>
-      <p:sp>
-        <p:nvSpPr>
-          <p:cNvPr id="4" name="직사각형 3"/>
-          <p:cNvSpPr/>
-          <p:nvPr/>
-        </p:nvSpPr>
-        <p:spPr>
-          <a:xfrm rot="20502044">
-            <a:off x="-585960" y="1212921"/>
-            <a:ext cx="15235237" cy="7983230"/>
-          </a:xfrm>
-          <a:prstGeom prst="rect">
-            <a:avLst/>
-          </a:prstGeom>
-          <a:solidFill>
-            <a:srgbClr val="00B0F0"/>
-          </a:solidFill>
-          <a:ln>
-            <a:solidFill>
-              <a:srgbClr val="00B0F0"/>
-            </a:solidFill>
-          </a:ln>
-        </p:spPr>
-        <p:style>
-          <a:lnRef idx="2">
-            <a:schemeClr val="accent1">
-              <a:shade val="50000"/>
-            </a:schemeClr>
-          </a:lnRef>
-          <a:fillRef idx="1">
-            <a:schemeClr val="accent1"/>
-          </a:fillRef>
-          <a:effectRef idx="0">
-            <a:schemeClr val="accent1"/>
-          </a:effectRef>
-          <a:fontRef idx="minor">
-            <a:schemeClr val="lt1"/>
-          </a:fontRef>
-        </p:style>
-        <p:txBody>
-          <a:bodyPr rtlCol="0" anchor="ctr"/>
-          <a:lstStyle/>
-          <a:p>
-            <a:pPr algn="ctr"/>
-            <a:endParaRPr lang="ko-KR" altLang="en-US"/>
+          <a:bodyPr wrap="square" lIns="91440" tIns="45720" rIns="91440" bIns="45720" numCol="1" vert="horz" anchor="ctr">
+            <a:noAutofit/>
+          </a:bodyPr>
+          <a:lstStyle/>
+          <a:p>
+            <a:pPr marL="0" indent="0" algn="ctr" fontAlgn="auto" defTabSz="914400" eaLnBrk="0">
+              <a:lnSpc>
+                <a:spcPct val="100000"/>
+              </a:lnSpc>
+              <a:spcBef>
+                <a:spcPts val="0"/>
+              </a:spcBef>
+              <a:spcAft>
+                <a:spcPts val="0"/>
+              </a:spcAft>
+              <a:buFontTx/>
+              <a:buNone/>
+            </a:pPr>
+            <a:endParaRPr lang="ko-KR" altLang="en-US" sz="1800" cap="none" dirty="0" smtClean="0" b="0" strike="noStrike">
+              <a:latin typeface="맑은 고딕" charset="0"/>
+              <a:ea typeface="맑은 고딕" charset="0"/>
+            </a:endParaRPr>
           </a:p>
         </p:txBody>
       </p:sp>
@@ -3723,231 +3804,8 @@
         </p:nvSpPr>
         <p:spPr>
           <a:xfrm>
-            <a:off x="550816" y="373835"/>
-            <a:ext cx="3524033" cy="780262"/>
-          </a:xfrm>
-        </p:spPr>
-        <p:txBody>
-          <a:bodyPr>
-            <a:noAutofit/>
-          </a:bodyPr>
-          <a:lstStyle/>
-          <a:p>
-            <a:r>
-              <a:rPr lang="en-US" altLang="ko-KR" sz="5000" dirty="0" smtClean="0">
-                <a:solidFill>
-                  <a:srgbClr val="00B0F0"/>
-                </a:solidFill>
-                <a:latin typeface="나눔스퀘어 ExtraBold" panose="020B0600000101010101" pitchFamily="50" charset="-127"/>
-                <a:ea typeface="나눔스퀘어 ExtraBold" panose="020B0600000101010101" pitchFamily="50" charset="-127"/>
-              </a:rPr>
-              <a:t>Demo</a:t>
-            </a:r>
-            <a:endParaRPr lang="ko-KR" altLang="en-US" sz="5000" dirty="0">
-              <a:solidFill>
-                <a:srgbClr val="00B0F0"/>
-              </a:solidFill>
-              <a:latin typeface="나눔스퀘어 ExtraBold" panose="020B0600000101010101" pitchFamily="50" charset="-127"/>
-              <a:ea typeface="나눔스퀘어 ExtraBold" panose="020B0600000101010101" pitchFamily="50" charset="-127"/>
-            </a:endParaRPr>
-          </a:p>
-        </p:txBody>
-      </p:sp>
-      <p:sp>
-        <p:nvSpPr>
-          <p:cNvPr id="9" name="오른쪽 화살표 8"/>
-          <p:cNvSpPr/>
-          <p:nvPr/>
-        </p:nvSpPr>
-        <p:spPr>
-          <a:xfrm rot="10800000">
-            <a:off x="4683513" y="1196543"/>
-            <a:ext cx="292963" cy="186431"/>
-          </a:xfrm>
-          <a:prstGeom prst="rightArrow">
-            <a:avLst/>
-          </a:prstGeom>
-          <a:solidFill>
-            <a:schemeClr val="bg1"/>
-          </a:solidFill>
-          <a:ln>
-            <a:solidFill>
-              <a:schemeClr val="bg1"/>
-            </a:solidFill>
-          </a:ln>
-        </p:spPr>
-        <p:style>
-          <a:lnRef idx="2">
-            <a:schemeClr val="accent1">
-              <a:shade val="50000"/>
-            </a:schemeClr>
-          </a:lnRef>
-          <a:fillRef idx="1">
-            <a:schemeClr val="accent1"/>
-          </a:fillRef>
-          <a:effectRef idx="0">
-            <a:schemeClr val="accent1"/>
-          </a:effectRef>
-          <a:fontRef idx="minor">
-            <a:schemeClr val="lt1"/>
-          </a:fontRef>
-        </p:style>
-        <p:txBody>
-          <a:bodyPr rtlCol="0" anchor="ctr"/>
-          <a:lstStyle/>
-          <a:p>
-            <a:pPr algn="ctr"/>
-            <a:endParaRPr lang="ko-KR" altLang="en-US"/>
-          </a:p>
-        </p:txBody>
-      </p:sp>
-      <p:sp>
-        <p:nvSpPr>
-          <p:cNvPr id="10" name="오른쪽 화살표 9"/>
-          <p:cNvSpPr/>
-          <p:nvPr/>
-        </p:nvSpPr>
-        <p:spPr>
-          <a:xfrm rot="10800000">
-            <a:off x="4835913" y="1348943"/>
-            <a:ext cx="292963" cy="186431"/>
-          </a:xfrm>
-          <a:prstGeom prst="rightArrow">
-            <a:avLst/>
-          </a:prstGeom>
-          <a:solidFill>
-            <a:schemeClr val="bg1"/>
-          </a:solidFill>
-          <a:ln>
-            <a:solidFill>
-              <a:schemeClr val="bg1"/>
-            </a:solidFill>
-          </a:ln>
-        </p:spPr>
-        <p:style>
-          <a:lnRef idx="2">
-            <a:schemeClr val="accent1">
-              <a:shade val="50000"/>
-            </a:schemeClr>
-          </a:lnRef>
-          <a:fillRef idx="1">
-            <a:schemeClr val="accent1"/>
-          </a:fillRef>
-          <a:effectRef idx="0">
-            <a:schemeClr val="accent1"/>
-          </a:effectRef>
-          <a:fontRef idx="minor">
-            <a:schemeClr val="lt1"/>
-          </a:fontRef>
-        </p:style>
-        <p:txBody>
-          <a:bodyPr rtlCol="0" anchor="ctr"/>
-          <a:lstStyle/>
-          <a:p>
-            <a:pPr algn="ctr"/>
-            <a:endParaRPr lang="ko-KR" altLang="en-US"/>
-          </a:p>
-        </p:txBody>
-      </p:sp>
-    </p:spTree>
-    <p:extLst>
-      <p:ext uri="{BB962C8B-B14F-4D97-AF65-F5344CB8AC3E}">
-        <p14:creationId xmlns:p14="http://schemas.microsoft.com/office/powerpoint/2010/main" val="2570249122"/>
-      </p:ext>
-    </p:extLst>
-  </p:cSld>
-  <p:clrMapOvr>
-    <a:masterClrMapping/>
-  </p:clrMapOvr>
-  <p:timing>
-    <p:tnLst>
-      <p:par>
-        <p:cTn id="1" dur="indefinite" restart="never" nodeType="tmRoot"/>
-      </p:par>
-    </p:tnLst>
-  </p:timing>
-</p:sld>
-</file>
-
-<file path=ppt/slides/slide2.xml><?xml version="1.0" encoding="utf-8"?>
-<p:sld xmlns:a="http://schemas.openxmlformats.org/drawingml/2006/main" xmlns:r="http://schemas.openxmlformats.org/officeDocument/2006/relationships" xmlns:p="http://schemas.openxmlformats.org/presentationml/2006/main">
-  <p:cSld>
-    <p:spTree>
-      <p:nvGrpSpPr>
-        <p:cNvPr id="1" name=""/>
-        <p:cNvGrpSpPr/>
-        <p:nvPr/>
-      </p:nvGrpSpPr>
-      <p:grpSpPr>
-        <a:xfrm>
-          <a:off x="0" y="0"/>
-          <a:ext cx="0" cy="0"/>
-          <a:chOff x="0" y="0"/>
-          <a:chExt cx="0" cy="0"/>
-        </a:xfrm>
-      </p:grpSpPr>
-      <p:sp>
-        <p:nvSpPr>
-          <p:cNvPr id="4" name="직사각형 3"/>
-          <p:cNvSpPr/>
-          <p:nvPr/>
-        </p:nvSpPr>
-        <p:spPr>
-          <a:xfrm rot="20502044">
-            <a:off x="-585960" y="1212921"/>
-            <a:ext cx="15235237" cy="7983230"/>
-          </a:xfrm>
-          <a:prstGeom prst="rect">
-            <a:avLst/>
-          </a:prstGeom>
-          <a:solidFill>
-            <a:srgbClr val="00B0F0"/>
-          </a:solidFill>
-          <a:ln>
-            <a:solidFill>
-              <a:srgbClr val="00B0F0"/>
-            </a:solidFill>
-          </a:ln>
-        </p:spPr>
-        <p:style>
-          <a:lnRef idx="2">
-            <a:schemeClr val="accent1">
-              <a:shade val="50000"/>
-            </a:schemeClr>
-          </a:lnRef>
-          <a:fillRef idx="1">
-            <a:schemeClr val="accent1"/>
-          </a:fillRef>
-          <a:effectRef idx="0">
-            <a:schemeClr val="accent1"/>
-          </a:effectRef>
-          <a:fontRef idx="minor">
-            <a:schemeClr val="lt1"/>
-          </a:fontRef>
-        </p:style>
-        <p:txBody>
-          <a:bodyPr rtlCol="0" anchor="ctr"/>
-          <a:lstStyle/>
-          <a:p>
-            <a:pPr algn="ctr"/>
-            <a:endParaRPr lang="ko-KR" altLang="en-US"/>
-          </a:p>
-        </p:txBody>
-      </p:sp>
-      <p:sp>
-        <p:nvSpPr>
-          <p:cNvPr id="2" name="제목 1"/>
-          <p:cNvSpPr>
-            <a:spLocks noGrp="1"/>
-          </p:cNvSpPr>
-          <p:nvPr>
-            <p:ph type="title"/>
-          </p:nvPr>
-        </p:nvSpPr>
-        <p:spPr>
-          <a:xfrm>
-            <a:off x="550817" y="373835"/>
-            <a:ext cx="3758999" cy="780262"/>
+            <a:off x="550545" y="374015"/>
+            <a:ext cx="3759200" cy="780415"/>
           </a:xfrm>
         </p:spPr>
         <p:txBody>
@@ -4018,8 +3876,8 @@
         </p:blipFill>
         <p:spPr>
           <a:xfrm>
-            <a:off x="1980123" y="1638333"/>
-            <a:ext cx="2094727" cy="2094727"/>
+            <a:off x="1979930" y="1638300"/>
+            <a:ext cx="2094865" cy="2094865"/>
           </a:xfrm>
           <a:prstGeom prst="rect">
             <a:avLst/>
@@ -4048,8 +3906,8 @@
         </p:blipFill>
         <p:spPr>
           <a:xfrm>
-            <a:off x="1745156" y="4106155"/>
-            <a:ext cx="2564660" cy="1442621"/>
+            <a:off x="1744980" y="4105910"/>
+            <a:ext cx="2564765" cy="1442720"/>
           </a:xfrm>
           <a:prstGeom prst="rect">
             <a:avLst/>
@@ -4078,8 +3936,8 @@
         </p:blipFill>
         <p:spPr>
           <a:xfrm>
-            <a:off x="6981301" y="2798685"/>
-            <a:ext cx="3322222" cy="1868750"/>
+            <a:off x="6981190" y="2798445"/>
+            <a:ext cx="3322320" cy="1868805"/>
           </a:xfrm>
           <a:prstGeom prst="rect">
             <a:avLst/>
@@ -4094,8 +3952,8 @@
         </p:nvSpPr>
         <p:spPr>
           <a:xfrm>
-            <a:off x="4745840" y="3160451"/>
-            <a:ext cx="1841651" cy="1331650"/>
+            <a:off x="4745990" y="3160395"/>
+            <a:ext cx="1841500" cy="1331595"/>
           </a:xfrm>
           <a:prstGeom prst="rightArrow">
             <a:avLst/>
@@ -4144,6 +4002,14 @@
   <p:clrMapOvr>
     <a:masterClrMapping/>
   </p:clrMapOvr>
+  <mc:AlternateContent xmlns:mc="http://schemas.openxmlformats.org/markup-compatibility/2006">
+    <mc:Choice xmlns:p14="http://schemas.microsoft.com/office/powerpoint/2010/main" Requires="p14">
+      <p:transition spd="slow" p14:dur="2000"/>
+    </mc:Choice>
+    <mc:Fallback>
+      <p:transition spd="slow"/>
+    </mc:Fallback>
+  </mc:AlternateContent>
   <p:timing>
     <p:tnLst>
       <p:par>
@@ -4155,7 +4021,7 @@
 </file>
 
 <file path=ppt/slides/slide3.xml><?xml version="1.0" encoding="utf-8"?>
-<p:sld xmlns:a="http://schemas.openxmlformats.org/drawingml/2006/main" xmlns:r="http://schemas.openxmlformats.org/officeDocument/2006/relationships" xmlns:p="http://schemas.openxmlformats.org/presentationml/2006/main">
+<p:sld xmlns:a="http://schemas.openxmlformats.org/drawingml/2006/main" xmlns:r="http://schemas.openxmlformats.org/officeDocument/2006/relationships" xmlns:p="http://schemas.openxmlformats.org/presentationml/2006/main" xmlns:p14="http://schemas.microsoft.com/office/powerpoint/2010/main">
   <p:cSld>
     <p:spTree>
       <p:nvGrpSpPr>
@@ -4179,8 +4045,8 @@
         </p:nvSpPr>
         <p:spPr>
           <a:xfrm rot="20502044">
-            <a:off x="-2317105" y="-1858752"/>
-            <a:ext cx="15235237" cy="7983230"/>
+            <a:off x="-2317115" y="-1858645"/>
+            <a:ext cx="15234920" cy="7983220"/>
           </a:xfrm>
           <a:prstGeom prst="rect">
             <a:avLst/>
@@ -4243,8 +4109,8 @@
         </p:blipFill>
         <p:spPr>
           <a:xfrm>
-            <a:off x="355106" y="1105093"/>
-            <a:ext cx="4235193" cy="3176395"/>
+            <a:off x="354965" y="1104900"/>
+            <a:ext cx="4235450" cy="3176270"/>
           </a:xfrm>
         </p:spPr>
       </p:pic>
@@ -4270,8 +4136,8 @@
         </p:blipFill>
         <p:spPr>
           <a:xfrm>
-            <a:off x="6525087" y="3020627"/>
-            <a:ext cx="4691354" cy="3518516"/>
+            <a:off x="6525260" y="3020695"/>
+            <a:ext cx="4691380" cy="3518535"/>
           </a:xfrm>
           <a:prstGeom prst="rect">
             <a:avLst/>
@@ -4300,8 +4166,8 @@
         </p:blipFill>
         <p:spPr>
           <a:xfrm>
-            <a:off x="7982011" y="4210466"/>
-            <a:ext cx="1826827" cy="1027590"/>
+            <a:off x="7981950" y="4210685"/>
+            <a:ext cx="1826895" cy="1027430"/>
           </a:xfrm>
           <a:prstGeom prst="rect">
             <a:avLst/>
@@ -4316,8 +4182,8 @@
         </p:nvSpPr>
         <p:spPr>
           <a:xfrm>
-            <a:off x="4971495" y="1105093"/>
-            <a:ext cx="1482571" cy="369332"/>
+            <a:off x="4971415" y="1104900"/>
+            <a:ext cx="1482725" cy="369570"/>
           </a:xfrm>
           <a:prstGeom prst="rect">
             <a:avLst/>
@@ -4358,8 +4224,8 @@
         </p:nvSpPr>
         <p:spPr>
           <a:xfrm rot="10800000">
-            <a:off x="4683513" y="1196543"/>
-            <a:ext cx="292963" cy="186431"/>
+            <a:off x="4683760" y="1196340"/>
+            <a:ext cx="292735" cy="186690"/>
           </a:xfrm>
           <a:prstGeom prst="rightArrow">
             <a:avLst/>
@@ -4406,8 +4272,8 @@
         </p:nvSpPr>
         <p:spPr>
           <a:xfrm>
-            <a:off x="4829994" y="5238056"/>
-            <a:ext cx="1482571" cy="369332"/>
+            <a:off x="4829810" y="5238115"/>
+            <a:ext cx="1482725" cy="369570"/>
           </a:xfrm>
           <a:prstGeom prst="rect">
             <a:avLst/>
@@ -4448,8 +4314,8 @@
         </p:nvSpPr>
         <p:spPr>
           <a:xfrm>
-            <a:off x="6125863" y="5329506"/>
-            <a:ext cx="292963" cy="186431"/>
+            <a:off x="6125845" y="5329555"/>
+            <a:ext cx="292735" cy="186690"/>
           </a:xfrm>
           <a:prstGeom prst="rightArrow">
             <a:avLst/>
@@ -4498,6 +4364,14 @@
   <p:clrMapOvr>
     <a:masterClrMapping/>
   </p:clrMapOvr>
+  <mc:AlternateContent xmlns:mc="http://schemas.openxmlformats.org/markup-compatibility/2006">
+    <mc:Choice xmlns:p14="http://schemas.microsoft.com/office/powerpoint/2010/main" Requires="p14">
+      <p:transition spd="slow" p14:dur="2000"/>
+    </mc:Choice>
+    <mc:Fallback>
+      <p:transition spd="slow"/>
+    </mc:Fallback>
+  </mc:AlternateContent>
   <p:timing>
     <p:tnLst>
       <p:par>
@@ -4509,7 +4383,7 @@
 </file>
 
 <file path=ppt/slides/slide4.xml><?xml version="1.0" encoding="utf-8"?>
-<p:sld xmlns:a="http://schemas.openxmlformats.org/drawingml/2006/main" xmlns:r="http://schemas.openxmlformats.org/officeDocument/2006/relationships" xmlns:p="http://schemas.openxmlformats.org/presentationml/2006/main">
+<p:sld xmlns:a="http://schemas.openxmlformats.org/drawingml/2006/main" xmlns:r="http://schemas.openxmlformats.org/officeDocument/2006/relationships" xmlns:p="http://schemas.openxmlformats.org/presentationml/2006/main" xmlns:p14="http://schemas.microsoft.com/office/powerpoint/2010/main">
   <p:cSld>
     <p:spTree>
       <p:nvGrpSpPr>
@@ -4528,24 +4402,27 @@
       <p:sp>
         <p:nvSpPr>
           <p:cNvPr id="4" name="직사각형 3"/>
-          <p:cNvSpPr/>
+          <p:cNvSpPr>
+            <a:spLocks/>
+          </p:cNvSpPr>
           <p:nvPr/>
         </p:nvSpPr>
         <p:spPr>
-          <a:xfrm rot="20502044">
-            <a:off x="-585960" y="1212921"/>
-            <a:ext cx="15235237" cy="7983230"/>
-          </a:xfrm>
-          <a:prstGeom prst="rect">
-            <a:avLst/>
-          </a:prstGeom>
+          <a:xfrm rot="20460000">
+            <a:off x="-574675" y="399415"/>
+            <a:ext cx="15235555" cy="7983855"/>
+          </a:xfrm>
+          <a:prstGeom prst="rect"/>
           <a:solidFill>
             <a:srgbClr val="00B0F0"/>
           </a:solidFill>
-          <a:ln>
+          <a:ln w="12700" cap="flat" cmpd="sng">
             <a:solidFill>
-              <a:srgbClr val="00B0F0"/>
+              <a:srgbClr val="00B0F0">
+                <a:alpha val="100000"/>
+              </a:srgbClr>
             </a:solidFill>
+            <a:prstDash val="solid"/>
           </a:ln>
         </p:spPr>
         <p:style>
@@ -4565,11 +4442,28 @@
           </a:fontRef>
         </p:style>
         <p:txBody>
-          <a:bodyPr rtlCol="0" anchor="ctr"/>
-          <a:lstStyle/>
-          <a:p>
-            <a:pPr algn="ctr"/>
-            <a:endParaRPr lang="ko-KR" altLang="en-US"/>
+          <a:bodyPr wrap="square" lIns="91440" tIns="45720" rIns="91440" bIns="45720" numCol="1" vert="horz" anchor="ctr">
+            <a:noAutofit/>
+          </a:bodyPr>
+          <a:lstStyle/>
+          <a:p>
+            <a:pPr marL="0" indent="0" algn="ctr" fontAlgn="auto" defTabSz="914400" eaLnBrk="0">
+              <a:lnSpc>
+                <a:spcPct val="100000"/>
+              </a:lnSpc>
+              <a:spcBef>
+                <a:spcPts val="0"/>
+              </a:spcBef>
+              <a:spcAft>
+                <a:spcPts val="0"/>
+              </a:spcAft>
+              <a:buFontTx/>
+              <a:buNone/>
+            </a:pPr>
+            <a:endParaRPr lang="ko-KR" altLang="en-US" sz="1800" cap="none" dirty="0" smtClean="0" b="0" strike="noStrike">
+              <a:latin typeface="맑은 고딕" charset="0"/>
+              <a:ea typeface="맑은 고딕" charset="0"/>
+            </a:endParaRPr>
           </a:p>
         </p:txBody>
       </p:sp>
@@ -4585,8 +4479,8 @@
         </p:nvSpPr>
         <p:spPr>
           <a:xfrm>
-            <a:off x="550817" y="373835"/>
-            <a:ext cx="10839232" cy="780262"/>
+            <a:off x="550545" y="374015"/>
+            <a:ext cx="10839450" cy="780415"/>
           </a:xfrm>
         </p:spPr>
         <p:txBody>
@@ -4609,8 +4503,8 @@
         </p:nvSpPr>
         <p:spPr>
           <a:xfrm>
-            <a:off x="550817" y="1444624"/>
-            <a:ext cx="10839232" cy="4681855"/>
+            <a:off x="550545" y="1444625"/>
+            <a:ext cx="10839450" cy="4681855"/>
           </a:xfrm>
         </p:spPr>
         <p:txBody>
@@ -4643,8 +4537,8 @@
         </p:blipFill>
         <p:spPr>
           <a:xfrm>
-            <a:off x="1811591" y="958788"/>
-            <a:ext cx="8317683" cy="4678697"/>
+            <a:off x="1811655" y="958850"/>
+            <a:ext cx="8317865" cy="4678680"/>
           </a:xfrm>
           <a:prstGeom prst="rect">
             <a:avLst/>
@@ -4661,6 +4555,14 @@
   <p:clrMapOvr>
     <a:masterClrMapping/>
   </p:clrMapOvr>
+  <mc:AlternateContent xmlns:mc="http://schemas.openxmlformats.org/markup-compatibility/2006">
+    <mc:Choice xmlns:p14="http://schemas.microsoft.com/office/powerpoint/2010/main" Requires="p14">
+      <p:transition spd="slow" p14:dur="2000"/>
+    </mc:Choice>
+    <mc:Fallback>
+      <p:transition spd="slow"/>
+    </mc:Fallback>
+  </mc:AlternateContent>
   <p:timing>
     <p:tnLst>
       <p:par>
@@ -4672,7 +4574,7 @@
 </file>
 
 <file path=ppt/slides/slide5.xml><?xml version="1.0" encoding="utf-8"?>
-<p:sld xmlns:a="http://schemas.openxmlformats.org/drawingml/2006/main" xmlns:r="http://schemas.openxmlformats.org/officeDocument/2006/relationships" xmlns:p="http://schemas.openxmlformats.org/presentationml/2006/main">
+<p:sld xmlns:a="http://schemas.openxmlformats.org/drawingml/2006/main" xmlns:r="http://schemas.openxmlformats.org/officeDocument/2006/relationships" xmlns:p="http://schemas.openxmlformats.org/presentationml/2006/main" xmlns:p14="http://schemas.microsoft.com/office/powerpoint/2010/main">
   <p:cSld>
     <p:spTree>
       <p:nvGrpSpPr>
@@ -4691,24 +4593,27 @@
       <p:sp>
         <p:nvSpPr>
           <p:cNvPr id="4" name="직사각형 3"/>
-          <p:cNvSpPr/>
+          <p:cNvSpPr>
+            <a:spLocks/>
+          </p:cNvSpPr>
           <p:nvPr/>
         </p:nvSpPr>
         <p:spPr>
-          <a:xfrm rot="20502044">
-            <a:off x="-585960" y="1212921"/>
-            <a:ext cx="15235237" cy="7983230"/>
-          </a:xfrm>
-          <a:prstGeom prst="rect">
-            <a:avLst/>
-          </a:prstGeom>
+          <a:xfrm rot="20460000">
+            <a:off x="-1256665" y="432435"/>
+            <a:ext cx="15235555" cy="7983855"/>
+          </a:xfrm>
+          <a:prstGeom prst="rect"/>
           <a:solidFill>
             <a:srgbClr val="00B0F0"/>
           </a:solidFill>
-          <a:ln>
+          <a:ln w="12700" cap="flat" cmpd="sng">
             <a:solidFill>
-              <a:srgbClr val="00B0F0"/>
+              <a:srgbClr val="00B0F0">
+                <a:alpha val="100000"/>
+              </a:srgbClr>
             </a:solidFill>
+            <a:prstDash val="solid"/>
           </a:ln>
         </p:spPr>
         <p:style>
@@ -4728,11 +4633,28 @@
           </a:fontRef>
         </p:style>
         <p:txBody>
-          <a:bodyPr rtlCol="0" anchor="ctr"/>
-          <a:lstStyle/>
-          <a:p>
-            <a:pPr algn="ctr"/>
-            <a:endParaRPr lang="ko-KR" altLang="en-US"/>
+          <a:bodyPr wrap="square" lIns="91440" tIns="45720" rIns="91440" bIns="45720" numCol="1" vert="horz" anchor="ctr">
+            <a:noAutofit/>
+          </a:bodyPr>
+          <a:lstStyle/>
+          <a:p>
+            <a:pPr marL="0" indent="0" algn="ctr" fontAlgn="auto" defTabSz="914400" eaLnBrk="0">
+              <a:lnSpc>
+                <a:spcPct val="100000"/>
+              </a:lnSpc>
+              <a:spcBef>
+                <a:spcPts val="0"/>
+              </a:spcBef>
+              <a:spcAft>
+                <a:spcPts val="0"/>
+              </a:spcAft>
+              <a:buFontTx/>
+              <a:buNone/>
+            </a:pPr>
+            <a:endParaRPr lang="ko-KR" altLang="en-US" sz="1800" cap="none" dirty="0" smtClean="0" b="0" strike="noStrike">
+              <a:latin typeface="맑은 고딕" charset="0"/>
+              <a:ea typeface="맑은 고딕" charset="0"/>
+            </a:endParaRPr>
           </a:p>
         </p:txBody>
       </p:sp>
@@ -4748,8 +4670,8 @@
         </p:nvSpPr>
         <p:spPr>
           <a:xfrm>
-            <a:off x="550817" y="373835"/>
-            <a:ext cx="4003428" cy="780262"/>
+            <a:off x="550545" y="374015"/>
+            <a:ext cx="4003675" cy="780415"/>
           </a:xfrm>
         </p:spPr>
         <p:txBody>
@@ -4798,8 +4720,8 @@
         </p:nvSpPr>
         <p:spPr bwMode="auto">
           <a:xfrm>
-            <a:off x="-1773618" y="747895"/>
-            <a:ext cx="19718278" cy="720924"/>
+            <a:off x="-1773555" y="748030"/>
+            <a:ext cx="19718020" cy="720725"/>
           </a:xfrm>
           <a:prstGeom prst="rect">
             <a:avLst/>
@@ -4853,7 +4775,7 @@
       </p:sp>
       <p:pic>
         <p:nvPicPr>
-          <p:cNvPr id="1025" name="_x323561040" descr="EMB00000b885e92"/>
+          <p:cNvPr id="1025" name="_x323561040"/>
           <p:cNvPicPr>
             <a:picLocks noChangeAspect="1" noChangeArrowheads="1"/>
           </p:cNvPicPr>
@@ -4874,8 +4796,8 @@
         </p:blipFill>
         <p:spPr bwMode="auto">
           <a:xfrm>
-            <a:off x="1009437" y="2002676"/>
-            <a:ext cx="3446054" cy="3061363"/>
+            <a:off x="1009650" y="2002790"/>
+            <a:ext cx="3446145" cy="3061335"/>
           </a:xfrm>
           <a:prstGeom prst="rect">
             <a:avLst/>
@@ -4902,6 +4824,14 @@
   <p:clrMapOvr>
     <a:masterClrMapping/>
   </p:clrMapOvr>
+  <mc:AlternateContent xmlns:mc="http://schemas.openxmlformats.org/markup-compatibility/2006">
+    <mc:Choice xmlns:p14="http://schemas.microsoft.com/office/powerpoint/2010/main" Requires="p14">
+      <p:transition spd="slow" p14:dur="2000"/>
+    </mc:Choice>
+    <mc:Fallback>
+      <p:transition spd="slow"/>
+    </mc:Fallback>
+  </mc:AlternateContent>
   <p:timing>
     <p:tnLst>
       <p:par>
@@ -4913,7 +4843,7 @@
 </file>
 
 <file path=ppt/slides/slide6.xml><?xml version="1.0" encoding="utf-8"?>
-<p:sld xmlns:a="http://schemas.openxmlformats.org/drawingml/2006/main" xmlns:r="http://schemas.openxmlformats.org/officeDocument/2006/relationships" xmlns:p="http://schemas.openxmlformats.org/presentationml/2006/main">
+<p:sld xmlns:a="http://schemas.openxmlformats.org/drawingml/2006/main" xmlns:r="http://schemas.openxmlformats.org/officeDocument/2006/relationships" xmlns:p="http://schemas.openxmlformats.org/presentationml/2006/main" xmlns:p14="http://schemas.microsoft.com/office/powerpoint/2010/main">
   <p:cSld>
     <p:spTree>
       <p:nvGrpSpPr>
@@ -4937,8 +4867,8 @@
         </p:nvSpPr>
         <p:spPr>
           <a:xfrm rot="20502044">
-            <a:off x="-2450269" y="-1769976"/>
-            <a:ext cx="15235237" cy="7983230"/>
+            <a:off x="-2450465" y="-1769745"/>
+            <a:ext cx="15234920" cy="7983220"/>
           </a:xfrm>
           <a:prstGeom prst="rect">
             <a:avLst/>
@@ -4987,8 +4917,8 @@
         </p:nvSpPr>
         <p:spPr bwMode="auto">
           <a:xfrm>
-            <a:off x="-408373" y="2760956"/>
-            <a:ext cx="12192000" cy="457200"/>
+            <a:off x="-408305" y="2760980"/>
+            <a:ext cx="544830" cy="457200"/>
           </a:xfrm>
           <a:prstGeom prst="rect">
             <a:avLst/>
@@ -5042,7 +4972,7 @@
       </p:sp>
       <p:pic>
         <p:nvPicPr>
-          <p:cNvPr id="2053" name="_x323575152" descr="EMB00000b885e9b"/>
+          <p:cNvPr id="2053" name="_x323575152"/>
           <p:cNvPicPr>
             <a:picLocks noChangeAspect="1" noChangeArrowheads="1"/>
           </p:cNvPicPr>
@@ -5063,8 +4993,8 @@
         </p:blipFill>
         <p:spPr bwMode="auto">
           <a:xfrm>
-            <a:off x="700441" y="2221639"/>
-            <a:ext cx="5543967" cy="2756516"/>
+            <a:off x="700405" y="2221865"/>
+            <a:ext cx="5544185" cy="2756535"/>
           </a:xfrm>
           <a:prstGeom prst="rect">
             <a:avLst/>
@@ -5091,6 +5021,14 @@
   <p:clrMapOvr>
     <a:masterClrMapping/>
   </p:clrMapOvr>
+  <mc:AlternateContent xmlns:mc="http://schemas.openxmlformats.org/markup-compatibility/2006">
+    <mc:Choice xmlns:p14="http://schemas.microsoft.com/office/powerpoint/2010/main" Requires="p14">
+      <p:transition spd="slow" p14:dur="2000"/>
+    </mc:Choice>
+    <mc:Fallback>
+      <p:transition spd="slow"/>
+    </mc:Fallback>
+  </mc:AlternateContent>
   <p:timing>
     <p:tnLst>
       <p:par>
@@ -5102,7 +5040,7 @@
 </file>
 
 <file path=ppt/slides/slide7.xml><?xml version="1.0" encoding="utf-8"?>
-<p:sld xmlns:a="http://schemas.openxmlformats.org/drawingml/2006/main" xmlns:r="http://schemas.openxmlformats.org/officeDocument/2006/relationships" xmlns:p="http://schemas.openxmlformats.org/presentationml/2006/main">
+<p:sld xmlns:a="http://schemas.openxmlformats.org/drawingml/2006/main" xmlns:r="http://schemas.openxmlformats.org/officeDocument/2006/relationships" xmlns:p="http://schemas.openxmlformats.org/presentationml/2006/main" xmlns:p14="http://schemas.microsoft.com/office/powerpoint/2010/main">
   <p:cSld>
     <p:spTree>
       <p:nvGrpSpPr>
@@ -5121,24 +5059,27 @@
       <p:sp>
         <p:nvSpPr>
           <p:cNvPr id="4" name="직사각형 3"/>
-          <p:cNvSpPr/>
+          <p:cNvSpPr>
+            <a:spLocks/>
+          </p:cNvSpPr>
           <p:nvPr/>
         </p:nvSpPr>
         <p:spPr>
-          <a:xfrm rot="20502044">
-            <a:off x="-585960" y="1212921"/>
-            <a:ext cx="15235237" cy="7983230"/>
-          </a:xfrm>
-          <a:prstGeom prst="rect">
-            <a:avLst/>
-          </a:prstGeom>
+          <a:xfrm rot="20460000">
+            <a:off x="-1003935" y="498475"/>
+            <a:ext cx="15235555" cy="7983855"/>
+          </a:xfrm>
+          <a:prstGeom prst="rect"/>
           <a:solidFill>
             <a:srgbClr val="00B0F0"/>
           </a:solidFill>
-          <a:ln>
+          <a:ln w="12700" cap="flat" cmpd="sng">
             <a:solidFill>
-              <a:srgbClr val="00B0F0"/>
+              <a:srgbClr val="00B0F0">
+                <a:alpha val="100000"/>
+              </a:srgbClr>
             </a:solidFill>
+            <a:prstDash val="solid"/>
           </a:ln>
         </p:spPr>
         <p:style>
@@ -5158,11 +5099,28 @@
           </a:fontRef>
         </p:style>
         <p:txBody>
-          <a:bodyPr rtlCol="0" anchor="ctr"/>
-          <a:lstStyle/>
-          <a:p>
-            <a:pPr algn="ctr"/>
-            <a:endParaRPr lang="ko-KR" altLang="en-US"/>
+          <a:bodyPr wrap="square" lIns="91440" tIns="45720" rIns="91440" bIns="45720" numCol="1" vert="horz" anchor="ctr">
+            <a:noAutofit/>
+          </a:bodyPr>
+          <a:lstStyle/>
+          <a:p>
+            <a:pPr marL="0" indent="0" algn="ctr" fontAlgn="auto" defTabSz="914400" eaLnBrk="0">
+              <a:lnSpc>
+                <a:spcPct val="100000"/>
+              </a:lnSpc>
+              <a:spcBef>
+                <a:spcPts val="0"/>
+              </a:spcBef>
+              <a:spcAft>
+                <a:spcPts val="0"/>
+              </a:spcAft>
+              <a:buFontTx/>
+              <a:buNone/>
+            </a:pPr>
+            <a:endParaRPr lang="ko-KR" altLang="en-US" sz="1800" cap="none" dirty="0" smtClean="0" b="0" strike="noStrike">
+              <a:latin typeface="맑은 고딕" charset="0"/>
+              <a:ea typeface="맑은 고딕" charset="0"/>
+            </a:endParaRPr>
           </a:p>
         </p:txBody>
       </p:sp>
@@ -5178,8 +5136,8 @@
         </p:nvSpPr>
         <p:spPr>
           <a:xfrm>
-            <a:off x="550817" y="373835"/>
-            <a:ext cx="3657199" cy="780262"/>
+            <a:off x="550545" y="374015"/>
+            <a:ext cx="3656965" cy="780415"/>
           </a:xfrm>
         </p:spPr>
         <p:txBody>
@@ -5218,6 +5176,14 @@
   <p:clrMapOvr>
     <a:masterClrMapping/>
   </p:clrMapOvr>
+  <mc:AlternateContent xmlns:mc="http://schemas.openxmlformats.org/markup-compatibility/2006">
+    <mc:Choice xmlns:p14="http://schemas.microsoft.com/office/powerpoint/2010/main" Requires="p14">
+      <p:transition spd="slow" p14:dur="2000"/>
+    </mc:Choice>
+    <mc:Fallback>
+      <p:transition spd="slow"/>
+    </mc:Fallback>
+  </mc:AlternateContent>
   <p:timing>
     <p:tnLst>
       <p:par>
@@ -5229,7 +5195,7 @@
 </file>
 
 <file path=ppt/slides/slide8.xml><?xml version="1.0" encoding="utf-8"?>
-<p:sld xmlns:a="http://schemas.openxmlformats.org/drawingml/2006/main" xmlns:r="http://schemas.openxmlformats.org/officeDocument/2006/relationships" xmlns:p="http://schemas.openxmlformats.org/presentationml/2006/main">
+<p:sld xmlns:a="http://schemas.openxmlformats.org/drawingml/2006/main" xmlns:r="http://schemas.openxmlformats.org/officeDocument/2006/relationships" xmlns:p="http://schemas.openxmlformats.org/presentationml/2006/main" xmlns:p14="http://schemas.microsoft.com/office/powerpoint/2010/main">
   <p:cSld>
     <p:spTree>
       <p:nvGrpSpPr>
@@ -5248,24 +5214,27 @@
       <p:sp>
         <p:nvSpPr>
           <p:cNvPr id="4" name="직사각형 3"/>
-          <p:cNvSpPr/>
+          <p:cNvSpPr>
+            <a:spLocks/>
+          </p:cNvSpPr>
           <p:nvPr/>
         </p:nvSpPr>
         <p:spPr>
-          <a:xfrm rot="20502044">
-            <a:off x="-585960" y="1212921"/>
-            <a:ext cx="15235237" cy="7983230"/>
-          </a:xfrm>
-          <a:prstGeom prst="rect">
-            <a:avLst/>
-          </a:prstGeom>
+          <a:xfrm rot="20460000">
+            <a:off x="-1036955" y="608330"/>
+            <a:ext cx="15235555" cy="7983855"/>
+          </a:xfrm>
+          <a:prstGeom prst="rect"/>
           <a:solidFill>
             <a:srgbClr val="00B0F0"/>
           </a:solidFill>
-          <a:ln>
+          <a:ln w="12700" cap="flat" cmpd="sng">
             <a:solidFill>
-              <a:srgbClr val="00B0F0"/>
+              <a:srgbClr val="00B0F0">
+                <a:alpha val="100000"/>
+              </a:srgbClr>
             </a:solidFill>
+            <a:prstDash val="solid"/>
           </a:ln>
         </p:spPr>
         <p:style>
@@ -5285,11 +5254,28 @@
           </a:fontRef>
         </p:style>
         <p:txBody>
-          <a:bodyPr rtlCol="0" anchor="ctr"/>
-          <a:lstStyle/>
-          <a:p>
-            <a:pPr algn="ctr"/>
-            <a:endParaRPr lang="ko-KR" altLang="en-US"/>
+          <a:bodyPr wrap="square" lIns="91440" tIns="45720" rIns="91440" bIns="45720" numCol="1" vert="horz" anchor="ctr">
+            <a:noAutofit/>
+          </a:bodyPr>
+          <a:lstStyle/>
+          <a:p>
+            <a:pPr marL="0" indent="0" algn="ctr" fontAlgn="auto" defTabSz="914400" eaLnBrk="0">
+              <a:lnSpc>
+                <a:spcPct val="100000"/>
+              </a:lnSpc>
+              <a:spcBef>
+                <a:spcPts val="0"/>
+              </a:spcBef>
+              <a:spcAft>
+                <a:spcPts val="0"/>
+              </a:spcAft>
+              <a:buFontTx/>
+              <a:buNone/>
+            </a:pPr>
+            <a:endParaRPr lang="ko-KR" altLang="en-US" sz="1800" cap="none" dirty="0" smtClean="0" b="0" strike="noStrike">
+              <a:latin typeface="맑은 고딕" charset="0"/>
+              <a:ea typeface="맑은 고딕" charset="0"/>
+            </a:endParaRPr>
           </a:p>
         </p:txBody>
       </p:sp>
@@ -5305,8 +5291,8 @@
         </p:nvSpPr>
         <p:spPr>
           <a:xfrm>
-            <a:off x="550816" y="373835"/>
-            <a:ext cx="3524033" cy="780262"/>
+            <a:off x="550545" y="374015"/>
+            <a:ext cx="3524250" cy="780415"/>
           </a:xfrm>
         </p:spPr>
         <p:txBody>
@@ -5337,25 +5323,420 @@
       </p:sp>
       <p:sp>
         <p:nvSpPr>
-          <p:cNvPr id="9" name="오른쪽 화살표 8"/>
-          <p:cNvSpPr/>
+          <p:cNvPr id="11" name="텍스트 상자 10"/>
+          <p:cNvSpPr txBox="1">
+            <a:spLocks/>
+          </p:cNvSpPr>
           <p:nvPr/>
         </p:nvSpPr>
         <p:spPr>
-          <a:xfrm rot="10800000">
-            <a:off x="4683513" y="1196543"/>
-            <a:ext cx="292963" cy="186431"/>
-          </a:xfrm>
-          <a:prstGeom prst="rightArrow">
-            <a:avLst/>
-          </a:prstGeom>
+          <a:xfrm rot="0">
+            <a:off x="2901315" y="1506220"/>
+            <a:ext cx="9288780" cy="4968875"/>
+          </a:xfrm>
+          <a:prstGeom prst="rect"/>
+          <a:noFill/>
+          <a:ln w="0">
+            <a:noFill/>
+            <a:prstDash/>
+          </a:ln>
+        </p:spPr>
+        <p:txBody>
+          <a:bodyPr wrap="square" lIns="89535" tIns="46355" rIns="89535" bIns="46355" vert="horz" anchor="t">
+            <a:spAutoFit/>
+          </a:bodyPr>
+          <a:lstStyle/>
+          <a:p>
+            <a:pPr marL="0" indent="0" algn="l" fontAlgn="auto" defTabSz="508000">
+              <a:lnSpc>
+                <a:spcPct val="160000"/>
+              </a:lnSpc>
+              <a:spcBef>
+                <a:spcPts val="0"/>
+              </a:spcBef>
+              <a:spcAft>
+                <a:spcPts val="0"/>
+              </a:spcAft>
+              <a:buFontTx/>
+              <a:buNone/>
+            </a:pPr>
+            <a:r>
+              <a:rPr lang="en-US" altLang="ko-KR" sz="1800" cap="none" dirty="0" smtClean="0" b="1" strike="noStrike">
+                <a:solidFill>
+                  <a:schemeClr val="bg1"/>
+                </a:solidFill>
+                <a:latin typeface="나눔스퀘어라운드 Bold" charset="0"/>
+                <a:ea typeface="나눔스퀘어라운드 Bold" charset="0"/>
+              </a:rPr>
+              <a:t>그림을 그리는 도중 시스템이 다운될 경우</a:t>
+            </a:r>
+            <a:endParaRPr lang="ko-KR" altLang="en-US" sz="1800" cap="none" dirty="0" smtClean="0" b="1" strike="noStrike">
+              <a:solidFill>
+                <a:schemeClr val="bg1"/>
+              </a:solidFill>
+              <a:latin typeface="나눔스퀘어라운드 Bold" charset="0"/>
+              <a:ea typeface="나눔스퀘어라운드 Bold" charset="0"/>
+            </a:endParaRPr>
+          </a:p>
+          <a:p>
+            <a:pPr marL="0" indent="0" algn="l" fontAlgn="auto" defTabSz="508000">
+              <a:lnSpc>
+                <a:spcPct val="160000"/>
+              </a:lnSpc>
+              <a:spcBef>
+                <a:spcPts val="0"/>
+              </a:spcBef>
+              <a:spcAft>
+                <a:spcPts val="0"/>
+              </a:spcAft>
+              <a:buFontTx/>
+              <a:buNone/>
+            </a:pPr>
+            <a:r>
+              <a:rPr lang="en-US" altLang="ko-KR" sz="1800" cap="none" dirty="0" smtClean="0" b="0" strike="noStrike">
+                <a:solidFill>
+                  <a:schemeClr val="bg1"/>
+                </a:solidFill>
+                <a:latin typeface="나눔스퀘어" charset="0"/>
+                <a:ea typeface="나눔스퀘어" charset="0"/>
+              </a:rPr>
+              <a:t>저장을 누르면 그림이 저장</a:t>
+            </a:r>
+            <a:endParaRPr lang="ko-KR" altLang="en-US" sz="1800" cap="none" dirty="0" smtClean="0" b="0" strike="noStrike">
+              <a:solidFill>
+                <a:schemeClr val="bg1"/>
+              </a:solidFill>
+              <a:latin typeface="나눔스퀘어" charset="0"/>
+              <a:ea typeface="나눔스퀘어" charset="0"/>
+            </a:endParaRPr>
+          </a:p>
+          <a:p>
+            <a:pPr marL="0" indent="0" algn="l" fontAlgn="auto" defTabSz="508000">
+              <a:lnSpc>
+                <a:spcPct val="160000"/>
+              </a:lnSpc>
+              <a:spcBef>
+                <a:spcPts val="0"/>
+              </a:spcBef>
+              <a:spcAft>
+                <a:spcPts val="0"/>
+              </a:spcAft>
+              <a:buFontTx/>
+              <a:buNone/>
+            </a:pPr>
+            <a:r>
+              <a:rPr lang="en-US" altLang="ko-KR" sz="1800" cap="none" dirty="0" smtClean="0" b="0" strike="noStrike">
+                <a:solidFill>
+                  <a:schemeClr val="bg1"/>
+                </a:solidFill>
+                <a:latin typeface="나눔스퀘어" charset="0"/>
+                <a:ea typeface="나눔스퀘어" charset="0"/>
+              </a:rPr>
+              <a:t>저장 이후에 알 수 없는 에러로 다운이 되면 그 저장을 불러올 수 있습니다.</a:t>
+            </a:r>
+            <a:endParaRPr lang="ko-KR" altLang="en-US" sz="1800" cap="none" dirty="0" smtClean="0" b="0" strike="noStrike">
+              <a:solidFill>
+                <a:schemeClr val="bg1"/>
+              </a:solidFill>
+              <a:latin typeface="나눔스퀘어" charset="0"/>
+              <a:ea typeface="나눔스퀘어" charset="0"/>
+            </a:endParaRPr>
+          </a:p>
+          <a:p>
+            <a:pPr marL="0" indent="0" algn="l" fontAlgn="auto" defTabSz="508000">
+              <a:lnSpc>
+                <a:spcPct val="160000"/>
+              </a:lnSpc>
+              <a:spcBef>
+                <a:spcPts val="0"/>
+              </a:spcBef>
+              <a:spcAft>
+                <a:spcPts val="0"/>
+              </a:spcAft>
+              <a:buFontTx/>
+              <a:buNone/>
+            </a:pPr>
+            <a:r>
+              <a:rPr lang="en-US" altLang="ko-KR" sz="1800" cap="none" dirty="0" smtClean="0" b="1" strike="noStrike">
+                <a:solidFill>
+                  <a:schemeClr val="bg1"/>
+                </a:solidFill>
+                <a:latin typeface="나눔스퀘어라운드 Bold" charset="0"/>
+                <a:ea typeface="나눔스퀘어라운드 Bold" charset="0"/>
+              </a:rPr>
+              <a:t>손가락 말고 다른 것이 인식될 경우</a:t>
+            </a:r>
+            <a:endParaRPr lang="ko-KR" altLang="en-US" sz="1800" cap="none" dirty="0" smtClean="0" b="1" strike="noStrike">
+              <a:solidFill>
+                <a:schemeClr val="bg1"/>
+              </a:solidFill>
+              <a:latin typeface="나눔스퀘어라운드 Bold" charset="0"/>
+              <a:ea typeface="나눔스퀘어라운드 Bold" charset="0"/>
+            </a:endParaRPr>
+          </a:p>
+          <a:p>
+            <a:pPr marL="0" indent="0" algn="l" fontAlgn="auto" defTabSz="508000">
+              <a:lnSpc>
+                <a:spcPct val="160000"/>
+              </a:lnSpc>
+              <a:spcBef>
+                <a:spcPts val="0"/>
+              </a:spcBef>
+              <a:spcAft>
+                <a:spcPts val="0"/>
+              </a:spcAft>
+              <a:buFontTx/>
+              <a:buNone/>
+            </a:pPr>
+            <a:r>
+              <a:rPr lang="en-US" altLang="ko-KR" sz="1800" cap="none" dirty="0" smtClean="0" b="0" strike="noStrike">
+                <a:solidFill>
+                  <a:schemeClr val="bg1"/>
+                </a:solidFill>
+                <a:latin typeface="나눔스퀘어" charset="0"/>
+                <a:ea typeface="나눔스퀘어" charset="0"/>
+              </a:rPr>
+              <a:t>손가락 주변에서 지속적으로 RoI를 생성해 인식함으로 다른 것이 검출될 확률은 낮습니다.</a:t>
+            </a:r>
+            <a:endParaRPr lang="ko-KR" altLang="en-US" sz="1800" cap="none" dirty="0" smtClean="0" b="0" strike="noStrike">
+              <a:solidFill>
+                <a:schemeClr val="bg1"/>
+              </a:solidFill>
+              <a:latin typeface="나눔스퀘어" charset="0"/>
+              <a:ea typeface="나눔스퀘어" charset="0"/>
+            </a:endParaRPr>
+          </a:p>
+          <a:p>
+            <a:pPr marL="0" indent="0" algn="l" fontAlgn="auto" defTabSz="508000">
+              <a:lnSpc>
+                <a:spcPct val="160000"/>
+              </a:lnSpc>
+              <a:spcBef>
+                <a:spcPts val="0"/>
+              </a:spcBef>
+              <a:spcAft>
+                <a:spcPts val="0"/>
+              </a:spcAft>
+              <a:buFontTx/>
+              <a:buNone/>
+            </a:pPr>
+            <a:r>
+              <a:rPr lang="en-US" altLang="ko-KR" sz="1800" cap="none" dirty="0" smtClean="0" b="0" strike="noStrike">
+                <a:solidFill>
+                  <a:schemeClr val="bg1"/>
+                </a:solidFill>
+                <a:latin typeface="나눔스퀘어" charset="0"/>
+                <a:ea typeface="나눔스퀘어" charset="0"/>
+              </a:rPr>
+              <a:t>하지만 다른 것이 손가락 주변에서 인식이 될 경우 인식한 물체 중심으로 색을 검색을 하는 단점이 있습니다.</a:t>
+            </a:r>
+            <a:endParaRPr lang="ko-KR" altLang="en-US" sz="1800" cap="none" dirty="0" smtClean="0" b="0" strike="noStrike">
+              <a:solidFill>
+                <a:schemeClr val="bg1"/>
+              </a:solidFill>
+              <a:latin typeface="나눔스퀘어" charset="0"/>
+              <a:ea typeface="나눔스퀘어" charset="0"/>
+            </a:endParaRPr>
+          </a:p>
+          <a:p>
+            <a:pPr marL="0" indent="0" algn="l" fontAlgn="auto" defTabSz="508000">
+              <a:lnSpc>
+                <a:spcPct val="160000"/>
+              </a:lnSpc>
+              <a:spcBef>
+                <a:spcPts val="0"/>
+              </a:spcBef>
+              <a:spcAft>
+                <a:spcPts val="0"/>
+              </a:spcAft>
+              <a:buFontTx/>
+              <a:buNone/>
+            </a:pPr>
+            <a:r>
+              <a:rPr lang="en-US" altLang="ko-KR" sz="1800" cap="none" dirty="0" smtClean="0" b="1" strike="noStrike">
+                <a:solidFill>
+                  <a:schemeClr val="bg1"/>
+                </a:solidFill>
+                <a:latin typeface="나눔스퀘어라운드 Bold" charset="0"/>
+                <a:ea typeface="나눔스퀘어라운드 Bold" charset="0"/>
+              </a:rPr>
+              <a:t>같은 사진 이름이 저장하려는 경우</a:t>
+            </a:r>
+            <a:endParaRPr lang="ko-KR" altLang="en-US" sz="1800" cap="none" dirty="0" smtClean="0" b="1" strike="noStrike">
+              <a:solidFill>
+                <a:schemeClr val="bg1"/>
+              </a:solidFill>
+              <a:latin typeface="나눔스퀘어라운드 Bold" charset="0"/>
+              <a:ea typeface="나눔스퀘어라운드 Bold" charset="0"/>
+            </a:endParaRPr>
+          </a:p>
+          <a:p>
+            <a:pPr marL="0" indent="0" algn="l" fontAlgn="auto" defTabSz="508000">
+              <a:lnSpc>
+                <a:spcPct val="160000"/>
+              </a:lnSpc>
+              <a:spcBef>
+                <a:spcPts val="0"/>
+              </a:spcBef>
+              <a:spcAft>
+                <a:spcPts val="0"/>
+              </a:spcAft>
+              <a:buFontTx/>
+              <a:buNone/>
+            </a:pPr>
+            <a:r>
+              <a:rPr lang="en-US" altLang="ko-KR" sz="1800" cap="none" dirty="0" smtClean="0" b="0" strike="noStrike">
+                <a:solidFill>
+                  <a:schemeClr val="bg1"/>
+                </a:solidFill>
+                <a:latin typeface="나눔스퀘어" charset="0"/>
+                <a:ea typeface="나눔스퀘어" charset="0"/>
+              </a:rPr>
+              <a:t>중복을 확인 – DB에서 중복을 확인</a:t>
+            </a:r>
+            <a:endParaRPr lang="ko-KR" altLang="en-US" sz="1800" cap="none" dirty="0" smtClean="0" b="0" strike="noStrike">
+              <a:solidFill>
+                <a:schemeClr val="bg1"/>
+              </a:solidFill>
+              <a:latin typeface="나눔스퀘어" charset="0"/>
+              <a:ea typeface="나눔스퀘어" charset="0"/>
+            </a:endParaRPr>
+          </a:p>
+          <a:p>
+            <a:pPr marL="0" indent="0" algn="l" fontAlgn="auto" defTabSz="508000">
+              <a:lnSpc>
+                <a:spcPct val="160000"/>
+              </a:lnSpc>
+              <a:spcBef>
+                <a:spcPts val="0"/>
+              </a:spcBef>
+              <a:spcAft>
+                <a:spcPts val="0"/>
+              </a:spcAft>
+              <a:buFontTx/>
+              <a:buNone/>
+            </a:pPr>
+            <a:r>
+              <a:rPr lang="en-US" altLang="ko-KR" sz="1800" cap="none" dirty="0" smtClean="0" b="0" strike="noStrike">
+                <a:solidFill>
+                  <a:schemeClr val="bg1"/>
+                </a:solidFill>
+                <a:latin typeface="나눔스퀘어" charset="0"/>
+                <a:ea typeface="나눔스퀘어" charset="0"/>
+              </a:rPr>
+              <a:t>중복이면 확인 메시지 아니면 그냥 저장 (저장 경로는 로컬에서) </a:t>
+            </a:r>
+            <a:endParaRPr lang="ko-KR" altLang="en-US" sz="1800" cap="none" dirty="0" smtClean="0" b="0" strike="noStrike">
+              <a:solidFill>
+                <a:schemeClr val="bg1"/>
+              </a:solidFill>
+              <a:latin typeface="나눔스퀘어" charset="0"/>
+              <a:ea typeface="나눔스퀘어" charset="0"/>
+            </a:endParaRPr>
+          </a:p>
+          <a:p>
+            <a:pPr marL="0" indent="0" algn="just" fontAlgn="auto" defTabSz="508000">
+              <a:lnSpc>
+                <a:spcPct val="160000"/>
+              </a:lnSpc>
+              <a:spcBef>
+                <a:spcPts val="0"/>
+              </a:spcBef>
+              <a:spcAft>
+                <a:spcPts val="0"/>
+              </a:spcAft>
+              <a:buFontTx/>
+              <a:buNone/>
+            </a:pPr>
+            <a:r>
+              <a:rPr lang="en-US" altLang="ko-KR" sz="1800" cap="none" dirty="0" smtClean="0" b="0" strike="noStrike">
+                <a:solidFill>
+                  <a:schemeClr val="bg1"/>
+                </a:solidFill>
+                <a:latin typeface="나눔스퀘어" charset="0"/>
+                <a:ea typeface="나눔스퀘어" charset="0"/>
+              </a:rPr>
+              <a:t>  </a:t>
+            </a:r>
+            <a:endParaRPr lang="ko-KR" altLang="en-US" sz="1800" cap="none" dirty="0" smtClean="0" b="0" strike="noStrike">
+              <a:solidFill>
+                <a:schemeClr val="bg1"/>
+              </a:solidFill>
+              <a:latin typeface="나눔스퀘어" charset="0"/>
+              <a:ea typeface="나눔스퀘어" charset="0"/>
+            </a:endParaRPr>
+          </a:p>
+        </p:txBody>
+      </p:sp>
+    </p:spTree>
+    <p:extLst>
+      <p:ext uri="{BB962C8B-B14F-4D97-AF65-F5344CB8AC3E}">
+        <p14:creationId xmlns:p14="http://schemas.microsoft.com/office/powerpoint/2010/main" val="2044538096"/>
+      </p:ext>
+    </p:extLst>
+  </p:cSld>
+  <p:clrMapOvr>
+    <a:masterClrMapping/>
+  </p:clrMapOvr>
+  <mc:AlternateContent xmlns:mc="http://schemas.openxmlformats.org/markup-compatibility/2006">
+    <mc:Choice xmlns:p14="http://schemas.microsoft.com/office/powerpoint/2010/main" Requires="p14">
+      <p:transition spd="slow" p14:dur="2000"/>
+    </mc:Choice>
+    <mc:Fallback>
+      <p:transition spd="slow"/>
+    </mc:Fallback>
+  </mc:AlternateContent>
+  <p:timing>
+    <p:tnLst>
+      <p:par>
+        <p:cTn id="1" dur="indefinite" restart="never" nodeType="tmRoot"/>
+      </p:par>
+    </p:tnLst>
+  </p:timing>
+</p:sld>
+</file>
+
+<file path=ppt/slides/slide9.xml><?xml version="1.0" encoding="utf-8"?>
+<p:sld xmlns:a="http://schemas.openxmlformats.org/drawingml/2006/main" xmlns:r="http://schemas.openxmlformats.org/officeDocument/2006/relationships" xmlns:p="http://schemas.openxmlformats.org/presentationml/2006/main" xmlns:p14="http://schemas.microsoft.com/office/powerpoint/2010/main">
+  <p:cSld>
+    <p:spTree>
+      <p:nvGrpSpPr>
+        <p:cNvPr id="1" name=""/>
+        <p:cNvGrpSpPr/>
+        <p:nvPr/>
+      </p:nvGrpSpPr>
+      <p:grpSpPr>
+        <a:xfrm>
+          <a:off x="0" y="0"/>
+          <a:ext cx="0" cy="0"/>
+          <a:chOff x="0" y="0"/>
+          <a:chExt cx="0" cy="0"/>
+        </a:xfrm>
+      </p:grpSpPr>
+      <p:sp>
+        <p:nvSpPr>
+          <p:cNvPr id="4" name="직사각형 3"/>
+          <p:cNvSpPr>
+            <a:spLocks/>
+          </p:cNvSpPr>
+          <p:nvPr/>
+        </p:nvSpPr>
+        <p:spPr>
+          <a:xfrm rot="20460000">
+            <a:off x="-365760" y="355600"/>
+            <a:ext cx="15235555" cy="7983855"/>
+          </a:xfrm>
+          <a:prstGeom prst="rect"/>
           <a:solidFill>
-            <a:schemeClr val="bg1"/>
+            <a:srgbClr val="00B0F0"/>
           </a:solidFill>
-          <a:ln>
+          <a:ln w="12700" cap="flat" cmpd="sng">
             <a:solidFill>
-              <a:schemeClr val="bg1"/>
+              <a:srgbClr val="00B0F0">
+                <a:alpha val="100000"/>
+              </a:srgbClr>
             </a:solidFill>
+            <a:prstDash val="solid"/>
           </a:ln>
         </p:spPr>
         <p:style>
@@ -5375,144 +5756,28 @@
           </a:fontRef>
         </p:style>
         <p:txBody>
-          <a:bodyPr rtlCol="0" anchor="ctr"/>
-          <a:lstStyle/>
-          <a:p>
-            <a:pPr algn="ctr"/>
-            <a:endParaRPr lang="ko-KR" altLang="en-US"/>
-          </a:p>
-        </p:txBody>
-      </p:sp>
-      <p:sp>
-        <p:nvSpPr>
-          <p:cNvPr id="10" name="오른쪽 화살표 9"/>
-          <p:cNvSpPr/>
-          <p:nvPr/>
-        </p:nvSpPr>
-        <p:spPr>
-          <a:xfrm rot="10800000">
-            <a:off x="4835913" y="1348943"/>
-            <a:ext cx="292963" cy="186431"/>
-          </a:xfrm>
-          <a:prstGeom prst="rightArrow">
-            <a:avLst/>
-          </a:prstGeom>
-          <a:solidFill>
-            <a:schemeClr val="bg1"/>
-          </a:solidFill>
-          <a:ln>
-            <a:solidFill>
-              <a:schemeClr val="bg1"/>
-            </a:solidFill>
-          </a:ln>
-        </p:spPr>
-        <p:style>
-          <a:lnRef idx="2">
-            <a:schemeClr val="accent1">
-              <a:shade val="50000"/>
-            </a:schemeClr>
-          </a:lnRef>
-          <a:fillRef idx="1">
-            <a:schemeClr val="accent1"/>
-          </a:fillRef>
-          <a:effectRef idx="0">
-            <a:schemeClr val="accent1"/>
-          </a:effectRef>
-          <a:fontRef idx="minor">
-            <a:schemeClr val="lt1"/>
-          </a:fontRef>
-        </p:style>
-        <p:txBody>
-          <a:bodyPr rtlCol="0" anchor="ctr"/>
-          <a:lstStyle/>
-          <a:p>
-            <a:pPr algn="ctr"/>
-            <a:endParaRPr lang="ko-KR" altLang="en-US"/>
-          </a:p>
-        </p:txBody>
-      </p:sp>
-    </p:spTree>
-    <p:extLst>
-      <p:ext uri="{BB962C8B-B14F-4D97-AF65-F5344CB8AC3E}">
-        <p14:creationId xmlns:p14="http://schemas.microsoft.com/office/powerpoint/2010/main" val="2044538096"/>
-      </p:ext>
-    </p:extLst>
-  </p:cSld>
-  <p:clrMapOvr>
-    <a:masterClrMapping/>
-  </p:clrMapOvr>
-  <p:timing>
-    <p:tnLst>
-      <p:par>
-        <p:cTn id="1" dur="indefinite" restart="never" nodeType="tmRoot"/>
-      </p:par>
-    </p:tnLst>
-  </p:timing>
-</p:sld>
-</file>
-
-<file path=ppt/slides/slide9.xml><?xml version="1.0" encoding="utf-8"?>
-<p:sld xmlns:a="http://schemas.openxmlformats.org/drawingml/2006/main" xmlns:r="http://schemas.openxmlformats.org/officeDocument/2006/relationships" xmlns:p="http://schemas.openxmlformats.org/presentationml/2006/main">
-  <p:cSld>
-    <p:spTree>
-      <p:nvGrpSpPr>
-        <p:cNvPr id="1" name=""/>
-        <p:cNvGrpSpPr/>
-        <p:nvPr/>
-      </p:nvGrpSpPr>
-      <p:grpSpPr>
-        <a:xfrm>
-          <a:off x="0" y="0"/>
-          <a:ext cx="0" cy="0"/>
-          <a:chOff x="0" y="0"/>
-          <a:chExt cx="0" cy="0"/>
-        </a:xfrm>
-      </p:grpSpPr>
-      <p:sp>
-        <p:nvSpPr>
-          <p:cNvPr id="4" name="직사각형 3"/>
-          <p:cNvSpPr/>
-          <p:nvPr/>
-        </p:nvSpPr>
-        <p:spPr>
-          <a:xfrm rot="20502044">
-            <a:off x="-585960" y="1212921"/>
-            <a:ext cx="15235237" cy="7983230"/>
-          </a:xfrm>
-          <a:prstGeom prst="rect">
-            <a:avLst/>
-          </a:prstGeom>
-          <a:solidFill>
-            <a:srgbClr val="00B0F0"/>
-          </a:solidFill>
-          <a:ln>
-            <a:solidFill>
-              <a:srgbClr val="00B0F0"/>
-            </a:solidFill>
-          </a:ln>
-        </p:spPr>
-        <p:style>
-          <a:lnRef idx="2">
-            <a:schemeClr val="accent1">
-              <a:shade val="50000"/>
-            </a:schemeClr>
-          </a:lnRef>
-          <a:fillRef idx="1">
-            <a:schemeClr val="accent1"/>
-          </a:fillRef>
-          <a:effectRef idx="0">
-            <a:schemeClr val="accent1"/>
-          </a:effectRef>
-          <a:fontRef idx="minor">
-            <a:schemeClr val="lt1"/>
-          </a:fontRef>
-        </p:style>
-        <p:txBody>
-          <a:bodyPr rtlCol="0" anchor="ctr"/>
-          <a:lstStyle/>
-          <a:p>
-            <a:pPr algn="ctr"/>
-            <a:endParaRPr lang="ko-KR" altLang="en-US"/>
+          <a:bodyPr wrap="square" lIns="91440" tIns="45720" rIns="91440" bIns="45720" numCol="1" vert="horz" anchor="ctr">
+            <a:noAutofit/>
+          </a:bodyPr>
+          <a:lstStyle/>
+          <a:p>
+            <a:pPr marL="0" indent="0" algn="ctr" fontAlgn="auto" defTabSz="914400" eaLnBrk="0">
+              <a:lnSpc>
+                <a:spcPct val="100000"/>
+              </a:lnSpc>
+              <a:spcBef>
+                <a:spcPts val="0"/>
+              </a:spcBef>
+              <a:spcAft>
+                <a:spcPts val="0"/>
+              </a:spcAft>
+              <a:buFontTx/>
+              <a:buNone/>
+            </a:pPr>
+            <a:endParaRPr lang="ko-KR" altLang="en-US" sz="1800" cap="none" dirty="0" smtClean="0" b="0" strike="noStrike">
+              <a:latin typeface="맑은 고딕" charset="0"/>
+              <a:ea typeface="맑은 고딕" charset="0"/>
+            </a:endParaRPr>
           </a:p>
         </p:txBody>
       </p:sp>
@@ -5528,8 +5793,8 @@
         </p:nvSpPr>
         <p:spPr>
           <a:xfrm>
-            <a:off x="550816" y="373835"/>
-            <a:ext cx="3754854" cy="780262"/>
+            <a:off x="550545" y="374015"/>
+            <a:ext cx="3754755" cy="780415"/>
           </a:xfrm>
         </p:spPr>
         <p:txBody>
@@ -5555,102 +5820,6 @@
               <a:latin typeface="나눔스퀘어 ExtraBold" panose="020B0600000101010101" pitchFamily="50" charset="-127"/>
               <a:ea typeface="나눔스퀘어 ExtraBold" panose="020B0600000101010101" pitchFamily="50" charset="-127"/>
             </a:endParaRPr>
-          </a:p>
-        </p:txBody>
-      </p:sp>
-      <p:sp>
-        <p:nvSpPr>
-          <p:cNvPr id="9" name="오른쪽 화살표 8"/>
-          <p:cNvSpPr/>
-          <p:nvPr/>
-        </p:nvSpPr>
-        <p:spPr>
-          <a:xfrm rot="10800000">
-            <a:off x="4683513" y="1196543"/>
-            <a:ext cx="292963" cy="186431"/>
-          </a:xfrm>
-          <a:prstGeom prst="rightArrow">
-            <a:avLst/>
-          </a:prstGeom>
-          <a:solidFill>
-            <a:schemeClr val="bg1"/>
-          </a:solidFill>
-          <a:ln>
-            <a:solidFill>
-              <a:schemeClr val="bg1"/>
-            </a:solidFill>
-          </a:ln>
-        </p:spPr>
-        <p:style>
-          <a:lnRef idx="2">
-            <a:schemeClr val="accent1">
-              <a:shade val="50000"/>
-            </a:schemeClr>
-          </a:lnRef>
-          <a:fillRef idx="1">
-            <a:schemeClr val="accent1"/>
-          </a:fillRef>
-          <a:effectRef idx="0">
-            <a:schemeClr val="accent1"/>
-          </a:effectRef>
-          <a:fontRef idx="minor">
-            <a:schemeClr val="lt1"/>
-          </a:fontRef>
-        </p:style>
-        <p:txBody>
-          <a:bodyPr rtlCol="0" anchor="ctr"/>
-          <a:lstStyle/>
-          <a:p>
-            <a:pPr algn="ctr"/>
-            <a:endParaRPr lang="ko-KR" altLang="en-US"/>
-          </a:p>
-        </p:txBody>
-      </p:sp>
-      <p:sp>
-        <p:nvSpPr>
-          <p:cNvPr id="10" name="오른쪽 화살표 9"/>
-          <p:cNvSpPr/>
-          <p:nvPr/>
-        </p:nvSpPr>
-        <p:spPr>
-          <a:xfrm rot="10800000">
-            <a:off x="4835913" y="1348943"/>
-            <a:ext cx="292963" cy="186431"/>
-          </a:xfrm>
-          <a:prstGeom prst="rightArrow">
-            <a:avLst/>
-          </a:prstGeom>
-          <a:solidFill>
-            <a:schemeClr val="bg1"/>
-          </a:solidFill>
-          <a:ln>
-            <a:solidFill>
-              <a:schemeClr val="bg1"/>
-            </a:solidFill>
-          </a:ln>
-        </p:spPr>
-        <p:style>
-          <a:lnRef idx="2">
-            <a:schemeClr val="accent1">
-              <a:shade val="50000"/>
-            </a:schemeClr>
-          </a:lnRef>
-          <a:fillRef idx="1">
-            <a:schemeClr val="accent1"/>
-          </a:fillRef>
-          <a:effectRef idx="0">
-            <a:schemeClr val="accent1"/>
-          </a:effectRef>
-          <a:fontRef idx="minor">
-            <a:schemeClr val="lt1"/>
-          </a:fontRef>
-        </p:style>
-        <p:txBody>
-          <a:bodyPr rtlCol="0" anchor="ctr"/>
-          <a:lstStyle/>
-          <a:p>
-            <a:pPr algn="ctr"/>
-            <a:endParaRPr lang="ko-KR" altLang="en-US"/>
           </a:p>
         </p:txBody>
       </p:sp>
@@ -5664,6 +5833,14 @@
   <p:clrMapOvr>
     <a:masterClrMapping/>
   </p:clrMapOvr>
+  <mc:AlternateContent xmlns:mc="http://schemas.openxmlformats.org/markup-compatibility/2006">
+    <mc:Choice xmlns:p14="http://schemas.microsoft.com/office/powerpoint/2010/main" Requires="p14">
+      <p:transition spd="slow" p14:dur="2000"/>
+    </mc:Choice>
+    <mc:Fallback>
+      <p:transition spd="slow"/>
+    </mc:Fallback>
+  </mc:AlternateContent>
   <p:timing>
     <p:tnLst>
       <p:par>

--- a/VoidPrinter.pptx
+++ b/VoidPrinter.pptx
@@ -1,25 +1,58 @@
 
 <file path=ppt/presentation.xml><?xml version="1.0" encoding="utf-8"?>
-<p:presentation xmlns:a="http://schemas.openxmlformats.org/drawingml/2006/main" xmlns:r="http://schemas.openxmlformats.org/officeDocument/2006/relationships" xmlns:p="http://schemas.openxmlformats.org/presentationml/2006/main" xmlns:p14="http://schemas.microsoft.com/office/powerpoint/2010/main" saveSubsetFonts="1">
+<p:presentation xmlns:a="http://schemas.openxmlformats.org/drawingml/2006/main" xmlns:r="http://schemas.openxmlformats.org/officeDocument/2006/relationships" xmlns:p="http://schemas.openxmlformats.org/presentationml/2006/main" embedTrueTypeFonts="1" saveSubsetFonts="1">
   <p:sldMasterIdLst>
-    <p:sldMasterId id="2147483662" r:id="rId13"/>
+    <p:sldMasterId id="2147483662" r:id="rId1"/>
   </p:sldMasterIdLst>
   <p:sldIdLst>
-    <p:sldId id="256" r:id="rId15"/>
-    <p:sldId id="260" r:id="rId16"/>
-    <p:sldId id="258" r:id="rId17"/>
-    <p:sldId id="261" r:id="rId18"/>
-    <p:sldId id="267" r:id="rId19"/>
-    <p:sldId id="268" r:id="rId20"/>
-    <p:sldId id="269" r:id="rId21"/>
-    <p:sldId id="270" r:id="rId22"/>
-    <p:sldId id="271" r:id="rId23"/>
-    <p:sldId id="273" r:id="rId24"/>
-    <p:sldId id="274" r:id="rId25"/>
-    <p:sldId id="272" r:id="rId26"/>
+    <p:sldId id="256" r:id="rId2"/>
+    <p:sldId id="260" r:id="rId3"/>
+    <p:sldId id="258" r:id="rId4"/>
+    <p:sldId id="261" r:id="rId5"/>
+    <p:sldId id="267" r:id="rId6"/>
+    <p:sldId id="268" r:id="rId7"/>
+    <p:sldId id="269" r:id="rId8"/>
+    <p:sldId id="270" r:id="rId9"/>
+    <p:sldId id="271" r:id="rId10"/>
+    <p:sldId id="273" r:id="rId11"/>
+    <p:sldId id="274" r:id="rId12"/>
+    <p:sldId id="272" r:id="rId13"/>
   </p:sldIdLst>
   <p:sldSz cx="12192000" cy="6858000"/>
   <p:notesSz cx="6858000" cy="9144000"/>
+  <p:embeddedFontLst>
+    <p:embeddedFont>
+      <p:font typeface="나눔스퀘어 ExtraBold" panose="020B0600000101010101" pitchFamily="50" charset="-127"/>
+      <p:bold r:id="rId14"/>
+    </p:embeddedFont>
+    <p:embeddedFont>
+      <p:font typeface="나눔스퀘어 Bold" panose="020B0600000101010101" pitchFamily="50" charset="-127"/>
+      <p:bold r:id="rId15"/>
+    </p:embeddedFont>
+    <p:embeddedFont>
+      <p:font typeface="나눔스퀘어" panose="020B0600000101010101" pitchFamily="50" charset="-127"/>
+      <p:regular r:id="rId16"/>
+    </p:embeddedFont>
+    <p:embeddedFont>
+      <p:font typeface="Starcraft" panose="04020500000000000000" pitchFamily="82" charset="0"/>
+      <p:regular r:id="rId17"/>
+    </p:embeddedFont>
+    <p:embeddedFont>
+      <p:font typeface="맑은 고딕" panose="020B0503020000020004" pitchFamily="50" charset="-127"/>
+      <p:regular r:id="rId18"/>
+      <p:bold r:id="rId19"/>
+    </p:embeddedFont>
+    <p:embeddedFont>
+      <p:font typeface="나눔고딕" panose="020D0604000000000000" pitchFamily="50" charset="-127"/>
+      <p:regular r:id="rId20"/>
+      <p:bold r:id="rId21"/>
+    </p:embeddedFont>
+    <p:embeddedFont>
+      <p:font typeface="나눔바른고딕" panose="020B0603020101020101" pitchFamily="50" charset="-127"/>
+      <p:regular r:id="rId22"/>
+      <p:bold r:id="rId23"/>
+    </p:embeddedFont>
+  </p:embeddedFontLst>
   <p:defaultTextStyle>
     <a:defPPr>
       <a:defRPr lang="ko-KR"/>
@@ -115,7 +148,11 @@
       </a:defRPr>
     </a:lvl9pPr>
   </p:defaultTextStyle>
-  <p:extLst/>
+  <p:extLst>
+    <p:ext uri="{EFAFB233-063F-42B5-8137-9DF3F51BA10A}">
+      <p15:sldGuideLst xmlns:p15="http://schemas.microsoft.com/office/powerpoint/2012/main"/>
+    </p:ext>
+  </p:extLst>
 </p:presentation>
 </file>
 
@@ -2960,7 +2997,7 @@
 </file>
 
 <file path=ppt/slides/slide1.xml><?xml version="1.0" encoding="utf-8"?>
-<p:sld xmlns:a="http://schemas.openxmlformats.org/drawingml/2006/main" xmlns:r="http://schemas.openxmlformats.org/officeDocument/2006/relationships" xmlns:p="http://schemas.openxmlformats.org/presentationml/2006/main" xmlns:p14="http://schemas.microsoft.com/office/powerpoint/2010/main">
+<p:sld xmlns:a="http://schemas.openxmlformats.org/drawingml/2006/main" xmlns:r="http://schemas.openxmlformats.org/officeDocument/2006/relationships" xmlns:p="http://schemas.openxmlformats.org/presentationml/2006/main">
   <p:cSld>
     <p:spTree>
       <p:nvGrpSpPr>
@@ -2989,7 +3026,9 @@
             <a:off x="-1202055" y="630555"/>
             <a:ext cx="15235555" cy="7983855"/>
           </a:xfrm>
-          <a:prstGeom prst="rect"/>
+          <a:prstGeom prst="rect">
+            <a:avLst/>
+          </a:prstGeom>
           <a:solidFill>
             <a:srgbClr val="00B0F0"/>
           </a:solidFill>
@@ -3019,12 +3058,12 @@
           </a:fontRef>
         </p:style>
         <p:txBody>
-          <a:bodyPr wrap="square" lIns="91440" tIns="45720" rIns="91440" bIns="45720" numCol="1" vert="horz" anchor="ctr">
+          <a:bodyPr vert="horz" wrap="square" lIns="91440" tIns="45720" rIns="91440" bIns="45720" numCol="1" anchor="ctr">
             <a:noAutofit/>
           </a:bodyPr>
           <a:lstStyle/>
           <a:p>
-            <a:pPr marL="0" indent="0" algn="ctr" fontAlgn="auto" defTabSz="914400" eaLnBrk="0">
+            <a:pPr marL="0" indent="0" algn="ctr" defTabSz="914400" eaLnBrk="0" fontAlgn="auto">
               <a:lnSpc>
                 <a:spcPct val="100000"/>
               </a:lnSpc>
@@ -3037,7 +3076,7 @@
               <a:buFontTx/>
               <a:buNone/>
             </a:pPr>
-            <a:endParaRPr lang="ko-KR" altLang="en-US" sz="1800" cap="none" dirty="0" smtClean="0" b="0" strike="noStrike">
+            <a:endParaRPr lang="ko-KR" altLang="en-US" sz="1800" b="0" strike="noStrike" cap="none" dirty="0" smtClean="0">
               <a:latin typeface="맑은 고딕" charset="0"/>
               <a:ea typeface="맑은 고딕" charset="0"/>
             </a:endParaRPr>
@@ -3206,11 +3245,11 @@
   <p:clrMapOvr>
     <a:masterClrMapping/>
   </p:clrMapOvr>
-  <mc:AlternateContent xmlns:mc="http://schemas.openxmlformats.org/markup-compatibility/2006">
-    <mc:Choice xmlns:p14="http://schemas.microsoft.com/office/powerpoint/2010/main" Requires="p14">
+  <mc:AlternateContent xmlns:mc="http://schemas.openxmlformats.org/markup-compatibility/2006" xmlns:p14="http://schemas.microsoft.com/office/powerpoint/2010/main">
+    <mc:Choice Requires="p14">
       <p:transition spd="slow" p14:dur="2000"/>
     </mc:Choice>
-    <mc:Fallback>
+    <mc:Fallback xmlns="">
       <p:transition spd="slow"/>
     </mc:Fallback>
   </mc:AlternateContent>
@@ -3254,7 +3293,9 @@
             <a:off x="-365760" y="355600"/>
             <a:ext cx="15235555" cy="7983855"/>
           </a:xfrm>
-          <a:prstGeom prst="rect"/>
+          <a:prstGeom prst="rect">
+            <a:avLst/>
+          </a:prstGeom>
           <a:solidFill>
             <a:srgbClr val="00B0F0"/>
           </a:solidFill>
@@ -3284,12 +3325,12 @@
           </a:fontRef>
         </p:style>
         <p:txBody>
-          <a:bodyPr wrap="square" lIns="91440" tIns="45720" rIns="91440" bIns="45720" vert="horz" anchor="ctr">
+          <a:bodyPr vert="horz" wrap="square" lIns="91440" tIns="45720" rIns="91440" bIns="45720" anchor="ctr">
             <a:noAutofit/>
           </a:bodyPr>
           <a:lstStyle/>
           <a:p>
-            <a:pPr marL="0" indent="0" algn="ctr" fontAlgn="auto" defTabSz="914400" eaLnBrk="0">
+            <a:pPr marL="0" indent="0" algn="ctr" defTabSz="914400" eaLnBrk="0" fontAlgn="auto">
               <a:lnSpc>
                 <a:spcPct val="100000"/>
               </a:lnSpc>
@@ -3302,7 +3343,7 @@
               <a:buFontTx/>
               <a:buNone/>
             </a:pPr>
-            <a:endParaRPr lang="ko-KR" altLang="en-US" sz="1800" cap="none" dirty="0" smtClean="0" b="0" strike="noStrike">
+            <a:endParaRPr lang="ko-KR" altLang="en-US" sz="1800" b="0" strike="noStrike" cap="none" dirty="0" smtClean="0">
               <a:latin typeface="맑은 고딕" charset="0"/>
               <a:ea typeface="맑은 고딕" charset="0"/>
             </a:endParaRPr>
@@ -3313,26 +3354,28 @@
         <p:nvSpPr>
           <p:cNvPr id="2" name="텍스트 개체 틀 1"/>
           <p:cNvSpPr txBox="1">
-            <a:spLocks/>
+            <a:spLocks noGrp="1"/>
           </p:cNvSpPr>
           <p:nvPr>
             <p:ph type="title"/>
           </p:nvPr>
         </p:nvSpPr>
         <p:spPr>
-          <a:xfrm rot="0">
+          <a:xfrm>
             <a:off x="550545" y="374015"/>
             <a:ext cx="3755390" cy="781050"/>
           </a:xfrm>
-          <a:prstGeom prst="rect"/>
+          <a:prstGeom prst="rect">
+            <a:avLst/>
+          </a:prstGeom>
         </p:spPr>
         <p:txBody>
-          <a:bodyPr wrap="square" lIns="91440" tIns="45720" rIns="91440" bIns="45720" vert="horz" anchor="ctr">
+          <a:bodyPr vert="horz" wrap="square" lIns="91440" tIns="45720" rIns="91440" bIns="45720" anchor="ctr">
             <a:noAutofit/>
           </a:bodyPr>
           <a:lstStyle/>
           <a:p>
-            <a:pPr marL="0" indent="0" algn="l" fontAlgn="auto" defTabSz="914400">
+            <a:pPr marL="0" indent="0" algn="l" defTabSz="914400" fontAlgn="auto">
               <a:lnSpc>
                 <a:spcPct val="90000"/>
               </a:lnSpc>
@@ -3346,7 +3389,7 @@
               <a:buNone/>
             </a:pPr>
             <a:r>
-              <a:rPr lang="en-US" altLang="ko-KR" sz="5000" cap="none" dirty="0" smtClean="0" b="0" strike="noStrike">
+              <a:rPr lang="en-US" altLang="ko-KR" sz="5000" b="0" strike="noStrike" cap="none" dirty="0" smtClean="0">
                 <a:solidFill>
                   <a:srgbClr val="00B0F0"/>
                 </a:solidFill>
@@ -3355,7 +3398,7 @@
               </a:rPr>
               <a:t>Test Result</a:t>
             </a:r>
-            <a:endParaRPr lang="ko-KR" altLang="en-US" sz="5000" cap="none" dirty="0" smtClean="0" b="0" strike="noStrike">
+            <a:endParaRPr lang="ko-KR" altLang="en-US" sz="5000" b="0" strike="noStrike" cap="none" dirty="0" smtClean="0">
               <a:solidFill>
                 <a:srgbClr val="00B0F0"/>
               </a:solidFill>
@@ -3370,11 +3413,11 @@
   <p:clrMapOvr>
     <a:masterClrMapping/>
   </p:clrMapOvr>
-  <mc:AlternateContent xmlns:mc="http://schemas.openxmlformats.org/markup-compatibility/2006">
-    <mc:Choice xmlns:p14="http://schemas.microsoft.com/office/powerpoint/2010/main" Requires="p14">
+  <mc:AlternateContent xmlns:mc="http://schemas.openxmlformats.org/markup-compatibility/2006" xmlns:p14="http://schemas.microsoft.com/office/powerpoint/2010/main">
+    <mc:Choice Requires="p14">
       <p:transition spd="slow" p14:dur="2000"/>
     </mc:Choice>
-    <mc:Fallback>
+    <mc:Fallback xmlns="">
       <p:transition spd="slow"/>
     </mc:Fallback>
   </mc:AlternateContent>
@@ -3418,7 +3461,9 @@
             <a:off x="-365760" y="355600"/>
             <a:ext cx="15235555" cy="7983855"/>
           </a:xfrm>
-          <a:prstGeom prst="rect"/>
+          <a:prstGeom prst="rect">
+            <a:avLst/>
+          </a:prstGeom>
           <a:solidFill>
             <a:srgbClr val="00B0F0"/>
           </a:solidFill>
@@ -3448,12 +3493,12 @@
           </a:fontRef>
         </p:style>
         <p:txBody>
-          <a:bodyPr wrap="square" lIns="91440" tIns="45720" rIns="91440" bIns="45720" vert="horz" anchor="ctr">
+          <a:bodyPr vert="horz" wrap="square" lIns="91440" tIns="45720" rIns="91440" bIns="45720" anchor="ctr">
             <a:noAutofit/>
           </a:bodyPr>
           <a:lstStyle/>
           <a:p>
-            <a:pPr marL="0" indent="0" algn="ctr" fontAlgn="auto" defTabSz="914400" eaLnBrk="0">
+            <a:pPr marL="0" indent="0" algn="ctr" defTabSz="914400" eaLnBrk="0" fontAlgn="auto">
               <a:lnSpc>
                 <a:spcPct val="100000"/>
               </a:lnSpc>
@@ -3466,7 +3511,7 @@
               <a:buFontTx/>
               <a:buNone/>
             </a:pPr>
-            <a:endParaRPr lang="ko-KR" altLang="en-US" sz="1800" cap="none" dirty="0" smtClean="0" b="0" strike="noStrike">
+            <a:endParaRPr lang="ko-KR" altLang="en-US" sz="1800" b="0" strike="noStrike" cap="none" dirty="0" smtClean="0">
               <a:latin typeface="맑은 고딕" charset="0"/>
               <a:ea typeface="맑은 고딕" charset="0"/>
             </a:endParaRPr>
@@ -3477,26 +3522,28 @@
         <p:nvSpPr>
           <p:cNvPr id="2" name="텍스트 개체 틀 1"/>
           <p:cNvSpPr txBox="1">
-            <a:spLocks/>
+            <a:spLocks noGrp="1"/>
           </p:cNvSpPr>
           <p:nvPr>
             <p:ph type="title"/>
           </p:nvPr>
         </p:nvSpPr>
         <p:spPr>
-          <a:xfrm rot="0">
+          <a:xfrm>
             <a:off x="550545" y="374015"/>
             <a:ext cx="3755390" cy="781050"/>
           </a:xfrm>
-          <a:prstGeom prst="rect"/>
+          <a:prstGeom prst="rect">
+            <a:avLst/>
+          </a:prstGeom>
         </p:spPr>
         <p:txBody>
-          <a:bodyPr wrap="square" lIns="91440" tIns="45720" rIns="91440" bIns="45720" vert="horz" anchor="ctr">
+          <a:bodyPr vert="horz" wrap="square" lIns="91440" tIns="45720" rIns="91440" bIns="45720" anchor="ctr">
             <a:noAutofit/>
           </a:bodyPr>
           <a:lstStyle/>
           <a:p>
-            <a:pPr marL="0" indent="0" algn="l" fontAlgn="auto" defTabSz="914400">
+            <a:pPr marL="0" indent="0" algn="l" defTabSz="914400" fontAlgn="auto">
               <a:lnSpc>
                 <a:spcPct val="90000"/>
               </a:lnSpc>
@@ -3510,7 +3557,7 @@
               <a:buNone/>
             </a:pPr>
             <a:r>
-              <a:rPr lang="en-US" altLang="ko-KR" sz="5000" cap="none" dirty="0" smtClean="0" b="0" strike="noStrike">
+              <a:rPr lang="en-US" altLang="ko-KR" sz="5000" b="0" strike="noStrike" cap="none" dirty="0" smtClean="0">
                 <a:solidFill>
                   <a:srgbClr val="00B0F0"/>
                 </a:solidFill>
@@ -3519,7 +3566,7 @@
               </a:rPr>
               <a:t>Test Result</a:t>
             </a:r>
-            <a:endParaRPr lang="ko-KR" altLang="en-US" sz="5000" cap="none" dirty="0" smtClean="0" b="0" strike="noStrike">
+            <a:endParaRPr lang="ko-KR" altLang="en-US" sz="5000" b="0" strike="noStrike" cap="none" dirty="0" smtClean="0">
               <a:solidFill>
                 <a:srgbClr val="00B0F0"/>
               </a:solidFill>
@@ -3534,11 +3581,11 @@
   <p:clrMapOvr>
     <a:masterClrMapping/>
   </p:clrMapOvr>
-  <mc:AlternateContent xmlns:mc="http://schemas.openxmlformats.org/markup-compatibility/2006">
-    <mc:Choice xmlns:p14="http://schemas.microsoft.com/office/powerpoint/2010/main" Requires="p14">
+  <mc:AlternateContent xmlns:mc="http://schemas.openxmlformats.org/markup-compatibility/2006" xmlns:p14="http://schemas.microsoft.com/office/powerpoint/2010/main">
+    <mc:Choice Requires="p14">
       <p:transition spd="slow" p14:dur="2000"/>
     </mc:Choice>
-    <mc:Fallback>
+    <mc:Fallback xmlns="">
       <p:transition spd="slow"/>
     </mc:Fallback>
   </mc:AlternateContent>
@@ -3553,7 +3600,7 @@
 </file>
 
 <file path=ppt/slides/slide12.xml><?xml version="1.0" encoding="utf-8"?>
-<p:sld xmlns:a="http://schemas.openxmlformats.org/drawingml/2006/main" xmlns:r="http://schemas.openxmlformats.org/officeDocument/2006/relationships" xmlns:p="http://schemas.openxmlformats.org/presentationml/2006/main" xmlns:p14="http://schemas.microsoft.com/office/powerpoint/2010/main">
+<p:sld xmlns:a="http://schemas.openxmlformats.org/drawingml/2006/main" xmlns:r="http://schemas.openxmlformats.org/officeDocument/2006/relationships" xmlns:p="http://schemas.openxmlformats.org/presentationml/2006/main">
   <p:cSld>
     <p:spTree>
       <p:nvGrpSpPr>
@@ -3582,7 +3629,9 @@
             <a:off x="-950595" y="350520"/>
             <a:ext cx="15234285" cy="8173085"/>
           </a:xfrm>
-          <a:prstGeom prst="rect"/>
+          <a:prstGeom prst="rect">
+            <a:avLst/>
+          </a:prstGeom>
           <a:solidFill>
             <a:srgbClr val="00B0F0"/>
           </a:solidFill>
@@ -3612,12 +3661,12 @@
           </a:fontRef>
         </p:style>
         <p:txBody>
-          <a:bodyPr wrap="square" lIns="91440" tIns="45720" rIns="91440" bIns="45720" numCol="1" vert="horz" anchor="ctr">
+          <a:bodyPr vert="horz" wrap="square" lIns="91440" tIns="45720" rIns="91440" bIns="45720" numCol="1" anchor="ctr">
             <a:noAutofit/>
           </a:bodyPr>
           <a:lstStyle/>
           <a:p>
-            <a:pPr marL="0" indent="0" algn="ctr" fontAlgn="auto" defTabSz="914400" eaLnBrk="0">
+            <a:pPr marL="0" indent="0" algn="ctr" defTabSz="914400" eaLnBrk="0" fontAlgn="auto">
               <a:lnSpc>
                 <a:spcPct val="100000"/>
               </a:lnSpc>
@@ -3630,7 +3679,7 @@
               <a:buFontTx/>
               <a:buNone/>
             </a:pPr>
-            <a:endParaRPr lang="ko-KR" altLang="en-US" sz="1800" cap="none" dirty="0" smtClean="0" b="0" strike="noStrike">
+            <a:endParaRPr lang="ko-KR" altLang="en-US" sz="1800" b="0" strike="noStrike" cap="none" dirty="0" smtClean="0">
               <a:latin typeface="맑은 고딕" charset="0"/>
               <a:ea typeface="맑은 고딕" charset="0"/>
             </a:endParaRPr>
@@ -3689,11 +3738,11 @@
   <p:clrMapOvr>
     <a:masterClrMapping/>
   </p:clrMapOvr>
-  <mc:AlternateContent xmlns:mc="http://schemas.openxmlformats.org/markup-compatibility/2006">
-    <mc:Choice xmlns:p14="http://schemas.microsoft.com/office/powerpoint/2010/main" Requires="p14">
+  <mc:AlternateContent xmlns:mc="http://schemas.openxmlformats.org/markup-compatibility/2006" xmlns:p14="http://schemas.microsoft.com/office/powerpoint/2010/main">
+    <mc:Choice Requires="p14">
       <p:transition spd="slow" p14:dur="2000"/>
     </mc:Choice>
-    <mc:Fallback>
+    <mc:Fallback xmlns="">
       <p:transition spd="slow"/>
     </mc:Fallback>
   </mc:AlternateContent>
@@ -3708,7 +3757,7 @@
 </file>
 
 <file path=ppt/slides/slide2.xml><?xml version="1.0" encoding="utf-8"?>
-<p:sld xmlns:a="http://schemas.openxmlformats.org/drawingml/2006/main" xmlns:r="http://schemas.openxmlformats.org/officeDocument/2006/relationships" xmlns:p="http://schemas.openxmlformats.org/presentationml/2006/main" xmlns:p14="http://schemas.microsoft.com/office/powerpoint/2010/main">
+<p:sld xmlns:a="http://schemas.openxmlformats.org/drawingml/2006/main" xmlns:r="http://schemas.openxmlformats.org/officeDocument/2006/relationships" xmlns:p="http://schemas.openxmlformats.org/presentationml/2006/main">
   <p:cSld>
     <p:spTree>
       <p:nvGrpSpPr>
@@ -3737,7 +3786,9 @@
             <a:off x="-1080770" y="586740"/>
             <a:ext cx="15235555" cy="7983855"/>
           </a:xfrm>
-          <a:prstGeom prst="rect"/>
+          <a:prstGeom prst="rect">
+            <a:avLst/>
+          </a:prstGeom>
           <a:solidFill>
             <a:srgbClr val="00B0F0"/>
           </a:solidFill>
@@ -3767,12 +3818,12 @@
           </a:fontRef>
         </p:style>
         <p:txBody>
-          <a:bodyPr wrap="square" lIns="91440" tIns="45720" rIns="91440" bIns="45720" numCol="1" vert="horz" anchor="ctr">
+          <a:bodyPr vert="horz" wrap="square" lIns="91440" tIns="45720" rIns="91440" bIns="45720" numCol="1" anchor="ctr">
             <a:noAutofit/>
           </a:bodyPr>
           <a:lstStyle/>
           <a:p>
-            <a:pPr marL="0" indent="0" algn="ctr" fontAlgn="auto" defTabSz="914400" eaLnBrk="0">
+            <a:pPr marL="0" indent="0" algn="ctr" defTabSz="914400" eaLnBrk="0" fontAlgn="auto">
               <a:lnSpc>
                 <a:spcPct val="100000"/>
               </a:lnSpc>
@@ -3785,7 +3836,7 @@
               <a:buFontTx/>
               <a:buNone/>
             </a:pPr>
-            <a:endParaRPr lang="ko-KR" altLang="en-US" sz="1800" cap="none" dirty="0" smtClean="0" b="0" strike="noStrike">
+            <a:endParaRPr lang="ko-KR" altLang="en-US" sz="1800" b="0" strike="noStrike" cap="none" dirty="0" smtClean="0">
               <a:latin typeface="맑은 고딕" charset="0"/>
               <a:ea typeface="맑은 고딕" charset="0"/>
             </a:endParaRPr>
@@ -4002,11 +4053,11 @@
   <p:clrMapOvr>
     <a:masterClrMapping/>
   </p:clrMapOvr>
-  <mc:AlternateContent xmlns:mc="http://schemas.openxmlformats.org/markup-compatibility/2006">
-    <mc:Choice xmlns:p14="http://schemas.microsoft.com/office/powerpoint/2010/main" Requires="p14">
+  <mc:AlternateContent xmlns:mc="http://schemas.openxmlformats.org/markup-compatibility/2006" xmlns:p14="http://schemas.microsoft.com/office/powerpoint/2010/main">
+    <mc:Choice Requires="p14">
       <p:transition spd="slow" p14:dur="2000"/>
     </mc:Choice>
-    <mc:Fallback>
+    <mc:Fallback xmlns="">
       <p:transition spd="slow"/>
     </mc:Fallback>
   </mc:AlternateContent>
@@ -4021,7 +4072,7 @@
 </file>
 
 <file path=ppt/slides/slide3.xml><?xml version="1.0" encoding="utf-8"?>
-<p:sld xmlns:a="http://schemas.openxmlformats.org/drawingml/2006/main" xmlns:r="http://schemas.openxmlformats.org/officeDocument/2006/relationships" xmlns:p="http://schemas.openxmlformats.org/presentationml/2006/main" xmlns:p14="http://schemas.microsoft.com/office/powerpoint/2010/main">
+<p:sld xmlns:a="http://schemas.openxmlformats.org/drawingml/2006/main" xmlns:r="http://schemas.openxmlformats.org/officeDocument/2006/relationships" xmlns:p="http://schemas.openxmlformats.org/presentationml/2006/main">
   <p:cSld>
     <p:spTree>
       <p:nvGrpSpPr>
@@ -4364,11 +4415,11 @@
   <p:clrMapOvr>
     <a:masterClrMapping/>
   </p:clrMapOvr>
-  <mc:AlternateContent xmlns:mc="http://schemas.openxmlformats.org/markup-compatibility/2006">
-    <mc:Choice xmlns:p14="http://schemas.microsoft.com/office/powerpoint/2010/main" Requires="p14">
+  <mc:AlternateContent xmlns:mc="http://schemas.openxmlformats.org/markup-compatibility/2006" xmlns:p14="http://schemas.microsoft.com/office/powerpoint/2010/main">
+    <mc:Choice Requires="p14">
       <p:transition spd="slow" p14:dur="2000"/>
     </mc:Choice>
-    <mc:Fallback>
+    <mc:Fallback xmlns="">
       <p:transition spd="slow"/>
     </mc:Fallback>
   </mc:AlternateContent>
@@ -4383,7 +4434,7 @@
 </file>
 
 <file path=ppt/slides/slide4.xml><?xml version="1.0" encoding="utf-8"?>
-<p:sld xmlns:a="http://schemas.openxmlformats.org/drawingml/2006/main" xmlns:r="http://schemas.openxmlformats.org/officeDocument/2006/relationships" xmlns:p="http://schemas.openxmlformats.org/presentationml/2006/main" xmlns:p14="http://schemas.microsoft.com/office/powerpoint/2010/main">
+<p:sld xmlns:a="http://schemas.openxmlformats.org/drawingml/2006/main" xmlns:r="http://schemas.openxmlformats.org/officeDocument/2006/relationships" xmlns:p="http://schemas.openxmlformats.org/presentationml/2006/main">
   <p:cSld>
     <p:spTree>
       <p:nvGrpSpPr>
@@ -4412,7 +4463,9 @@
             <a:off x="-574675" y="399415"/>
             <a:ext cx="15235555" cy="7983855"/>
           </a:xfrm>
-          <a:prstGeom prst="rect"/>
+          <a:prstGeom prst="rect">
+            <a:avLst/>
+          </a:prstGeom>
           <a:solidFill>
             <a:srgbClr val="00B0F0"/>
           </a:solidFill>
@@ -4442,12 +4495,12 @@
           </a:fontRef>
         </p:style>
         <p:txBody>
-          <a:bodyPr wrap="square" lIns="91440" tIns="45720" rIns="91440" bIns="45720" numCol="1" vert="horz" anchor="ctr">
+          <a:bodyPr vert="horz" wrap="square" lIns="91440" tIns="45720" rIns="91440" bIns="45720" numCol="1" anchor="ctr">
             <a:noAutofit/>
           </a:bodyPr>
           <a:lstStyle/>
           <a:p>
-            <a:pPr marL="0" indent="0" algn="ctr" fontAlgn="auto" defTabSz="914400" eaLnBrk="0">
+            <a:pPr marL="0" indent="0" algn="ctr" defTabSz="914400" eaLnBrk="0" fontAlgn="auto">
               <a:lnSpc>
                 <a:spcPct val="100000"/>
               </a:lnSpc>
@@ -4460,7 +4513,7 @@
               <a:buFontTx/>
               <a:buNone/>
             </a:pPr>
-            <a:endParaRPr lang="ko-KR" altLang="en-US" sz="1800" cap="none" dirty="0" smtClean="0" b="0" strike="noStrike">
+            <a:endParaRPr lang="ko-KR" altLang="en-US" sz="1800" b="0" strike="noStrike" cap="none" dirty="0" smtClean="0">
               <a:latin typeface="맑은 고딕" charset="0"/>
               <a:ea typeface="맑은 고딕" charset="0"/>
             </a:endParaRPr>
@@ -4555,11 +4608,11 @@
   <p:clrMapOvr>
     <a:masterClrMapping/>
   </p:clrMapOvr>
-  <mc:AlternateContent xmlns:mc="http://schemas.openxmlformats.org/markup-compatibility/2006">
-    <mc:Choice xmlns:p14="http://schemas.microsoft.com/office/powerpoint/2010/main" Requires="p14">
+  <mc:AlternateContent xmlns:mc="http://schemas.openxmlformats.org/markup-compatibility/2006" xmlns:p14="http://schemas.microsoft.com/office/powerpoint/2010/main">
+    <mc:Choice Requires="p14">
       <p:transition spd="slow" p14:dur="2000"/>
     </mc:Choice>
-    <mc:Fallback>
+    <mc:Fallback xmlns="">
       <p:transition spd="slow"/>
     </mc:Fallback>
   </mc:AlternateContent>
@@ -4574,7 +4627,7 @@
 </file>
 
 <file path=ppt/slides/slide5.xml><?xml version="1.0" encoding="utf-8"?>
-<p:sld xmlns:a="http://schemas.openxmlformats.org/drawingml/2006/main" xmlns:r="http://schemas.openxmlformats.org/officeDocument/2006/relationships" xmlns:p="http://schemas.openxmlformats.org/presentationml/2006/main" xmlns:p14="http://schemas.microsoft.com/office/powerpoint/2010/main">
+<p:sld xmlns:a="http://schemas.openxmlformats.org/drawingml/2006/main" xmlns:r="http://schemas.openxmlformats.org/officeDocument/2006/relationships" xmlns:p="http://schemas.openxmlformats.org/presentationml/2006/main">
   <p:cSld>
     <p:spTree>
       <p:nvGrpSpPr>
@@ -4603,7 +4656,9 @@
             <a:off x="-1256665" y="432435"/>
             <a:ext cx="15235555" cy="7983855"/>
           </a:xfrm>
-          <a:prstGeom prst="rect"/>
+          <a:prstGeom prst="rect">
+            <a:avLst/>
+          </a:prstGeom>
           <a:solidFill>
             <a:srgbClr val="00B0F0"/>
           </a:solidFill>
@@ -4633,12 +4688,12 @@
           </a:fontRef>
         </p:style>
         <p:txBody>
-          <a:bodyPr wrap="square" lIns="91440" tIns="45720" rIns="91440" bIns="45720" numCol="1" vert="horz" anchor="ctr">
+          <a:bodyPr vert="horz" wrap="square" lIns="91440" tIns="45720" rIns="91440" bIns="45720" numCol="1" anchor="ctr">
             <a:noAutofit/>
           </a:bodyPr>
           <a:lstStyle/>
           <a:p>
-            <a:pPr marL="0" indent="0" algn="ctr" fontAlgn="auto" defTabSz="914400" eaLnBrk="0">
+            <a:pPr marL="0" indent="0" algn="ctr" defTabSz="914400" eaLnBrk="0" fontAlgn="auto">
               <a:lnSpc>
                 <a:spcPct val="100000"/>
               </a:lnSpc>
@@ -4651,7 +4706,7 @@
               <a:buFontTx/>
               <a:buNone/>
             </a:pPr>
-            <a:endParaRPr lang="ko-KR" altLang="en-US" sz="1800" cap="none" dirty="0" smtClean="0" b="0" strike="noStrike">
+            <a:endParaRPr lang="ko-KR" altLang="en-US" sz="1800" b="0" strike="noStrike" cap="none" dirty="0" smtClean="0">
               <a:latin typeface="맑은 고딕" charset="0"/>
               <a:ea typeface="맑은 고딕" charset="0"/>
             </a:endParaRPr>
@@ -4814,6 +4869,141 @@
           </a:extLst>
         </p:spPr>
       </p:pic>
+      <p:sp>
+        <p:nvSpPr>
+          <p:cNvPr id="5" name="TextBox 4"/>
+          <p:cNvSpPr txBox="1"/>
+          <p:nvPr/>
+        </p:nvSpPr>
+        <p:spPr>
+          <a:xfrm>
+            <a:off x="4956772" y="4112759"/>
+            <a:ext cx="5174780" cy="2031325"/>
+          </a:xfrm>
+          <a:prstGeom prst="rect">
+            <a:avLst/>
+          </a:prstGeom>
+          <a:noFill/>
+        </p:spPr>
+        <p:txBody>
+          <a:bodyPr wrap="square" rtlCol="0">
+            <a:spAutoFit/>
+          </a:bodyPr>
+          <a:lstStyle/>
+          <a:p>
+            <a:r>
+              <a:rPr lang="ko-KR" altLang="en-US" dirty="0" smtClean="0">
+                <a:latin typeface="나눔바른고딕" panose="020B0603020101020101" pitchFamily="50" charset="-127"/>
+                <a:ea typeface="나눔바른고딕" panose="020B0603020101020101" pitchFamily="50" charset="-127"/>
+              </a:rPr>
+              <a:t>손가락의 끝과 손가락 </a:t>
+            </a:r>
+            <a:r>
+              <a:rPr lang="ko-KR" altLang="en-US" dirty="0" smtClean="0">
+                <a:latin typeface="나눔바른고딕" panose="020B0603020101020101" pitchFamily="50" charset="-127"/>
+                <a:ea typeface="나눔바른고딕" panose="020B0603020101020101" pitchFamily="50" charset="-127"/>
+              </a:rPr>
+              <a:t>사이 들어간 지점을  구하여 손을 판단하는 프로젝트</a:t>
+            </a:r>
+            <a:endParaRPr lang="en-US" altLang="ko-KR" dirty="0" smtClean="0">
+              <a:latin typeface="나눔바른고딕" panose="020B0603020101020101" pitchFamily="50" charset="-127"/>
+              <a:ea typeface="나눔바른고딕" panose="020B0603020101020101" pitchFamily="50" charset="-127"/>
+            </a:endParaRPr>
+          </a:p>
+          <a:p>
+            <a:endParaRPr lang="en-US" altLang="ko-KR" dirty="0">
+              <a:latin typeface="나눔바른고딕" panose="020B0603020101020101" pitchFamily="50" charset="-127"/>
+              <a:ea typeface="나눔바른고딕" panose="020B0603020101020101" pitchFamily="50" charset="-127"/>
+            </a:endParaRPr>
+          </a:p>
+          <a:p>
+            <a:r>
+              <a:rPr lang="ko-KR" altLang="en-US" dirty="0" smtClean="0">
+                <a:latin typeface="나눔바른고딕" panose="020B0603020101020101" pitchFamily="50" charset="-127"/>
+                <a:ea typeface="나눔바른고딕" panose="020B0603020101020101" pitchFamily="50" charset="-127"/>
+              </a:rPr>
+              <a:t>처음에 손을 학습시키고 손을 검출하는 방식</a:t>
+            </a:r>
+            <a:endParaRPr lang="en-US" altLang="ko-KR" dirty="0" smtClean="0">
+              <a:latin typeface="나눔바른고딕" panose="020B0603020101020101" pitchFamily="50" charset="-127"/>
+              <a:ea typeface="나눔바른고딕" panose="020B0603020101020101" pitchFamily="50" charset="-127"/>
+            </a:endParaRPr>
+          </a:p>
+          <a:p>
+            <a:endParaRPr lang="en-US" altLang="ko-KR" dirty="0">
+              <a:latin typeface="나눔바른고딕" panose="020B0603020101020101" pitchFamily="50" charset="-127"/>
+              <a:ea typeface="나눔바른고딕" panose="020B0603020101020101" pitchFamily="50" charset="-127"/>
+            </a:endParaRPr>
+          </a:p>
+          <a:p>
+            <a:r>
+              <a:rPr lang="ko-KR" altLang="en-US" dirty="0" smtClean="0">
+                <a:latin typeface="나눔바른고딕" panose="020B0603020101020101" pitchFamily="50" charset="-127"/>
+                <a:ea typeface="나눔바른고딕" panose="020B0603020101020101" pitchFamily="50" charset="-127"/>
+              </a:rPr>
+              <a:t>손가락 사이와 손 끝의 각도를 계산해서 손 여부를 판단</a:t>
+            </a:r>
+            <a:endParaRPr lang="en-US" altLang="ko-KR" dirty="0" smtClean="0">
+              <a:latin typeface="나눔바른고딕" panose="020B0603020101020101" pitchFamily="50" charset="-127"/>
+              <a:ea typeface="나눔바른고딕" panose="020B0603020101020101" pitchFamily="50" charset="-127"/>
+            </a:endParaRPr>
+          </a:p>
+          <a:p>
+            <a:endParaRPr lang="ko-KR" altLang="en-US" dirty="0">
+              <a:latin typeface="나눔바른고딕" panose="020B0603020101020101" pitchFamily="50" charset="-127"/>
+              <a:ea typeface="나눔바른고딕" panose="020B0603020101020101" pitchFamily="50" charset="-127"/>
+            </a:endParaRPr>
+          </a:p>
+        </p:txBody>
+      </p:sp>
+      <p:pic>
+        <p:nvPicPr>
+          <p:cNvPr id="6" name="그림 5"/>
+          <p:cNvPicPr>
+            <a:picLocks noChangeAspect="1"/>
+          </p:cNvPicPr>
+          <p:nvPr/>
+        </p:nvPicPr>
+        <p:blipFill>
+          <a:blip r:embed="rId3"/>
+          <a:stretch>
+            <a:fillRect/>
+          </a:stretch>
+        </p:blipFill>
+        <p:spPr>
+          <a:xfrm>
+            <a:off x="5558116" y="716933"/>
+            <a:ext cx="5720603" cy="3130045"/>
+          </a:xfrm>
+          <a:prstGeom prst="rect">
+            <a:avLst/>
+          </a:prstGeom>
+        </p:spPr>
+      </p:pic>
+      <p:pic>
+        <p:nvPicPr>
+          <p:cNvPr id="7" name="그림 6"/>
+          <p:cNvPicPr>
+            <a:picLocks noChangeAspect="1"/>
+          </p:cNvPicPr>
+          <p:nvPr/>
+        </p:nvPicPr>
+        <p:blipFill>
+          <a:blip r:embed="rId4"/>
+          <a:stretch>
+            <a:fillRect/>
+          </a:stretch>
+        </p:blipFill>
+        <p:spPr>
+          <a:xfrm>
+            <a:off x="5323627" y="1021630"/>
+            <a:ext cx="6189580" cy="2511827"/>
+          </a:xfrm>
+          <a:prstGeom prst="rect">
+            <a:avLst/>
+          </a:prstGeom>
+        </p:spPr>
+      </p:pic>
     </p:spTree>
     <p:extLst>
       <p:ext uri="{BB962C8B-B14F-4D97-AF65-F5344CB8AC3E}">
@@ -4824,18 +5014,193 @@
   <p:clrMapOvr>
     <a:masterClrMapping/>
   </p:clrMapOvr>
-  <mc:AlternateContent xmlns:mc="http://schemas.openxmlformats.org/markup-compatibility/2006">
-    <mc:Choice xmlns:p14="http://schemas.microsoft.com/office/powerpoint/2010/main" Requires="p14">
+  <mc:AlternateContent xmlns:mc="http://schemas.openxmlformats.org/markup-compatibility/2006" xmlns:p14="http://schemas.microsoft.com/office/powerpoint/2010/main">
+    <mc:Choice Requires="p14">
       <p:transition spd="slow" p14:dur="2000"/>
     </mc:Choice>
-    <mc:Fallback>
+    <mc:Fallback xmlns="">
       <p:transition spd="slow"/>
     </mc:Fallback>
   </mc:AlternateContent>
   <p:timing>
     <p:tnLst>
       <p:par>
-        <p:cTn id="1" dur="indefinite" restart="never" nodeType="tmRoot"/>
+        <p:cTn id="1" dur="indefinite" restart="never" nodeType="tmRoot">
+          <p:childTnLst>
+            <p:seq concurrent="1" nextAc="seek">
+              <p:cTn id="2" dur="indefinite" nodeType="mainSeq">
+                <p:childTnLst>
+                  <p:par>
+                    <p:cTn id="3" fill="hold">
+                      <p:stCondLst>
+                        <p:cond delay="indefinite"/>
+                      </p:stCondLst>
+                      <p:childTnLst>
+                        <p:par>
+                          <p:cTn id="4" fill="hold">
+                            <p:stCondLst>
+                              <p:cond delay="0"/>
+                            </p:stCondLst>
+                            <p:childTnLst>
+                              <p:par>
+                                <p:cTn id="5" presetID="1" presetClass="entr" presetSubtype="0" fill="hold" nodeType="clickEffect">
+                                  <p:stCondLst>
+                                    <p:cond delay="0"/>
+                                  </p:stCondLst>
+                                  <p:childTnLst>
+                                    <p:set>
+                                      <p:cBhvr>
+                                        <p:cTn id="6" dur="1" fill="hold">
+                                          <p:stCondLst>
+                                            <p:cond delay="0"/>
+                                          </p:stCondLst>
+                                        </p:cTn>
+                                        <p:tgtEl>
+                                          <p:spTgt spid="6"/>
+                                        </p:tgtEl>
+                                        <p:attrNameLst>
+                                          <p:attrName>style.visibility</p:attrName>
+                                        </p:attrNameLst>
+                                      </p:cBhvr>
+                                      <p:to>
+                                        <p:strVal val="visible"/>
+                                      </p:to>
+                                    </p:set>
+                                  </p:childTnLst>
+                                </p:cTn>
+                              </p:par>
+                              <p:par>
+                                <p:cTn id="7" presetID="1" presetClass="entr" presetSubtype="0" fill="hold" nodeType="withEffect">
+                                  <p:stCondLst>
+                                    <p:cond delay="0"/>
+                                  </p:stCondLst>
+                                  <p:childTnLst>
+                                    <p:set>
+                                      <p:cBhvr>
+                                        <p:cTn id="8" dur="1" fill="hold">
+                                          <p:stCondLst>
+                                            <p:cond delay="0"/>
+                                          </p:stCondLst>
+                                        </p:cTn>
+                                        <p:tgtEl>
+                                          <p:spTgt spid="5">
+                                            <p:txEl>
+                                              <p:pRg st="2" end="2"/>
+                                            </p:txEl>
+                                          </p:spTgt>
+                                        </p:tgtEl>
+                                        <p:attrNameLst>
+                                          <p:attrName>style.visibility</p:attrName>
+                                        </p:attrNameLst>
+                                      </p:cBhvr>
+                                      <p:to>
+                                        <p:strVal val="visible"/>
+                                      </p:to>
+                                    </p:set>
+                                  </p:childTnLst>
+                                </p:cTn>
+                              </p:par>
+                            </p:childTnLst>
+                          </p:cTn>
+                        </p:par>
+                      </p:childTnLst>
+                    </p:cTn>
+                  </p:par>
+                  <p:par>
+                    <p:cTn id="9" fill="hold">
+                      <p:stCondLst>
+                        <p:cond delay="indefinite"/>
+                      </p:stCondLst>
+                      <p:childTnLst>
+                        <p:par>
+                          <p:cTn id="10" fill="hold">
+                            <p:stCondLst>
+                              <p:cond delay="0"/>
+                            </p:stCondLst>
+                            <p:childTnLst>
+                              <p:par>
+                                <p:cTn id="11" presetID="1" presetClass="entr" presetSubtype="0" fill="hold" nodeType="clickEffect">
+                                  <p:stCondLst>
+                                    <p:cond delay="0"/>
+                                  </p:stCondLst>
+                                  <p:childTnLst>
+                                    <p:set>
+                                      <p:cBhvr>
+                                        <p:cTn id="12" dur="1" fill="hold">
+                                          <p:stCondLst>
+                                            <p:cond delay="0"/>
+                                          </p:stCondLst>
+                                        </p:cTn>
+                                        <p:tgtEl>
+                                          <p:spTgt spid="7"/>
+                                        </p:tgtEl>
+                                        <p:attrNameLst>
+                                          <p:attrName>style.visibility</p:attrName>
+                                        </p:attrNameLst>
+                                      </p:cBhvr>
+                                      <p:to>
+                                        <p:strVal val="visible"/>
+                                      </p:to>
+                                    </p:set>
+                                  </p:childTnLst>
+                                </p:cTn>
+                              </p:par>
+                              <p:par>
+                                <p:cTn id="13" presetID="1" presetClass="entr" presetSubtype="0" fill="hold" nodeType="withEffect">
+                                  <p:stCondLst>
+                                    <p:cond delay="0"/>
+                                  </p:stCondLst>
+                                  <p:childTnLst>
+                                    <p:set>
+                                      <p:cBhvr>
+                                        <p:cTn id="14" dur="1" fill="hold">
+                                          <p:stCondLst>
+                                            <p:cond delay="0"/>
+                                          </p:stCondLst>
+                                        </p:cTn>
+                                        <p:tgtEl>
+                                          <p:spTgt spid="5">
+                                            <p:txEl>
+                                              <p:pRg st="4" end="4"/>
+                                            </p:txEl>
+                                          </p:spTgt>
+                                        </p:tgtEl>
+                                        <p:attrNameLst>
+                                          <p:attrName>style.visibility</p:attrName>
+                                        </p:attrNameLst>
+                                      </p:cBhvr>
+                                      <p:to>
+                                        <p:strVal val="visible"/>
+                                      </p:to>
+                                    </p:set>
+                                  </p:childTnLst>
+                                </p:cTn>
+                              </p:par>
+                            </p:childTnLst>
+                          </p:cTn>
+                        </p:par>
+                      </p:childTnLst>
+                    </p:cTn>
+                  </p:par>
+                </p:childTnLst>
+              </p:cTn>
+              <p:prevCondLst>
+                <p:cond evt="onPrev" delay="0">
+                  <p:tgtEl>
+                    <p:sldTgt/>
+                  </p:tgtEl>
+                </p:cond>
+              </p:prevCondLst>
+              <p:nextCondLst>
+                <p:cond evt="onNext" delay="0">
+                  <p:tgtEl>
+                    <p:sldTgt/>
+                  </p:tgtEl>
+                </p:cond>
+              </p:nextCondLst>
+            </p:seq>
+          </p:childTnLst>
+        </p:cTn>
       </p:par>
     </p:tnLst>
   </p:timing>
@@ -4843,7 +5208,7 @@
 </file>
 
 <file path=ppt/slides/slide6.xml><?xml version="1.0" encoding="utf-8"?>
-<p:sld xmlns:a="http://schemas.openxmlformats.org/drawingml/2006/main" xmlns:r="http://schemas.openxmlformats.org/officeDocument/2006/relationships" xmlns:p="http://schemas.openxmlformats.org/presentationml/2006/main" xmlns:p14="http://schemas.microsoft.com/office/powerpoint/2010/main">
+<p:sld xmlns:a="http://schemas.openxmlformats.org/drawingml/2006/main" xmlns:r="http://schemas.openxmlformats.org/officeDocument/2006/relationships" xmlns:p="http://schemas.openxmlformats.org/presentationml/2006/main">
   <p:cSld>
     <p:spTree>
       <p:nvGrpSpPr>
@@ -4867,7 +5232,7 @@
         </p:nvSpPr>
         <p:spPr>
           <a:xfrm rot="20502044">
-            <a:off x="-2450465" y="-1769745"/>
+            <a:off x="-2331594" y="-1769744"/>
             <a:ext cx="15234920" cy="7983220"/>
           </a:xfrm>
           <a:prstGeom prst="rect">
@@ -4903,7 +5268,10 @@
           <a:lstStyle/>
           <a:p>
             <a:pPr algn="ctr"/>
-            <a:endParaRPr lang="ko-KR" altLang="en-US"/>
+            <a:endParaRPr lang="ko-KR" altLang="en-US" dirty="0">
+              <a:latin typeface="나눔고딕" panose="020D0604000000000000" pitchFamily="50" charset="-127"/>
+              <a:ea typeface="나눔고딕" panose="020D0604000000000000" pitchFamily="50" charset="-127"/>
+            </a:endParaRPr>
           </a:p>
         </p:txBody>
       </p:sp>
@@ -5011,6 +5379,115 @@
           </a:extLst>
         </p:spPr>
       </p:pic>
+      <p:sp>
+        <p:nvSpPr>
+          <p:cNvPr id="2" name="TextBox 1"/>
+          <p:cNvSpPr txBox="1"/>
+          <p:nvPr/>
+        </p:nvSpPr>
+        <p:spPr>
+          <a:xfrm>
+            <a:off x="6767292" y="2571849"/>
+            <a:ext cx="4891308" cy="1754326"/>
+          </a:xfrm>
+          <a:prstGeom prst="rect">
+            <a:avLst/>
+          </a:prstGeom>
+          <a:noFill/>
+        </p:spPr>
+        <p:txBody>
+          <a:bodyPr wrap="square" rtlCol="0">
+            <a:spAutoFit/>
+          </a:bodyPr>
+          <a:lstStyle/>
+          <a:p>
+            <a:r>
+              <a:rPr lang="ko-KR" altLang="en-US" dirty="0" smtClean="0">
+                <a:latin typeface="나눔바른고딕" panose="020B0603020101020101" pitchFamily="50" charset="-127"/>
+                <a:ea typeface="나눔바른고딕" panose="020B0603020101020101" pitchFamily="50" charset="-127"/>
+              </a:rPr>
+              <a:t>골무의 색을 인식해서 그림을 그리는 </a:t>
+            </a:r>
+            <a:r>
+              <a:rPr lang="ko-KR" altLang="en-US" dirty="0" smtClean="0">
+                <a:latin typeface="나눔바른고딕" panose="020B0603020101020101" pitchFamily="50" charset="-127"/>
+                <a:ea typeface="나눔바른고딕" panose="020B0603020101020101" pitchFamily="50" charset="-127"/>
+              </a:rPr>
+              <a:t>프로젝트</a:t>
+            </a:r>
+            <a:endParaRPr lang="en-US" altLang="ko-KR" dirty="0" smtClean="0">
+              <a:latin typeface="나눔바른고딕" panose="020B0603020101020101" pitchFamily="50" charset="-127"/>
+              <a:ea typeface="나눔바른고딕" panose="020B0603020101020101" pitchFamily="50" charset="-127"/>
+            </a:endParaRPr>
+          </a:p>
+          <a:p>
+            <a:endParaRPr lang="en-US" altLang="ko-KR" dirty="0">
+              <a:latin typeface="나눔바른고딕" panose="020B0603020101020101" pitchFamily="50" charset="-127"/>
+              <a:ea typeface="나눔바른고딕" panose="020B0603020101020101" pitchFamily="50" charset="-127"/>
+            </a:endParaRPr>
+          </a:p>
+          <a:p>
+            <a:r>
+              <a:rPr lang="ko-KR" altLang="en-US" dirty="0" smtClean="0">
+                <a:latin typeface="나눔바른고딕" panose="020B0603020101020101" pitchFamily="50" charset="-127"/>
+                <a:ea typeface="나눔바른고딕" panose="020B0603020101020101" pitchFamily="50" charset="-127"/>
+              </a:rPr>
+              <a:t>우리</a:t>
+            </a:r>
+            <a:r>
+              <a:rPr lang="ko-KR" altLang="en-US" dirty="0" smtClean="0">
+                <a:latin typeface="나눔바른고딕" panose="020B0603020101020101" pitchFamily="50" charset="-127"/>
+                <a:ea typeface="나눔바른고딕" panose="020B0603020101020101" pitchFamily="50" charset="-127"/>
+              </a:rPr>
+              <a:t> 프로젝트와 많이 유사한 프로젝트</a:t>
+            </a:r>
+            <a:endParaRPr lang="en-US" altLang="ko-KR" dirty="0" smtClean="0">
+              <a:latin typeface="나눔바른고딕" panose="020B0603020101020101" pitchFamily="50" charset="-127"/>
+              <a:ea typeface="나눔바른고딕" panose="020B0603020101020101" pitchFamily="50" charset="-127"/>
+            </a:endParaRPr>
+          </a:p>
+          <a:p>
+            <a:endParaRPr lang="en-US" altLang="ko-KR" dirty="0">
+              <a:latin typeface="나눔바른고딕" panose="020B0603020101020101" pitchFamily="50" charset="-127"/>
+              <a:ea typeface="나눔바른고딕" panose="020B0603020101020101" pitchFamily="50" charset="-127"/>
+            </a:endParaRPr>
+          </a:p>
+          <a:p>
+            <a:r>
+              <a:rPr lang="ko-KR" altLang="en-US" dirty="0" smtClean="0">
+                <a:latin typeface="나눔바른고딕" panose="020B0603020101020101" pitchFamily="50" charset="-127"/>
+                <a:ea typeface="나눔바른고딕" panose="020B0603020101020101" pitchFamily="50" charset="-127"/>
+              </a:rPr>
+              <a:t>우리</a:t>
+            </a:r>
+            <a:r>
+              <a:rPr lang="ko-KR" altLang="en-US" dirty="0" smtClean="0">
+                <a:latin typeface="나눔바른고딕" panose="020B0603020101020101" pitchFamily="50" charset="-127"/>
+                <a:ea typeface="나눔바른고딕" panose="020B0603020101020101" pitchFamily="50" charset="-127"/>
+              </a:rPr>
+              <a:t> 프로젝트는 손을 사용하고 줌인</a:t>
+            </a:r>
+            <a:r>
+              <a:rPr lang="en-US" altLang="ko-KR" dirty="0" smtClean="0">
+                <a:latin typeface="나눔바른고딕" panose="020B0603020101020101" pitchFamily="50" charset="-127"/>
+                <a:ea typeface="나눔바른고딕" panose="020B0603020101020101" pitchFamily="50" charset="-127"/>
+              </a:rPr>
+              <a:t>, </a:t>
+            </a:r>
+            <a:r>
+              <a:rPr lang="ko-KR" altLang="en-US" dirty="0" smtClean="0">
+                <a:latin typeface="나눔바른고딕" panose="020B0603020101020101" pitchFamily="50" charset="-127"/>
+                <a:ea typeface="나눔바른고딕" panose="020B0603020101020101" pitchFamily="50" charset="-127"/>
+              </a:rPr>
+              <a:t>줌 아웃을 할 수 있는 것에서 차별성을 두고 있음 </a:t>
+            </a:r>
+            <a:endParaRPr lang="ko-KR" altLang="en-US" dirty="0">
+              <a:latin typeface="나눔바른고딕" panose="020B0603020101020101" pitchFamily="50" charset="-127"/>
+              <a:ea typeface="나눔바른고딕" panose="020B0603020101020101" pitchFamily="50" charset="-127"/>
+            </a:endParaRPr>
+          </a:p>
+        </p:txBody>
+      </p:sp>
     </p:spTree>
     <p:extLst>
       <p:ext uri="{BB962C8B-B14F-4D97-AF65-F5344CB8AC3E}">
@@ -5021,11 +5498,11 @@
   <p:clrMapOvr>
     <a:masterClrMapping/>
   </p:clrMapOvr>
-  <mc:AlternateContent xmlns:mc="http://schemas.openxmlformats.org/markup-compatibility/2006">
-    <mc:Choice xmlns:p14="http://schemas.microsoft.com/office/powerpoint/2010/main" Requires="p14">
+  <mc:AlternateContent xmlns:mc="http://schemas.openxmlformats.org/markup-compatibility/2006" xmlns:p14="http://schemas.microsoft.com/office/powerpoint/2010/main">
+    <mc:Choice Requires="p14">
       <p:transition spd="slow" p14:dur="2000"/>
     </mc:Choice>
-    <mc:Fallback>
+    <mc:Fallback xmlns="">
       <p:transition spd="slow"/>
     </mc:Fallback>
   </mc:AlternateContent>
@@ -5040,7 +5517,7 @@
 </file>
 
 <file path=ppt/slides/slide7.xml><?xml version="1.0" encoding="utf-8"?>
-<p:sld xmlns:a="http://schemas.openxmlformats.org/drawingml/2006/main" xmlns:r="http://schemas.openxmlformats.org/officeDocument/2006/relationships" xmlns:p="http://schemas.openxmlformats.org/presentationml/2006/main" xmlns:p14="http://schemas.microsoft.com/office/powerpoint/2010/main">
+<p:sld xmlns:a="http://schemas.openxmlformats.org/drawingml/2006/main" xmlns:r="http://schemas.openxmlformats.org/officeDocument/2006/relationships" xmlns:p="http://schemas.openxmlformats.org/presentationml/2006/main">
   <p:cSld>
     <p:spTree>
       <p:nvGrpSpPr>
@@ -5069,7 +5546,9 @@
             <a:off x="-1003935" y="498475"/>
             <a:ext cx="15235555" cy="7983855"/>
           </a:xfrm>
-          <a:prstGeom prst="rect"/>
+          <a:prstGeom prst="rect">
+            <a:avLst/>
+          </a:prstGeom>
           <a:solidFill>
             <a:srgbClr val="00B0F0"/>
           </a:solidFill>
@@ -5099,12 +5578,12 @@
           </a:fontRef>
         </p:style>
         <p:txBody>
-          <a:bodyPr wrap="square" lIns="91440" tIns="45720" rIns="91440" bIns="45720" numCol="1" vert="horz" anchor="ctr">
+          <a:bodyPr vert="horz" wrap="square" lIns="91440" tIns="45720" rIns="91440" bIns="45720" numCol="1" anchor="ctr">
             <a:noAutofit/>
           </a:bodyPr>
           <a:lstStyle/>
           <a:p>
-            <a:pPr marL="0" indent="0" algn="ctr" fontAlgn="auto" defTabSz="914400" eaLnBrk="0">
+            <a:pPr marL="0" indent="0" algn="ctr" defTabSz="914400" eaLnBrk="0" fontAlgn="auto">
               <a:lnSpc>
                 <a:spcPct val="100000"/>
               </a:lnSpc>
@@ -5117,7 +5596,7 @@
               <a:buFontTx/>
               <a:buNone/>
             </a:pPr>
-            <a:endParaRPr lang="ko-KR" altLang="en-US" sz="1800" cap="none" dirty="0" smtClean="0" b="0" strike="noStrike">
+            <a:endParaRPr lang="ko-KR" altLang="en-US" sz="1800" b="0" strike="noStrike" cap="none" dirty="0" smtClean="0">
               <a:latin typeface="맑은 고딕" charset="0"/>
               <a:ea typeface="맑은 고딕" charset="0"/>
             </a:endParaRPr>
@@ -5176,11 +5655,11 @@
   <p:clrMapOvr>
     <a:masterClrMapping/>
   </p:clrMapOvr>
-  <mc:AlternateContent xmlns:mc="http://schemas.openxmlformats.org/markup-compatibility/2006">
-    <mc:Choice xmlns:p14="http://schemas.microsoft.com/office/powerpoint/2010/main" Requires="p14">
+  <mc:AlternateContent xmlns:mc="http://schemas.openxmlformats.org/markup-compatibility/2006" xmlns:p14="http://schemas.microsoft.com/office/powerpoint/2010/main">
+    <mc:Choice Requires="p14">
       <p:transition spd="slow" p14:dur="2000"/>
     </mc:Choice>
-    <mc:Fallback>
+    <mc:Fallback xmlns="">
       <p:transition spd="slow"/>
     </mc:Fallback>
   </mc:AlternateContent>
@@ -5195,7 +5674,7 @@
 </file>
 
 <file path=ppt/slides/slide8.xml><?xml version="1.0" encoding="utf-8"?>
-<p:sld xmlns:a="http://schemas.openxmlformats.org/drawingml/2006/main" xmlns:r="http://schemas.openxmlformats.org/officeDocument/2006/relationships" xmlns:p="http://schemas.openxmlformats.org/presentationml/2006/main" xmlns:p14="http://schemas.microsoft.com/office/powerpoint/2010/main">
+<p:sld xmlns:a="http://schemas.openxmlformats.org/drawingml/2006/main" xmlns:r="http://schemas.openxmlformats.org/officeDocument/2006/relationships" xmlns:p="http://schemas.openxmlformats.org/presentationml/2006/main">
   <p:cSld>
     <p:spTree>
       <p:nvGrpSpPr>
@@ -5224,7 +5703,9 @@
             <a:off x="-1036955" y="608330"/>
             <a:ext cx="15235555" cy="7983855"/>
           </a:xfrm>
-          <a:prstGeom prst="rect"/>
+          <a:prstGeom prst="rect">
+            <a:avLst/>
+          </a:prstGeom>
           <a:solidFill>
             <a:srgbClr val="00B0F0"/>
           </a:solidFill>
@@ -5254,12 +5735,12 @@
           </a:fontRef>
         </p:style>
         <p:txBody>
-          <a:bodyPr wrap="square" lIns="91440" tIns="45720" rIns="91440" bIns="45720" numCol="1" vert="horz" anchor="ctr">
+          <a:bodyPr vert="horz" wrap="square" lIns="91440" tIns="45720" rIns="91440" bIns="45720" numCol="1" anchor="ctr">
             <a:noAutofit/>
           </a:bodyPr>
           <a:lstStyle/>
           <a:p>
-            <a:pPr marL="0" indent="0" algn="ctr" fontAlgn="auto" defTabSz="914400" eaLnBrk="0">
+            <a:pPr marL="0" indent="0" algn="ctr" defTabSz="914400" eaLnBrk="0" fontAlgn="auto">
               <a:lnSpc>
                 <a:spcPct val="100000"/>
               </a:lnSpc>
@@ -5272,7 +5753,7 @@
               <a:buFontTx/>
               <a:buNone/>
             </a:pPr>
-            <a:endParaRPr lang="ko-KR" altLang="en-US" sz="1800" cap="none" dirty="0" smtClean="0" b="0" strike="noStrike">
+            <a:endParaRPr lang="ko-KR" altLang="en-US" sz="1800" b="0" strike="noStrike" cap="none" dirty="0" smtClean="0">
               <a:latin typeface="맑은 고딕" charset="0"/>
               <a:ea typeface="맑은 고딕" charset="0"/>
             </a:endParaRPr>
@@ -5330,11 +5811,13 @@
           <p:nvPr/>
         </p:nvSpPr>
         <p:spPr>
-          <a:xfrm rot="0">
-            <a:off x="2901315" y="1506220"/>
-            <a:ext cx="9288780" cy="4968875"/>
+          <a:xfrm>
+            <a:off x="2791587" y="1698244"/>
+            <a:ext cx="9288780" cy="5018040"/>
           </a:xfrm>
-          <a:prstGeom prst="rect"/>
+          <a:prstGeom prst="rect">
+            <a:avLst/>
+          </a:prstGeom>
           <a:noFill/>
           <a:ln w="0">
             <a:noFill/>
@@ -5342,12 +5825,12 @@
           </a:ln>
         </p:spPr>
         <p:txBody>
-          <a:bodyPr wrap="square" lIns="89535" tIns="46355" rIns="89535" bIns="46355" vert="horz" anchor="t">
+          <a:bodyPr vert="horz" wrap="square" lIns="89535" tIns="46355" rIns="89535" bIns="46355" anchor="t">
             <a:spAutoFit/>
           </a:bodyPr>
           <a:lstStyle/>
           <a:p>
-            <a:pPr marL="0" indent="0" algn="l" fontAlgn="auto" defTabSz="508000">
+            <a:pPr marL="0" indent="0" algn="l" defTabSz="508000" fontAlgn="auto">
               <a:lnSpc>
                 <a:spcPct val="160000"/>
               </a:lnSpc>
@@ -5361,25 +5844,25 @@
               <a:buNone/>
             </a:pPr>
             <a:r>
-              <a:rPr lang="en-US" altLang="ko-KR" sz="1800" cap="none" dirty="0" smtClean="0" b="1" strike="noStrike">
+              <a:rPr lang="en-US" altLang="ko-KR" sz="1800" b="1" strike="noStrike" cap="none" dirty="0" smtClean="0">
                 <a:solidFill>
                   <a:schemeClr val="bg1"/>
                 </a:solidFill>
-                <a:latin typeface="나눔스퀘어라운드 Bold" charset="0"/>
-                <a:ea typeface="나눔스퀘어라운드 Bold" charset="0"/>
+                <a:latin typeface="나눔스퀘어 ExtraBold" panose="020B0600000101010101" pitchFamily="50" charset="-127"/>
+                <a:ea typeface="나눔스퀘어 ExtraBold" panose="020B0600000101010101" pitchFamily="50" charset="-127"/>
               </a:rPr>
               <a:t>그림을 그리는 도중 시스템이 다운될 경우</a:t>
             </a:r>
-            <a:endParaRPr lang="ko-KR" altLang="en-US" sz="1800" cap="none" dirty="0" smtClean="0" b="1" strike="noStrike">
+            <a:endParaRPr lang="ko-KR" altLang="en-US" sz="1800" b="1" strike="noStrike" cap="none" dirty="0" smtClean="0">
               <a:solidFill>
                 <a:schemeClr val="bg1"/>
               </a:solidFill>
-              <a:latin typeface="나눔스퀘어라운드 Bold" charset="0"/>
-              <a:ea typeface="나눔스퀘어라운드 Bold" charset="0"/>
+              <a:latin typeface="나눔스퀘어 ExtraBold" panose="020B0600000101010101" pitchFamily="50" charset="-127"/>
+              <a:ea typeface="나눔스퀘어 ExtraBold" panose="020B0600000101010101" pitchFamily="50" charset="-127"/>
             </a:endParaRPr>
           </a:p>
           <a:p>
-            <a:pPr marL="0" indent="0" algn="l" fontAlgn="auto" defTabSz="508000">
+            <a:pPr marL="0" indent="0" algn="l" defTabSz="508000" fontAlgn="auto">
               <a:lnSpc>
                 <a:spcPct val="160000"/>
               </a:lnSpc>
@@ -5393,7 +5876,7 @@
               <a:buNone/>
             </a:pPr>
             <a:r>
-              <a:rPr lang="en-US" altLang="ko-KR" sz="1800" cap="none" dirty="0" smtClean="0" b="0" strike="noStrike">
+              <a:rPr lang="en-US" altLang="ko-KR" sz="1600" b="0" strike="noStrike" cap="none" dirty="0" smtClean="0">
                 <a:solidFill>
                   <a:schemeClr val="bg1"/>
                 </a:solidFill>
@@ -5402,7 +5885,7 @@
               </a:rPr>
               <a:t>저장을 누르면 그림이 저장</a:t>
             </a:r>
-            <a:endParaRPr lang="ko-KR" altLang="en-US" sz="1800" cap="none" dirty="0" smtClean="0" b="0" strike="noStrike">
+            <a:endParaRPr lang="ko-KR" altLang="en-US" sz="1600" b="0" strike="noStrike" cap="none" dirty="0" smtClean="0">
               <a:solidFill>
                 <a:schemeClr val="bg1"/>
               </a:solidFill>
@@ -5411,7 +5894,7 @@
             </a:endParaRPr>
           </a:p>
           <a:p>
-            <a:pPr marL="0" indent="0" algn="l" fontAlgn="auto" defTabSz="508000">
+            <a:pPr marL="0" indent="0" algn="l" defTabSz="508000" fontAlgn="auto">
               <a:lnSpc>
                 <a:spcPct val="160000"/>
               </a:lnSpc>
@@ -5425,25 +5908,38 @@
               <a:buNone/>
             </a:pPr>
             <a:r>
-              <a:rPr lang="en-US" altLang="ko-KR" sz="1800" cap="none" dirty="0" smtClean="0" b="0" strike="noStrike">
+              <a:rPr lang="en-US" altLang="ko-KR" sz="1600" b="0" strike="noStrike" cap="none" dirty="0" smtClean="0">
                 <a:solidFill>
                   <a:schemeClr val="bg1"/>
                 </a:solidFill>
                 <a:latin typeface="나눔스퀘어" charset="0"/>
                 <a:ea typeface="나눔스퀘어" charset="0"/>
               </a:rPr>
-              <a:t>저장 이후에 알 수 없는 에러로 다운이 되면 그 저장을 불러올 수 있습니다.</a:t>
-            </a:r>
-            <a:endParaRPr lang="ko-KR" altLang="en-US" sz="1800" cap="none" dirty="0" smtClean="0" b="0" strike="noStrike">
-              <a:solidFill>
-                <a:schemeClr val="bg1"/>
-              </a:solidFill>
-              <a:latin typeface="나눔스퀘어" charset="0"/>
-              <a:ea typeface="나눔스퀘어" charset="0"/>
-            </a:endParaRPr>
-          </a:p>
-          <a:p>
-            <a:pPr marL="0" indent="0" algn="l" fontAlgn="auto" defTabSz="508000">
+              <a:t>저장 이후에 알 수 없는 에러로 다운이 되면 그 저장을 불러올 수 </a:t>
+            </a:r>
+            <a:r>
+              <a:rPr lang="en-US" altLang="ko-KR" sz="1600" b="0" strike="noStrike" cap="none" dirty="0" err="1" smtClean="0">
+                <a:solidFill>
+                  <a:schemeClr val="bg1"/>
+                </a:solidFill>
+                <a:latin typeface="나눔스퀘어" charset="0"/>
+                <a:ea typeface="나눔스퀘어" charset="0"/>
+              </a:rPr>
+              <a:t>있습니다</a:t>
+            </a:r>
+            <a:r>
+              <a:rPr lang="en-US" altLang="ko-KR" sz="1600" b="0" strike="noStrike" cap="none" dirty="0" smtClean="0">
+                <a:solidFill>
+                  <a:schemeClr val="bg1"/>
+                </a:solidFill>
+                <a:latin typeface="나눔스퀘어" charset="0"/>
+                <a:ea typeface="나눔스퀘어" charset="0"/>
+              </a:rPr>
+              <a:t>.</a:t>
+            </a:r>
+          </a:p>
+          <a:p>
+            <a:pPr marL="0" indent="0" algn="l" defTabSz="508000" fontAlgn="auto">
               <a:lnSpc>
                 <a:spcPct val="160000"/>
               </a:lnSpc>
@@ -5456,26 +5952,16 @@
               <a:buFontTx/>
               <a:buNone/>
             </a:pPr>
-            <a:r>
-              <a:rPr lang="en-US" altLang="ko-KR" sz="1800" cap="none" dirty="0" smtClean="0" b="1" strike="noStrike">
-                <a:solidFill>
-                  <a:schemeClr val="bg1"/>
-                </a:solidFill>
-                <a:latin typeface="나눔스퀘어라운드 Bold" charset="0"/>
-                <a:ea typeface="나눔스퀘어라운드 Bold" charset="0"/>
-              </a:rPr>
-              <a:t>손가락 말고 다른 것이 인식될 경우</a:t>
-            </a:r>
-            <a:endParaRPr lang="ko-KR" altLang="en-US" sz="1800" cap="none" dirty="0" smtClean="0" b="1" strike="noStrike">
+            <a:endParaRPr lang="ko-KR" altLang="en-US" sz="1600" b="0" strike="noStrike" cap="none" dirty="0" smtClean="0">
               <a:solidFill>
                 <a:schemeClr val="bg1"/>
               </a:solidFill>
-              <a:latin typeface="나눔스퀘어라운드 Bold" charset="0"/>
-              <a:ea typeface="나눔스퀘어라운드 Bold" charset="0"/>
+              <a:latin typeface="나눔스퀘어" charset="0"/>
+              <a:ea typeface="나눔스퀘어" charset="0"/>
             </a:endParaRPr>
           </a:p>
           <a:p>
-            <a:pPr marL="0" indent="0" algn="l" fontAlgn="auto" defTabSz="508000">
+            <a:pPr marL="0" indent="0" algn="l" defTabSz="508000" fontAlgn="auto">
               <a:lnSpc>
                 <a:spcPct val="160000"/>
               </a:lnSpc>
@@ -5489,25 +5975,25 @@
               <a:buNone/>
             </a:pPr>
             <a:r>
-              <a:rPr lang="en-US" altLang="ko-KR" sz="1800" cap="none" dirty="0" smtClean="0" b="0" strike="noStrike">
+              <a:rPr lang="en-US" altLang="ko-KR" sz="1800" b="1" strike="noStrike" cap="none" dirty="0" smtClean="0">
                 <a:solidFill>
                   <a:schemeClr val="bg1"/>
                 </a:solidFill>
-                <a:latin typeface="나눔스퀘어" charset="0"/>
-                <a:ea typeface="나눔스퀘어" charset="0"/>
-              </a:rPr>
-              <a:t>손가락 주변에서 지속적으로 RoI를 생성해 인식함으로 다른 것이 검출될 확률은 낮습니다.</a:t>
-            </a:r>
-            <a:endParaRPr lang="ko-KR" altLang="en-US" sz="1800" cap="none" dirty="0" smtClean="0" b="0" strike="noStrike">
+                <a:latin typeface="나눔스퀘어 ExtraBold" panose="020B0600000101010101" pitchFamily="50" charset="-127"/>
+                <a:ea typeface="나눔스퀘어 ExtraBold" panose="020B0600000101010101" pitchFamily="50" charset="-127"/>
+              </a:rPr>
+              <a:t>손가락 말고 다른 것이 인식될 경우</a:t>
+            </a:r>
+            <a:endParaRPr lang="ko-KR" altLang="en-US" sz="1800" b="1" strike="noStrike" cap="none" dirty="0" smtClean="0">
               <a:solidFill>
                 <a:schemeClr val="bg1"/>
               </a:solidFill>
-              <a:latin typeface="나눔스퀘어" charset="0"/>
-              <a:ea typeface="나눔스퀘어" charset="0"/>
+              <a:latin typeface="나눔스퀘어 ExtraBold" panose="020B0600000101010101" pitchFamily="50" charset="-127"/>
+              <a:ea typeface="나눔스퀘어 ExtraBold" panose="020B0600000101010101" pitchFamily="50" charset="-127"/>
             </a:endParaRPr>
           </a:p>
           <a:p>
-            <a:pPr marL="0" indent="0" algn="l" fontAlgn="auto" defTabSz="508000">
+            <a:pPr marL="0" indent="0" algn="l" defTabSz="508000" fontAlgn="auto">
               <a:lnSpc>
                 <a:spcPct val="160000"/>
               </a:lnSpc>
@@ -5521,16 +6007,226 @@
               <a:buNone/>
             </a:pPr>
             <a:r>
-              <a:rPr lang="en-US" altLang="ko-KR" sz="1800" cap="none" dirty="0" smtClean="0" b="0" strike="noStrike">
+              <a:rPr lang="en-US" altLang="ko-KR" sz="1600" b="0" strike="noStrike" cap="none" dirty="0" err="1" smtClean="0">
                 <a:solidFill>
                   <a:schemeClr val="bg1"/>
                 </a:solidFill>
                 <a:latin typeface="나눔스퀘어" charset="0"/>
                 <a:ea typeface="나눔스퀘어" charset="0"/>
               </a:rPr>
-              <a:t>하지만 다른 것이 손가락 주변에서 인식이 될 경우 인식한 물체 중심으로 색을 검색을 하는 단점이 있습니다.</a:t>
-            </a:r>
-            <a:endParaRPr lang="ko-KR" altLang="en-US" sz="1800" cap="none" dirty="0" smtClean="0" b="0" strike="noStrike">
+              <a:t>손가락</a:t>
+            </a:r>
+            <a:r>
+              <a:rPr lang="en-US" altLang="ko-KR" sz="1600" b="0" strike="noStrike" cap="none" dirty="0" smtClean="0">
+                <a:solidFill>
+                  <a:schemeClr val="bg1"/>
+                </a:solidFill>
+                <a:latin typeface="나눔스퀘어" charset="0"/>
+                <a:ea typeface="나눔스퀘어" charset="0"/>
+              </a:rPr>
+              <a:t> </a:t>
+            </a:r>
+            <a:r>
+              <a:rPr lang="en-US" altLang="ko-KR" sz="1600" b="0" strike="noStrike" cap="none" dirty="0" err="1" smtClean="0">
+                <a:solidFill>
+                  <a:schemeClr val="bg1"/>
+                </a:solidFill>
+                <a:latin typeface="나눔스퀘어" charset="0"/>
+                <a:ea typeface="나눔스퀘어" charset="0"/>
+              </a:rPr>
+              <a:t>주변에서</a:t>
+            </a:r>
+            <a:r>
+              <a:rPr lang="en-US" altLang="ko-KR" sz="1600" b="0" strike="noStrike" cap="none" dirty="0" smtClean="0">
+                <a:solidFill>
+                  <a:schemeClr val="bg1"/>
+                </a:solidFill>
+                <a:latin typeface="나눔스퀘어" charset="0"/>
+                <a:ea typeface="나눔스퀘어" charset="0"/>
+              </a:rPr>
+              <a:t> </a:t>
+            </a:r>
+            <a:r>
+              <a:rPr lang="en-US" altLang="ko-KR" sz="1600" b="0" strike="noStrike" cap="none" dirty="0" err="1" smtClean="0">
+                <a:solidFill>
+                  <a:schemeClr val="bg1"/>
+                </a:solidFill>
+                <a:latin typeface="나눔스퀘어" charset="0"/>
+                <a:ea typeface="나눔스퀘어" charset="0"/>
+              </a:rPr>
+              <a:t>지속적으로</a:t>
+            </a:r>
+            <a:r>
+              <a:rPr lang="en-US" altLang="ko-KR" sz="1600" b="0" strike="noStrike" cap="none" dirty="0" smtClean="0">
+                <a:solidFill>
+                  <a:schemeClr val="bg1"/>
+                </a:solidFill>
+                <a:latin typeface="나눔스퀘어" charset="0"/>
+                <a:ea typeface="나눔스퀘어" charset="0"/>
+              </a:rPr>
+              <a:t> </a:t>
+            </a:r>
+            <a:r>
+              <a:rPr lang="en-US" altLang="ko-KR" sz="1600" b="0" strike="noStrike" cap="none" dirty="0" err="1" smtClean="0">
+                <a:solidFill>
+                  <a:schemeClr val="bg1"/>
+                </a:solidFill>
+                <a:latin typeface="나눔스퀘어" charset="0"/>
+                <a:ea typeface="나눔스퀘어" charset="0"/>
+              </a:rPr>
+              <a:t>RoI를</a:t>
+            </a:r>
+            <a:r>
+              <a:rPr lang="en-US" altLang="ko-KR" sz="1600" b="0" strike="noStrike" cap="none" dirty="0" smtClean="0">
+                <a:solidFill>
+                  <a:schemeClr val="bg1"/>
+                </a:solidFill>
+                <a:latin typeface="나눔스퀘어" charset="0"/>
+                <a:ea typeface="나눔스퀘어" charset="0"/>
+              </a:rPr>
+              <a:t> </a:t>
+            </a:r>
+            <a:r>
+              <a:rPr lang="en-US" altLang="ko-KR" sz="1600" b="0" strike="noStrike" cap="none" dirty="0" err="1" smtClean="0">
+                <a:solidFill>
+                  <a:schemeClr val="bg1"/>
+                </a:solidFill>
+                <a:latin typeface="나눔스퀘어" charset="0"/>
+                <a:ea typeface="나눔스퀘어" charset="0"/>
+              </a:rPr>
+              <a:t>생성해</a:t>
+            </a:r>
+            <a:r>
+              <a:rPr lang="en-US" altLang="ko-KR" sz="1600" b="0" strike="noStrike" cap="none" dirty="0" smtClean="0">
+                <a:solidFill>
+                  <a:schemeClr val="bg1"/>
+                </a:solidFill>
+                <a:latin typeface="나눔스퀘어" charset="0"/>
+                <a:ea typeface="나눔스퀘어" charset="0"/>
+              </a:rPr>
+              <a:t> </a:t>
+            </a:r>
+            <a:r>
+              <a:rPr lang="en-US" altLang="ko-KR" sz="1600" b="0" strike="noStrike" cap="none" dirty="0" err="1" smtClean="0">
+                <a:solidFill>
+                  <a:schemeClr val="bg1"/>
+                </a:solidFill>
+                <a:latin typeface="나눔스퀘어" charset="0"/>
+                <a:ea typeface="나눔스퀘어" charset="0"/>
+              </a:rPr>
+              <a:t>인식함으로</a:t>
+            </a:r>
+            <a:r>
+              <a:rPr lang="en-US" altLang="ko-KR" sz="1600" b="0" strike="noStrike" cap="none" dirty="0" smtClean="0">
+                <a:solidFill>
+                  <a:schemeClr val="bg1"/>
+                </a:solidFill>
+                <a:latin typeface="나눔스퀘어" charset="0"/>
+                <a:ea typeface="나눔스퀘어" charset="0"/>
+              </a:rPr>
+              <a:t> </a:t>
+            </a:r>
+            <a:r>
+              <a:rPr lang="en-US" altLang="ko-KR" sz="1600" b="0" strike="noStrike" cap="none" dirty="0" err="1" smtClean="0">
+                <a:solidFill>
+                  <a:schemeClr val="bg1"/>
+                </a:solidFill>
+                <a:latin typeface="나눔스퀘어" charset="0"/>
+                <a:ea typeface="나눔스퀘어" charset="0"/>
+              </a:rPr>
+              <a:t>다른</a:t>
+            </a:r>
+            <a:r>
+              <a:rPr lang="en-US" altLang="ko-KR" sz="1600" b="0" strike="noStrike" cap="none" dirty="0" smtClean="0">
+                <a:solidFill>
+                  <a:schemeClr val="bg1"/>
+                </a:solidFill>
+                <a:latin typeface="나눔스퀘어" charset="0"/>
+                <a:ea typeface="나눔스퀘어" charset="0"/>
+              </a:rPr>
+              <a:t> </a:t>
+            </a:r>
+            <a:r>
+              <a:rPr lang="en-US" altLang="ko-KR" sz="1600" b="0" strike="noStrike" cap="none" dirty="0" err="1" smtClean="0">
+                <a:solidFill>
+                  <a:schemeClr val="bg1"/>
+                </a:solidFill>
+                <a:latin typeface="나눔스퀘어" charset="0"/>
+                <a:ea typeface="나눔스퀘어" charset="0"/>
+              </a:rPr>
+              <a:t>것이</a:t>
+            </a:r>
+            <a:r>
+              <a:rPr lang="en-US" altLang="ko-KR" sz="1600" b="0" strike="noStrike" cap="none" dirty="0" smtClean="0">
+                <a:solidFill>
+                  <a:schemeClr val="bg1"/>
+                </a:solidFill>
+                <a:latin typeface="나눔스퀘어" charset="0"/>
+                <a:ea typeface="나눔스퀘어" charset="0"/>
+              </a:rPr>
+              <a:t> </a:t>
+            </a:r>
+            <a:r>
+              <a:rPr lang="en-US" altLang="ko-KR" sz="1600" b="0" strike="noStrike" cap="none" dirty="0" err="1" smtClean="0">
+                <a:solidFill>
+                  <a:schemeClr val="bg1"/>
+                </a:solidFill>
+                <a:latin typeface="나눔스퀘어" charset="0"/>
+                <a:ea typeface="나눔스퀘어" charset="0"/>
+              </a:rPr>
+              <a:t>검출될</a:t>
+            </a:r>
+            <a:r>
+              <a:rPr lang="en-US" altLang="ko-KR" sz="1600" b="0" strike="noStrike" cap="none" dirty="0" smtClean="0">
+                <a:solidFill>
+                  <a:schemeClr val="bg1"/>
+                </a:solidFill>
+                <a:latin typeface="나눔스퀘어" charset="0"/>
+                <a:ea typeface="나눔스퀘어" charset="0"/>
+              </a:rPr>
+              <a:t> </a:t>
+            </a:r>
+            <a:r>
+              <a:rPr lang="en-US" altLang="ko-KR" sz="1600" b="0" strike="noStrike" cap="none" dirty="0" err="1" smtClean="0">
+                <a:solidFill>
+                  <a:schemeClr val="bg1"/>
+                </a:solidFill>
+                <a:latin typeface="나눔스퀘어" charset="0"/>
+                <a:ea typeface="나눔스퀘어" charset="0"/>
+              </a:rPr>
+              <a:t>확률은</a:t>
+            </a:r>
+            <a:r>
+              <a:rPr lang="en-US" altLang="ko-KR" sz="1600" b="0" strike="noStrike" cap="none" dirty="0" smtClean="0">
+                <a:solidFill>
+                  <a:schemeClr val="bg1"/>
+                </a:solidFill>
+                <a:latin typeface="나눔스퀘어" charset="0"/>
+                <a:ea typeface="나눔스퀘어" charset="0"/>
+              </a:rPr>
+              <a:t> </a:t>
+            </a:r>
+            <a:r>
+              <a:rPr lang="en-US" altLang="ko-KR" sz="1600" b="0" strike="noStrike" cap="none" dirty="0" err="1" smtClean="0">
+                <a:solidFill>
+                  <a:schemeClr val="bg1"/>
+                </a:solidFill>
+                <a:latin typeface="나눔스퀘어" charset="0"/>
+                <a:ea typeface="나눔스퀘어" charset="0"/>
+              </a:rPr>
+              <a:t>낮습니다</a:t>
+            </a:r>
+            <a:r>
+              <a:rPr lang="en-US" altLang="ko-KR" sz="1600" b="0" strike="noStrike" cap="none" dirty="0" smtClean="0">
+                <a:solidFill>
+                  <a:schemeClr val="bg1"/>
+                </a:solidFill>
+                <a:latin typeface="나눔스퀘어" charset="0"/>
+                <a:ea typeface="나눔스퀘어" charset="0"/>
+              </a:rPr>
+              <a:t>.</a:t>
+            </a:r>
+            <a:endParaRPr lang="ko-KR" altLang="en-US" sz="1600" b="0" strike="noStrike" cap="none" dirty="0" smtClean="0">
               <a:solidFill>
                 <a:schemeClr val="bg1"/>
               </a:solidFill>
@@ -5539,7 +6235,7 @@
             </a:endParaRPr>
           </a:p>
           <a:p>
-            <a:pPr marL="0" indent="0" algn="l" fontAlgn="auto" defTabSz="508000">
+            <a:pPr marL="0" indent="0" algn="l" defTabSz="508000" fontAlgn="auto">
               <a:lnSpc>
                 <a:spcPct val="160000"/>
               </a:lnSpc>
@@ -5553,25 +6249,308 @@
               <a:buNone/>
             </a:pPr>
             <a:r>
-              <a:rPr lang="en-US" altLang="ko-KR" sz="1800" cap="none" dirty="0" smtClean="0" b="1" strike="noStrike">
+              <a:rPr lang="en-US" altLang="ko-KR" sz="1600" b="0" strike="noStrike" cap="none" dirty="0" err="1" smtClean="0">
                 <a:solidFill>
                   <a:schemeClr val="bg1"/>
                 </a:solidFill>
-                <a:latin typeface="나눔스퀘어라운드 Bold" charset="0"/>
-                <a:ea typeface="나눔스퀘어라운드 Bold" charset="0"/>
-              </a:rPr>
-              <a:t>같은 사진 이름이 저장하려는 경우</a:t>
-            </a:r>
-            <a:endParaRPr lang="ko-KR" altLang="en-US" sz="1800" cap="none" dirty="0" smtClean="0" b="1" strike="noStrike">
-              <a:solidFill>
-                <a:schemeClr val="bg1"/>
-              </a:solidFill>
-              <a:latin typeface="나눔스퀘어라운드 Bold" charset="0"/>
-              <a:ea typeface="나눔스퀘어라운드 Bold" charset="0"/>
-            </a:endParaRPr>
-          </a:p>
-          <a:p>
-            <a:pPr marL="0" indent="0" algn="l" fontAlgn="auto" defTabSz="508000">
+                <a:latin typeface="나눔스퀘어" charset="0"/>
+                <a:ea typeface="나눔스퀘어" charset="0"/>
+              </a:rPr>
+              <a:t>하지만</a:t>
+            </a:r>
+            <a:r>
+              <a:rPr lang="en-US" altLang="ko-KR" sz="1600" b="0" strike="noStrike" cap="none" dirty="0" smtClean="0">
+                <a:solidFill>
+                  <a:schemeClr val="bg1"/>
+                </a:solidFill>
+                <a:latin typeface="나눔스퀘어" charset="0"/>
+                <a:ea typeface="나눔스퀘어" charset="0"/>
+              </a:rPr>
+              <a:t> </a:t>
+            </a:r>
+            <a:r>
+              <a:rPr lang="en-US" altLang="ko-KR" sz="1600" b="0" strike="noStrike" cap="none" dirty="0" err="1" smtClean="0">
+                <a:solidFill>
+                  <a:schemeClr val="bg1"/>
+                </a:solidFill>
+                <a:latin typeface="나눔스퀘어" charset="0"/>
+                <a:ea typeface="나눔스퀘어" charset="0"/>
+              </a:rPr>
+              <a:t>다른</a:t>
+            </a:r>
+            <a:r>
+              <a:rPr lang="en-US" altLang="ko-KR" sz="1600" b="0" strike="noStrike" cap="none" dirty="0" smtClean="0">
+                <a:solidFill>
+                  <a:schemeClr val="bg1"/>
+                </a:solidFill>
+                <a:latin typeface="나눔스퀘어" charset="0"/>
+                <a:ea typeface="나눔스퀘어" charset="0"/>
+              </a:rPr>
+              <a:t> </a:t>
+            </a:r>
+            <a:r>
+              <a:rPr lang="en-US" altLang="ko-KR" sz="1600" b="0" strike="noStrike" cap="none" dirty="0" err="1" smtClean="0">
+                <a:solidFill>
+                  <a:schemeClr val="bg1"/>
+                </a:solidFill>
+                <a:latin typeface="나눔스퀘어" charset="0"/>
+                <a:ea typeface="나눔스퀘어" charset="0"/>
+              </a:rPr>
+              <a:t>것이</a:t>
+            </a:r>
+            <a:r>
+              <a:rPr lang="en-US" altLang="ko-KR" sz="1600" b="0" strike="noStrike" cap="none" dirty="0" smtClean="0">
+                <a:solidFill>
+                  <a:schemeClr val="bg1"/>
+                </a:solidFill>
+                <a:latin typeface="나눔스퀘어" charset="0"/>
+                <a:ea typeface="나눔스퀘어" charset="0"/>
+              </a:rPr>
+              <a:t> </a:t>
+            </a:r>
+            <a:r>
+              <a:rPr lang="en-US" altLang="ko-KR" sz="1600" b="0" strike="noStrike" cap="none" dirty="0" err="1" smtClean="0">
+                <a:solidFill>
+                  <a:schemeClr val="bg1"/>
+                </a:solidFill>
+                <a:latin typeface="나눔스퀘어" charset="0"/>
+                <a:ea typeface="나눔스퀘어" charset="0"/>
+              </a:rPr>
+              <a:t>손가락</a:t>
+            </a:r>
+            <a:r>
+              <a:rPr lang="en-US" altLang="ko-KR" sz="1600" b="0" strike="noStrike" cap="none" dirty="0" smtClean="0">
+                <a:solidFill>
+                  <a:schemeClr val="bg1"/>
+                </a:solidFill>
+                <a:latin typeface="나눔스퀘어" charset="0"/>
+                <a:ea typeface="나눔스퀘어" charset="0"/>
+              </a:rPr>
+              <a:t> </a:t>
+            </a:r>
+            <a:r>
+              <a:rPr lang="en-US" altLang="ko-KR" sz="1600" b="0" strike="noStrike" cap="none" dirty="0" err="1" smtClean="0">
+                <a:solidFill>
+                  <a:schemeClr val="bg1"/>
+                </a:solidFill>
+                <a:latin typeface="나눔스퀘어" charset="0"/>
+                <a:ea typeface="나눔스퀘어" charset="0"/>
+              </a:rPr>
+              <a:t>주변에서</a:t>
+            </a:r>
+            <a:r>
+              <a:rPr lang="en-US" altLang="ko-KR" sz="1600" b="0" strike="noStrike" cap="none" dirty="0" smtClean="0">
+                <a:solidFill>
+                  <a:schemeClr val="bg1"/>
+                </a:solidFill>
+                <a:latin typeface="나눔스퀘어" charset="0"/>
+                <a:ea typeface="나눔스퀘어" charset="0"/>
+              </a:rPr>
+              <a:t> </a:t>
+            </a:r>
+            <a:r>
+              <a:rPr lang="en-US" altLang="ko-KR" sz="1600" b="0" strike="noStrike" cap="none" dirty="0" err="1" smtClean="0">
+                <a:solidFill>
+                  <a:schemeClr val="bg1"/>
+                </a:solidFill>
+                <a:latin typeface="나눔스퀘어" charset="0"/>
+                <a:ea typeface="나눔스퀘어" charset="0"/>
+              </a:rPr>
+              <a:t>인식이</a:t>
+            </a:r>
+            <a:r>
+              <a:rPr lang="en-US" altLang="ko-KR" sz="1600" b="0" strike="noStrike" cap="none" dirty="0" smtClean="0">
+                <a:solidFill>
+                  <a:schemeClr val="bg1"/>
+                </a:solidFill>
+                <a:latin typeface="나눔스퀘어" charset="0"/>
+                <a:ea typeface="나눔스퀘어" charset="0"/>
+              </a:rPr>
+              <a:t> 될 </a:t>
+            </a:r>
+            <a:r>
+              <a:rPr lang="en-US" altLang="ko-KR" sz="1600" b="0" strike="noStrike" cap="none" dirty="0" err="1" smtClean="0">
+                <a:solidFill>
+                  <a:schemeClr val="bg1"/>
+                </a:solidFill>
+                <a:latin typeface="나눔스퀘어" charset="0"/>
+                <a:ea typeface="나눔스퀘어" charset="0"/>
+              </a:rPr>
+              <a:t>경우</a:t>
+            </a:r>
+            <a:r>
+              <a:rPr lang="en-US" altLang="ko-KR" sz="1600" b="0" strike="noStrike" cap="none" dirty="0" smtClean="0">
+                <a:solidFill>
+                  <a:schemeClr val="bg1"/>
+                </a:solidFill>
+                <a:latin typeface="나눔스퀘어" charset="0"/>
+                <a:ea typeface="나눔스퀘어" charset="0"/>
+              </a:rPr>
+              <a:t> </a:t>
+            </a:r>
+            <a:r>
+              <a:rPr lang="en-US" altLang="ko-KR" sz="1600" b="0" strike="noStrike" cap="none" dirty="0" err="1" smtClean="0">
+                <a:solidFill>
+                  <a:schemeClr val="bg1"/>
+                </a:solidFill>
+                <a:latin typeface="나눔스퀘어" charset="0"/>
+                <a:ea typeface="나눔스퀘어" charset="0"/>
+              </a:rPr>
+              <a:t>인식한</a:t>
+            </a:r>
+            <a:r>
+              <a:rPr lang="en-US" altLang="ko-KR" sz="1600" b="0" strike="noStrike" cap="none" dirty="0" smtClean="0">
+                <a:solidFill>
+                  <a:schemeClr val="bg1"/>
+                </a:solidFill>
+                <a:latin typeface="나눔스퀘어" charset="0"/>
+                <a:ea typeface="나눔스퀘어" charset="0"/>
+              </a:rPr>
+              <a:t> </a:t>
+            </a:r>
+            <a:r>
+              <a:rPr lang="en-US" altLang="ko-KR" sz="1600" b="0" strike="noStrike" cap="none" dirty="0" err="1" smtClean="0">
+                <a:solidFill>
+                  <a:schemeClr val="bg1"/>
+                </a:solidFill>
+                <a:latin typeface="나눔스퀘어" charset="0"/>
+                <a:ea typeface="나눔스퀘어" charset="0"/>
+              </a:rPr>
+              <a:t>물체</a:t>
+            </a:r>
+            <a:r>
+              <a:rPr lang="en-US" altLang="ko-KR" sz="1600" b="0" strike="noStrike" cap="none" dirty="0" smtClean="0">
+                <a:solidFill>
+                  <a:schemeClr val="bg1"/>
+                </a:solidFill>
+                <a:latin typeface="나눔스퀘어" charset="0"/>
+                <a:ea typeface="나눔스퀘어" charset="0"/>
+              </a:rPr>
+              <a:t> </a:t>
+            </a:r>
+            <a:r>
+              <a:rPr lang="en-US" altLang="ko-KR" sz="1600" b="0" strike="noStrike" cap="none" dirty="0" err="1" smtClean="0">
+                <a:solidFill>
+                  <a:schemeClr val="bg1"/>
+                </a:solidFill>
+                <a:latin typeface="나눔스퀘어" charset="0"/>
+                <a:ea typeface="나눔스퀘어" charset="0"/>
+              </a:rPr>
+              <a:t>중심으로</a:t>
+            </a:r>
+            <a:r>
+              <a:rPr lang="en-US" altLang="ko-KR" sz="1600" b="0" strike="noStrike" cap="none" dirty="0" smtClean="0">
+                <a:solidFill>
+                  <a:schemeClr val="bg1"/>
+                </a:solidFill>
+                <a:latin typeface="나눔스퀘어" charset="0"/>
+                <a:ea typeface="나눔스퀘어" charset="0"/>
+              </a:rPr>
+              <a:t> </a:t>
+            </a:r>
+            <a:r>
+              <a:rPr lang="en-US" altLang="ko-KR" sz="1600" b="0" strike="noStrike" cap="none" dirty="0" err="1" smtClean="0">
+                <a:solidFill>
+                  <a:schemeClr val="bg1"/>
+                </a:solidFill>
+                <a:latin typeface="나눔스퀘어" charset="0"/>
+                <a:ea typeface="나눔스퀘어" charset="0"/>
+              </a:rPr>
+              <a:t>색을</a:t>
+            </a:r>
+            <a:r>
+              <a:rPr lang="en-US" altLang="ko-KR" sz="1600" b="0" strike="noStrike" cap="none" dirty="0" smtClean="0">
+                <a:solidFill>
+                  <a:schemeClr val="bg1"/>
+                </a:solidFill>
+                <a:latin typeface="나눔스퀘어" charset="0"/>
+                <a:ea typeface="나눔스퀘어" charset="0"/>
+              </a:rPr>
+              <a:t> </a:t>
+            </a:r>
+            <a:r>
+              <a:rPr lang="en-US" altLang="ko-KR" sz="1600" b="0" strike="noStrike" cap="none" dirty="0" err="1" smtClean="0">
+                <a:solidFill>
+                  <a:schemeClr val="bg1"/>
+                </a:solidFill>
+                <a:latin typeface="나눔스퀘어" charset="0"/>
+                <a:ea typeface="나눔스퀘어" charset="0"/>
+              </a:rPr>
+              <a:t>검색을</a:t>
+            </a:r>
+            <a:r>
+              <a:rPr lang="en-US" altLang="ko-KR" sz="1600" b="0" strike="noStrike" cap="none" dirty="0" smtClean="0">
+                <a:solidFill>
+                  <a:schemeClr val="bg1"/>
+                </a:solidFill>
+                <a:latin typeface="나눔스퀘어" charset="0"/>
+                <a:ea typeface="나눔스퀘어" charset="0"/>
+              </a:rPr>
+              <a:t> </a:t>
+            </a:r>
+            <a:r>
+              <a:rPr lang="en-US" altLang="ko-KR" sz="1600" b="0" strike="noStrike" cap="none" dirty="0" err="1" smtClean="0">
+                <a:solidFill>
+                  <a:schemeClr val="bg1"/>
+                </a:solidFill>
+                <a:latin typeface="나눔스퀘어" charset="0"/>
+                <a:ea typeface="나눔스퀘어" charset="0"/>
+              </a:rPr>
+              <a:t>하는</a:t>
+            </a:r>
+            <a:r>
+              <a:rPr lang="en-US" altLang="ko-KR" sz="1600" b="0" strike="noStrike" cap="none" dirty="0" smtClean="0">
+                <a:solidFill>
+                  <a:schemeClr val="bg1"/>
+                </a:solidFill>
+                <a:latin typeface="나눔스퀘어" charset="0"/>
+                <a:ea typeface="나눔스퀘어" charset="0"/>
+              </a:rPr>
+              <a:t> </a:t>
+            </a:r>
+            <a:r>
+              <a:rPr lang="en-US" altLang="ko-KR" sz="1600" b="0" strike="noStrike" cap="none" dirty="0" err="1" smtClean="0">
+                <a:solidFill>
+                  <a:schemeClr val="bg1"/>
+                </a:solidFill>
+                <a:latin typeface="나눔스퀘어" charset="0"/>
+                <a:ea typeface="나눔스퀘어" charset="0"/>
+              </a:rPr>
+              <a:t>단점이</a:t>
+            </a:r>
+            <a:r>
+              <a:rPr lang="en-US" altLang="ko-KR" sz="1600" b="0" strike="noStrike" cap="none" dirty="0" smtClean="0">
+                <a:solidFill>
+                  <a:schemeClr val="bg1"/>
+                </a:solidFill>
+                <a:latin typeface="나눔스퀘어" charset="0"/>
+                <a:ea typeface="나눔스퀘어" charset="0"/>
+              </a:rPr>
+              <a:t> </a:t>
+            </a:r>
+            <a:r>
+              <a:rPr lang="en-US" altLang="ko-KR" sz="1600" b="0" strike="noStrike" cap="none" dirty="0" err="1" smtClean="0">
+                <a:solidFill>
+                  <a:schemeClr val="bg1"/>
+                </a:solidFill>
+                <a:latin typeface="나눔스퀘어" charset="0"/>
+                <a:ea typeface="나눔스퀘어" charset="0"/>
+              </a:rPr>
+              <a:t>있습니다</a:t>
+            </a:r>
+            <a:r>
+              <a:rPr lang="en-US" altLang="ko-KR" sz="1600" b="0" strike="noStrike" cap="none" dirty="0" smtClean="0">
+                <a:solidFill>
+                  <a:schemeClr val="bg1"/>
+                </a:solidFill>
+                <a:latin typeface="나눔스퀘어" charset="0"/>
+                <a:ea typeface="나눔스퀘어" charset="0"/>
+              </a:rPr>
+              <a:t>.</a:t>
+            </a:r>
+          </a:p>
+          <a:p>
+            <a:pPr marL="0" indent="0" algn="l" defTabSz="508000" fontAlgn="auto">
               <a:lnSpc>
                 <a:spcPct val="160000"/>
               </a:lnSpc>
@@ -5584,17 +6563,7 @@
               <a:buFontTx/>
               <a:buNone/>
             </a:pPr>
-            <a:r>
-              <a:rPr lang="en-US" altLang="ko-KR" sz="1800" cap="none" dirty="0" smtClean="0" b="0" strike="noStrike">
-                <a:solidFill>
-                  <a:schemeClr val="bg1"/>
-                </a:solidFill>
-                <a:latin typeface="나눔스퀘어" charset="0"/>
-                <a:ea typeface="나눔스퀘어" charset="0"/>
-              </a:rPr>
-              <a:t>중복을 확인 – DB에서 중복을 확인</a:t>
-            </a:r>
-            <a:endParaRPr lang="ko-KR" altLang="en-US" sz="1800" cap="none" dirty="0" smtClean="0" b="0" strike="noStrike">
+            <a:endParaRPr lang="ko-KR" altLang="en-US" sz="1600" b="0" strike="noStrike" cap="none" dirty="0" smtClean="0">
               <a:solidFill>
                 <a:schemeClr val="bg1"/>
               </a:solidFill>
@@ -5603,7 +6572,7 @@
             </a:endParaRPr>
           </a:p>
           <a:p>
-            <a:pPr marL="0" indent="0" algn="l" fontAlgn="auto" defTabSz="508000">
+            <a:pPr marL="0" indent="0" algn="l" defTabSz="508000" fontAlgn="auto">
               <a:lnSpc>
                 <a:spcPct val="160000"/>
               </a:lnSpc>
@@ -5617,25 +6586,45 @@
               <a:buNone/>
             </a:pPr>
             <a:r>
-              <a:rPr lang="en-US" altLang="ko-KR" sz="1800" cap="none" dirty="0" smtClean="0" b="0" strike="noStrike">
+              <a:rPr lang="en-US" altLang="ko-KR" sz="1800" b="1" strike="noStrike" cap="none" dirty="0" err="1" smtClean="0">
                 <a:solidFill>
                   <a:schemeClr val="bg1"/>
                 </a:solidFill>
-                <a:latin typeface="나눔스퀘어" charset="0"/>
-                <a:ea typeface="나눔스퀘어" charset="0"/>
-              </a:rPr>
-              <a:t>중복이면 확인 메시지 아니면 그냥 저장 (저장 경로는 로컬에서) </a:t>
-            </a:r>
-            <a:endParaRPr lang="ko-KR" altLang="en-US" sz="1800" cap="none" dirty="0" smtClean="0" b="0" strike="noStrike">
+                <a:latin typeface="나눔스퀘어 ExtraBold" panose="020B0600000101010101" pitchFamily="50" charset="-127"/>
+                <a:ea typeface="나눔스퀘어 ExtraBold" panose="020B0600000101010101" pitchFamily="50" charset="-127"/>
+              </a:rPr>
+              <a:t>같은</a:t>
+            </a:r>
+            <a:r>
+              <a:rPr lang="en-US" altLang="ko-KR" sz="1800" b="1" strike="noStrike" cap="none" dirty="0" smtClean="0">
+                <a:solidFill>
+                  <a:schemeClr val="bg1"/>
+                </a:solidFill>
+                <a:latin typeface="나눔스퀘어 ExtraBold" panose="020B0600000101010101" pitchFamily="50" charset="-127"/>
+                <a:ea typeface="나눔스퀘어 ExtraBold" panose="020B0600000101010101" pitchFamily="50" charset="-127"/>
+              </a:rPr>
+              <a:t> </a:t>
+            </a:r>
+            <a:r>
+              <a:rPr lang="en-US" altLang="ko-KR" sz="1800" b="1" strike="noStrike" cap="none" dirty="0" smtClean="0">
+                <a:solidFill>
+                  <a:schemeClr val="bg1"/>
+                </a:solidFill>
+                <a:latin typeface="나눔스퀘어 ExtraBold" panose="020B0600000101010101" pitchFamily="50" charset="-127"/>
+                <a:ea typeface="나눔스퀘어 ExtraBold" panose="020B0600000101010101" pitchFamily="50" charset="-127"/>
+              </a:rPr>
+              <a:t>사진 이름이 저장하려는 경우</a:t>
+            </a:r>
+            <a:endParaRPr lang="ko-KR" altLang="en-US" sz="1800" b="1" strike="noStrike" cap="none" dirty="0" smtClean="0">
               <a:solidFill>
                 <a:schemeClr val="bg1"/>
               </a:solidFill>
-              <a:latin typeface="나눔스퀘어" charset="0"/>
-              <a:ea typeface="나눔스퀘어" charset="0"/>
+              <a:latin typeface="나눔스퀘어 ExtraBold" panose="020B0600000101010101" pitchFamily="50" charset="-127"/>
+              <a:ea typeface="나눔스퀘어 ExtraBold" panose="020B0600000101010101" pitchFamily="50" charset="-127"/>
             </a:endParaRPr>
           </a:p>
           <a:p>
-            <a:pPr marL="0" indent="0" algn="just" fontAlgn="auto" defTabSz="508000">
+            <a:pPr marL="0" indent="0" algn="l" defTabSz="508000" fontAlgn="auto">
               <a:lnSpc>
                 <a:spcPct val="160000"/>
               </a:lnSpc>
@@ -5649,16 +6638,80 @@
               <a:buNone/>
             </a:pPr>
             <a:r>
-              <a:rPr lang="en-US" altLang="ko-KR" sz="1800" cap="none" dirty="0" smtClean="0" b="0" strike="noStrike">
+              <a:rPr lang="en-US" altLang="ko-KR" sz="1600" b="0" strike="noStrike" cap="none" dirty="0" smtClean="0">
                 <a:solidFill>
                   <a:schemeClr val="bg1"/>
                 </a:solidFill>
                 <a:latin typeface="나눔스퀘어" charset="0"/>
                 <a:ea typeface="나눔스퀘어" charset="0"/>
               </a:rPr>
+              <a:t>중복을 확인 – DB에서 중복을 확인</a:t>
+            </a:r>
+            <a:endParaRPr lang="ko-KR" altLang="en-US" sz="1600" b="0" strike="noStrike" cap="none" dirty="0" smtClean="0">
+              <a:solidFill>
+                <a:schemeClr val="bg1"/>
+              </a:solidFill>
+              <a:latin typeface="나눔스퀘어" charset="0"/>
+              <a:ea typeface="나눔스퀘어" charset="0"/>
+            </a:endParaRPr>
+          </a:p>
+          <a:p>
+            <a:pPr marL="0" indent="0" algn="l" defTabSz="508000" fontAlgn="auto">
+              <a:lnSpc>
+                <a:spcPct val="160000"/>
+              </a:lnSpc>
+              <a:spcBef>
+                <a:spcPts val="0"/>
+              </a:spcBef>
+              <a:spcAft>
+                <a:spcPts val="0"/>
+              </a:spcAft>
+              <a:buFontTx/>
+              <a:buNone/>
+            </a:pPr>
+            <a:r>
+              <a:rPr lang="en-US" altLang="ko-KR" sz="1600" b="0" strike="noStrike" cap="none" dirty="0" smtClean="0">
+                <a:solidFill>
+                  <a:schemeClr val="bg1"/>
+                </a:solidFill>
+                <a:latin typeface="나눔스퀘어" charset="0"/>
+                <a:ea typeface="나눔스퀘어" charset="0"/>
+              </a:rPr>
+              <a:t>중복이면 확인 메시지 아니면 그냥 저장 (저장 경로는 로컬에서) </a:t>
+            </a:r>
+            <a:endParaRPr lang="ko-KR" altLang="en-US" sz="1600" b="0" strike="noStrike" cap="none" dirty="0" smtClean="0">
+              <a:solidFill>
+                <a:schemeClr val="bg1"/>
+              </a:solidFill>
+              <a:latin typeface="나눔스퀘어" charset="0"/>
+              <a:ea typeface="나눔스퀘어" charset="0"/>
+            </a:endParaRPr>
+          </a:p>
+          <a:p>
+            <a:pPr marL="0" indent="0" algn="just" defTabSz="508000" fontAlgn="auto">
+              <a:lnSpc>
+                <a:spcPct val="160000"/>
+              </a:lnSpc>
+              <a:spcBef>
+                <a:spcPts val="0"/>
+              </a:spcBef>
+              <a:spcAft>
+                <a:spcPts val="0"/>
+              </a:spcAft>
+              <a:buFontTx/>
+              <a:buNone/>
+            </a:pPr>
+            <a:r>
+              <a:rPr lang="en-US" altLang="ko-KR" sz="1800" b="0" strike="noStrike" cap="none" dirty="0" smtClean="0">
+                <a:solidFill>
+                  <a:schemeClr val="bg1"/>
+                </a:solidFill>
+                <a:latin typeface="나눔스퀘어" charset="0"/>
+                <a:ea typeface="나눔스퀘어" charset="0"/>
+              </a:rPr>
               <a:t>  </a:t>
             </a:r>
-            <a:endParaRPr lang="ko-KR" altLang="en-US" sz="1800" cap="none" dirty="0" smtClean="0" b="0" strike="noStrike">
+            <a:endParaRPr lang="ko-KR" altLang="en-US" sz="1800" b="0" strike="noStrike" cap="none" dirty="0" smtClean="0">
               <a:solidFill>
                 <a:schemeClr val="bg1"/>
               </a:solidFill>
@@ -5678,11 +6731,11 @@
   <p:clrMapOvr>
     <a:masterClrMapping/>
   </p:clrMapOvr>
-  <mc:AlternateContent xmlns:mc="http://schemas.openxmlformats.org/markup-compatibility/2006">
-    <mc:Choice xmlns:p14="http://schemas.microsoft.com/office/powerpoint/2010/main" Requires="p14">
+  <mc:AlternateContent xmlns:mc="http://schemas.openxmlformats.org/markup-compatibility/2006" xmlns:p14="http://schemas.microsoft.com/office/powerpoint/2010/main">
+    <mc:Choice Requires="p14">
       <p:transition spd="slow" p14:dur="2000"/>
     </mc:Choice>
-    <mc:Fallback>
+    <mc:Fallback xmlns="">
       <p:transition spd="slow"/>
     </mc:Fallback>
   </mc:AlternateContent>
@@ -5697,7 +6750,7 @@
 </file>
 
 <file path=ppt/slides/slide9.xml><?xml version="1.0" encoding="utf-8"?>
-<p:sld xmlns:a="http://schemas.openxmlformats.org/drawingml/2006/main" xmlns:r="http://schemas.openxmlformats.org/officeDocument/2006/relationships" xmlns:p="http://schemas.openxmlformats.org/presentationml/2006/main" xmlns:p14="http://schemas.microsoft.com/office/powerpoint/2010/main">
+<p:sld xmlns:a="http://schemas.openxmlformats.org/drawingml/2006/main" xmlns:r="http://schemas.openxmlformats.org/officeDocument/2006/relationships" xmlns:p="http://schemas.openxmlformats.org/presentationml/2006/main">
   <p:cSld>
     <p:spTree>
       <p:nvGrpSpPr>
@@ -5726,7 +6779,9 @@
             <a:off x="-365760" y="355600"/>
             <a:ext cx="15235555" cy="7983855"/>
           </a:xfrm>
-          <a:prstGeom prst="rect"/>
+          <a:prstGeom prst="rect">
+            <a:avLst/>
+          </a:prstGeom>
           <a:solidFill>
             <a:srgbClr val="00B0F0"/>
           </a:solidFill>
@@ -5756,12 +6811,12 @@
           </a:fontRef>
         </p:style>
         <p:txBody>
-          <a:bodyPr wrap="square" lIns="91440" tIns="45720" rIns="91440" bIns="45720" numCol="1" vert="horz" anchor="ctr">
+          <a:bodyPr vert="horz" wrap="square" lIns="91440" tIns="45720" rIns="91440" bIns="45720" numCol="1" anchor="ctr">
             <a:noAutofit/>
           </a:bodyPr>
           <a:lstStyle/>
           <a:p>
-            <a:pPr marL="0" indent="0" algn="ctr" fontAlgn="auto" defTabSz="914400" eaLnBrk="0">
+            <a:pPr marL="0" indent="0" algn="ctr" defTabSz="914400" eaLnBrk="0" fontAlgn="auto">
               <a:lnSpc>
                 <a:spcPct val="100000"/>
               </a:lnSpc>
@@ -5774,7 +6829,7 @@
               <a:buFontTx/>
               <a:buNone/>
             </a:pPr>
-            <a:endParaRPr lang="ko-KR" altLang="en-US" sz="1800" cap="none" dirty="0" smtClean="0" b="0" strike="noStrike">
+            <a:endParaRPr lang="ko-KR" altLang="en-US" sz="1800" b="0" strike="noStrike" cap="none" dirty="0" smtClean="0">
               <a:latin typeface="맑은 고딕" charset="0"/>
               <a:ea typeface="맑은 고딕" charset="0"/>
             </a:endParaRPr>
@@ -5833,11 +6888,11 @@
   <p:clrMapOvr>
     <a:masterClrMapping/>
   </p:clrMapOvr>
-  <mc:AlternateContent xmlns:mc="http://schemas.openxmlformats.org/markup-compatibility/2006">
-    <mc:Choice xmlns:p14="http://schemas.microsoft.com/office/powerpoint/2010/main" Requires="p14">
+  <mc:AlternateContent xmlns:mc="http://schemas.openxmlformats.org/markup-compatibility/2006" xmlns:p14="http://schemas.microsoft.com/office/powerpoint/2010/main">
+    <mc:Choice Requires="p14">
       <p:transition spd="slow" p14:dur="2000"/>
     </mc:Choice>
-    <mc:Fallback>
+    <mc:Fallback xmlns="">
       <p:transition spd="slow"/>
     </mc:Fallback>
   </mc:AlternateContent>

--- a/VoidPrinter.pptx
+++ b/VoidPrinter.pptx
@@ -1,58 +1,21 @@
 
 <file path=ppt/presentation.xml><?xml version="1.0" encoding="utf-8"?>
-<p:presentation xmlns:a="http://schemas.openxmlformats.org/drawingml/2006/main" xmlns:r="http://schemas.openxmlformats.org/officeDocument/2006/relationships" xmlns:p="http://schemas.openxmlformats.org/presentationml/2006/main" embedTrueTypeFonts="1" saveSubsetFonts="1">
+<p:presentation xmlns:a="http://schemas.openxmlformats.org/drawingml/2006/main" xmlns:r="http://schemas.openxmlformats.org/officeDocument/2006/relationships" xmlns:p="http://schemas.openxmlformats.org/presentationml/2006/main" xmlns:p14="http://schemas.microsoft.com/office/powerpoint/2010/main" embedTrueTypeFonts="1" saveSubsetFonts="1">
   <p:sldMasterIdLst>
-    <p:sldMasterId id="2147483662" r:id="rId1"/>
+    <p:sldMasterId id="2147483663" r:id="rId20"/>
   </p:sldMasterIdLst>
   <p:sldIdLst>
-    <p:sldId id="256" r:id="rId2"/>
-    <p:sldId id="260" r:id="rId3"/>
-    <p:sldId id="258" r:id="rId4"/>
-    <p:sldId id="261" r:id="rId5"/>
-    <p:sldId id="267" r:id="rId6"/>
-    <p:sldId id="268" r:id="rId7"/>
-    <p:sldId id="269" r:id="rId8"/>
-    <p:sldId id="270" r:id="rId9"/>
-    <p:sldId id="271" r:id="rId10"/>
-    <p:sldId id="273" r:id="rId11"/>
-    <p:sldId id="274" r:id="rId12"/>
-    <p:sldId id="272" r:id="rId13"/>
+    <p:sldId id="256" r:id="rId22"/>
+    <p:sldId id="260" r:id="rId23"/>
+    <p:sldId id="258" r:id="rId24"/>
+    <p:sldId id="261" r:id="rId25"/>
+    <p:sldId id="267" r:id="rId26"/>
+    <p:sldId id="268" r:id="rId27"/>
+    <p:sldId id="270" r:id="rId28"/>
+    <p:sldId id="272" r:id="rId29"/>
   </p:sldIdLst>
   <p:sldSz cx="12192000" cy="6858000"/>
   <p:notesSz cx="6858000" cy="9144000"/>
-  <p:embeddedFontLst>
-    <p:embeddedFont>
-      <p:font typeface="나눔스퀘어 ExtraBold" panose="020B0600000101010101" pitchFamily="50" charset="-127"/>
-      <p:bold r:id="rId14"/>
-    </p:embeddedFont>
-    <p:embeddedFont>
-      <p:font typeface="나눔스퀘어 Bold" panose="020B0600000101010101" pitchFamily="50" charset="-127"/>
-      <p:bold r:id="rId15"/>
-    </p:embeddedFont>
-    <p:embeddedFont>
-      <p:font typeface="나눔스퀘어" panose="020B0600000101010101" pitchFamily="50" charset="-127"/>
-      <p:regular r:id="rId16"/>
-    </p:embeddedFont>
-    <p:embeddedFont>
-      <p:font typeface="Starcraft" panose="04020500000000000000" pitchFamily="82" charset="0"/>
-      <p:regular r:id="rId17"/>
-    </p:embeddedFont>
-    <p:embeddedFont>
-      <p:font typeface="맑은 고딕" panose="020B0503020000020004" pitchFamily="50" charset="-127"/>
-      <p:regular r:id="rId18"/>
-      <p:bold r:id="rId19"/>
-    </p:embeddedFont>
-    <p:embeddedFont>
-      <p:font typeface="나눔고딕" panose="020D0604000000000000" pitchFamily="50" charset="-127"/>
-      <p:regular r:id="rId20"/>
-      <p:bold r:id="rId21"/>
-    </p:embeddedFont>
-    <p:embeddedFont>
-      <p:font typeface="나눔바른고딕" panose="020B0603020101020101" pitchFamily="50" charset="-127"/>
-      <p:regular r:id="rId22"/>
-      <p:bold r:id="rId23"/>
-    </p:embeddedFont>
-  </p:embeddedFontLst>
   <p:defaultTextStyle>
     <a:defPPr>
       <a:defRPr lang="ko-KR"/>
@@ -148,11 +111,32 @@
       </a:defRPr>
     </a:lvl9pPr>
   </p:defaultTextStyle>
-  <p:extLst>
-    <p:ext uri="{EFAFB233-063F-42B5-8137-9DF3F51BA10A}">
-      <p15:sldGuideLst xmlns:p15="http://schemas.microsoft.com/office/powerpoint/2012/main"/>
-    </p:ext>
-  </p:extLst>
+  <p:extLst/>
+  <p:embeddedFontLst>
+    <p:embeddedFont>
+      <p:font typeface="Starcraft" panose="04020500000000000000" pitchFamily="82" charset="0">
+        <p:regular r:id="rId17"/>
+      </p:font>
+    </p:embeddedFont>
+    <p:embeddedFont>
+      <p:font typeface="맑은 고딕" panose="020B0503020000020004" pitchFamily="50" charset="-127">
+        <p:regular r:id="rId18"/>
+        <p:bold r:id="rId19"/>
+      </p:font>
+    </p:embeddedFont>
+    <p:embeddedFont>
+      <p:font typeface="나눔고딕" panose="020D0604000000000000" pitchFamily="50" charset="-127">
+        <p:regular r:id="rId20"/>
+        <p:bold r:id="rId21"/>
+      </p:font>
+    </p:embeddedFont>
+    <p:embeddedFont>
+      <p:font typeface="나눔바른고딕" panose="020B0603020101020101" pitchFamily="50" charset="-127">
+        <p:regular r:id="rId22"/>
+        <p:bold r:id="rId23"/>
+      </p:font>
+    </p:embeddedFont>
+  </p:embeddedFontLst>
 </p:presentation>
 </file>
 
@@ -3263,501 +3247,8 @@
 </p:sld>
 </file>
 
-<file path=ppt/slides/slide10.xml><?xml version="1.0" encoding="utf-8"?>
-<p:sld xmlns:a="http://schemas.openxmlformats.org/drawingml/2006/main" xmlns:r="http://schemas.openxmlformats.org/officeDocument/2006/relationships" xmlns:p="http://schemas.openxmlformats.org/presentationml/2006/main">
-  <p:cSld>
-    <p:spTree>
-      <p:nvGrpSpPr>
-        <p:cNvPr id="1" name=""/>
-        <p:cNvGrpSpPr/>
-        <p:nvPr/>
-      </p:nvGrpSpPr>
-      <p:grpSpPr>
-        <a:xfrm>
-          <a:off x="0" y="0"/>
-          <a:ext cx="0" cy="0"/>
-          <a:chOff x="0" y="0"/>
-          <a:chExt cx="0" cy="0"/>
-        </a:xfrm>
-      </p:grpSpPr>
-      <p:sp>
-        <p:nvSpPr>
-          <p:cNvPr id="4" name="직사각형 3"/>
-          <p:cNvSpPr>
-            <a:spLocks/>
-          </p:cNvSpPr>
-          <p:nvPr/>
-        </p:nvSpPr>
-        <p:spPr>
-          <a:xfrm rot="20460000">
-            <a:off x="-365760" y="355600"/>
-            <a:ext cx="15235555" cy="7983855"/>
-          </a:xfrm>
-          <a:prstGeom prst="rect">
-            <a:avLst/>
-          </a:prstGeom>
-          <a:solidFill>
-            <a:srgbClr val="00B0F0"/>
-          </a:solidFill>
-          <a:ln w="12700" cap="flat" cmpd="sng">
-            <a:solidFill>
-              <a:srgbClr val="00B0F0">
-                <a:alpha val="100000"/>
-              </a:srgbClr>
-            </a:solidFill>
-            <a:prstDash val="solid"/>
-          </a:ln>
-        </p:spPr>
-        <p:style>
-          <a:lnRef idx="2">
-            <a:schemeClr val="accent1">
-              <a:shade val="50000"/>
-            </a:schemeClr>
-          </a:lnRef>
-          <a:fillRef idx="1">
-            <a:schemeClr val="accent1"/>
-          </a:fillRef>
-          <a:effectRef idx="0">
-            <a:schemeClr val="accent1"/>
-          </a:effectRef>
-          <a:fontRef idx="minor">
-            <a:schemeClr val="lt1"/>
-          </a:fontRef>
-        </p:style>
-        <p:txBody>
-          <a:bodyPr vert="horz" wrap="square" lIns="91440" tIns="45720" rIns="91440" bIns="45720" anchor="ctr">
-            <a:noAutofit/>
-          </a:bodyPr>
-          <a:lstStyle/>
-          <a:p>
-            <a:pPr marL="0" indent="0" algn="ctr" defTabSz="914400" eaLnBrk="0" fontAlgn="auto">
-              <a:lnSpc>
-                <a:spcPct val="100000"/>
-              </a:lnSpc>
-              <a:spcBef>
-                <a:spcPts val="0"/>
-              </a:spcBef>
-              <a:spcAft>
-                <a:spcPts val="0"/>
-              </a:spcAft>
-              <a:buFontTx/>
-              <a:buNone/>
-            </a:pPr>
-            <a:endParaRPr lang="ko-KR" altLang="en-US" sz="1800" b="0" strike="noStrike" cap="none" dirty="0" smtClean="0">
-              <a:latin typeface="맑은 고딕" charset="0"/>
-              <a:ea typeface="맑은 고딕" charset="0"/>
-            </a:endParaRPr>
-          </a:p>
-        </p:txBody>
-      </p:sp>
-      <p:sp>
-        <p:nvSpPr>
-          <p:cNvPr id="2" name="텍스트 개체 틀 1"/>
-          <p:cNvSpPr txBox="1">
-            <a:spLocks noGrp="1"/>
-          </p:cNvSpPr>
-          <p:nvPr>
-            <p:ph type="title"/>
-          </p:nvPr>
-        </p:nvSpPr>
-        <p:spPr>
-          <a:xfrm>
-            <a:off x="550545" y="374015"/>
-            <a:ext cx="3755390" cy="781050"/>
-          </a:xfrm>
-          <a:prstGeom prst="rect">
-            <a:avLst/>
-          </a:prstGeom>
-        </p:spPr>
-        <p:txBody>
-          <a:bodyPr vert="horz" wrap="square" lIns="91440" tIns="45720" rIns="91440" bIns="45720" anchor="ctr">
-            <a:noAutofit/>
-          </a:bodyPr>
-          <a:lstStyle/>
-          <a:p>
-            <a:pPr marL="0" indent="0" algn="l" defTabSz="914400" fontAlgn="auto">
-              <a:lnSpc>
-                <a:spcPct val="90000"/>
-              </a:lnSpc>
-              <a:spcBef>
-                <a:spcPts val="0"/>
-              </a:spcBef>
-              <a:spcAft>
-                <a:spcPts val="0"/>
-              </a:spcAft>
-              <a:buFontTx/>
-              <a:buNone/>
-            </a:pPr>
-            <a:r>
-              <a:rPr lang="en-US" altLang="ko-KR" sz="5000" b="0" strike="noStrike" cap="none" dirty="0" smtClean="0">
-                <a:solidFill>
-                  <a:srgbClr val="00B0F0"/>
-                </a:solidFill>
-                <a:latin typeface="나눔스퀘어 ExtraBold" charset="0"/>
-                <a:ea typeface="나눔스퀘어 ExtraBold" charset="0"/>
-              </a:rPr>
-              <a:t>Test Result</a:t>
-            </a:r>
-            <a:endParaRPr lang="ko-KR" altLang="en-US" sz="5000" b="0" strike="noStrike" cap="none" dirty="0" smtClean="0">
-              <a:solidFill>
-                <a:srgbClr val="00B0F0"/>
-              </a:solidFill>
-              <a:latin typeface="나눔스퀘어 ExtraBold" charset="0"/>
-              <a:ea typeface="나눔스퀘어 ExtraBold" charset="0"/>
-            </a:endParaRPr>
-          </a:p>
-        </p:txBody>
-      </p:sp>
-    </p:spTree>
-  </p:cSld>
-  <p:clrMapOvr>
-    <a:masterClrMapping/>
-  </p:clrMapOvr>
-  <mc:AlternateContent xmlns:mc="http://schemas.openxmlformats.org/markup-compatibility/2006" xmlns:p14="http://schemas.microsoft.com/office/powerpoint/2010/main">
-    <mc:Choice Requires="p14">
-      <p:transition spd="slow" p14:dur="2000"/>
-    </mc:Choice>
-    <mc:Fallback xmlns="">
-      <p:transition spd="slow"/>
-    </mc:Fallback>
-  </mc:AlternateContent>
-  <p:timing>
-    <p:tnLst>
-      <p:par>
-        <p:cTn id="1" dur="indefinite" restart="never" nodeType="tmRoot"/>
-      </p:par>
-    </p:tnLst>
-  </p:timing>
-</p:sld>
-</file>
-
-<file path=ppt/slides/slide11.xml><?xml version="1.0" encoding="utf-8"?>
-<p:sld xmlns:a="http://schemas.openxmlformats.org/drawingml/2006/main" xmlns:r="http://schemas.openxmlformats.org/officeDocument/2006/relationships" xmlns:p="http://schemas.openxmlformats.org/presentationml/2006/main">
-  <p:cSld>
-    <p:spTree>
-      <p:nvGrpSpPr>
-        <p:cNvPr id="1" name=""/>
-        <p:cNvGrpSpPr/>
-        <p:nvPr/>
-      </p:nvGrpSpPr>
-      <p:grpSpPr>
-        <a:xfrm>
-          <a:off x="0" y="0"/>
-          <a:ext cx="0" cy="0"/>
-          <a:chOff x="0" y="0"/>
-          <a:chExt cx="0" cy="0"/>
-        </a:xfrm>
-      </p:grpSpPr>
-      <p:sp>
-        <p:nvSpPr>
-          <p:cNvPr id="4" name="직사각형 3"/>
-          <p:cNvSpPr>
-            <a:spLocks/>
-          </p:cNvSpPr>
-          <p:nvPr/>
-        </p:nvSpPr>
-        <p:spPr>
-          <a:xfrm rot="20460000">
-            <a:off x="-365760" y="355600"/>
-            <a:ext cx="15235555" cy="7983855"/>
-          </a:xfrm>
-          <a:prstGeom prst="rect">
-            <a:avLst/>
-          </a:prstGeom>
-          <a:solidFill>
-            <a:srgbClr val="00B0F0"/>
-          </a:solidFill>
-          <a:ln w="12700" cap="flat" cmpd="sng">
-            <a:solidFill>
-              <a:srgbClr val="00B0F0">
-                <a:alpha val="100000"/>
-              </a:srgbClr>
-            </a:solidFill>
-            <a:prstDash val="solid"/>
-          </a:ln>
-        </p:spPr>
-        <p:style>
-          <a:lnRef idx="2">
-            <a:schemeClr val="accent1">
-              <a:shade val="50000"/>
-            </a:schemeClr>
-          </a:lnRef>
-          <a:fillRef idx="1">
-            <a:schemeClr val="accent1"/>
-          </a:fillRef>
-          <a:effectRef idx="0">
-            <a:schemeClr val="accent1"/>
-          </a:effectRef>
-          <a:fontRef idx="minor">
-            <a:schemeClr val="lt1"/>
-          </a:fontRef>
-        </p:style>
-        <p:txBody>
-          <a:bodyPr vert="horz" wrap="square" lIns="91440" tIns="45720" rIns="91440" bIns="45720" anchor="ctr">
-            <a:noAutofit/>
-          </a:bodyPr>
-          <a:lstStyle/>
-          <a:p>
-            <a:pPr marL="0" indent="0" algn="ctr" defTabSz="914400" eaLnBrk="0" fontAlgn="auto">
-              <a:lnSpc>
-                <a:spcPct val="100000"/>
-              </a:lnSpc>
-              <a:spcBef>
-                <a:spcPts val="0"/>
-              </a:spcBef>
-              <a:spcAft>
-                <a:spcPts val="0"/>
-              </a:spcAft>
-              <a:buFontTx/>
-              <a:buNone/>
-            </a:pPr>
-            <a:endParaRPr lang="ko-KR" altLang="en-US" sz="1800" b="0" strike="noStrike" cap="none" dirty="0" smtClean="0">
-              <a:latin typeface="맑은 고딕" charset="0"/>
-              <a:ea typeface="맑은 고딕" charset="0"/>
-            </a:endParaRPr>
-          </a:p>
-        </p:txBody>
-      </p:sp>
-      <p:sp>
-        <p:nvSpPr>
-          <p:cNvPr id="2" name="텍스트 개체 틀 1"/>
-          <p:cNvSpPr txBox="1">
-            <a:spLocks noGrp="1"/>
-          </p:cNvSpPr>
-          <p:nvPr>
-            <p:ph type="title"/>
-          </p:nvPr>
-        </p:nvSpPr>
-        <p:spPr>
-          <a:xfrm>
-            <a:off x="550545" y="374015"/>
-            <a:ext cx="3755390" cy="781050"/>
-          </a:xfrm>
-          <a:prstGeom prst="rect">
-            <a:avLst/>
-          </a:prstGeom>
-        </p:spPr>
-        <p:txBody>
-          <a:bodyPr vert="horz" wrap="square" lIns="91440" tIns="45720" rIns="91440" bIns="45720" anchor="ctr">
-            <a:noAutofit/>
-          </a:bodyPr>
-          <a:lstStyle/>
-          <a:p>
-            <a:pPr marL="0" indent="0" algn="l" defTabSz="914400" fontAlgn="auto">
-              <a:lnSpc>
-                <a:spcPct val="90000"/>
-              </a:lnSpc>
-              <a:spcBef>
-                <a:spcPts val="0"/>
-              </a:spcBef>
-              <a:spcAft>
-                <a:spcPts val="0"/>
-              </a:spcAft>
-              <a:buFontTx/>
-              <a:buNone/>
-            </a:pPr>
-            <a:r>
-              <a:rPr lang="en-US" altLang="ko-KR" sz="5000" b="0" strike="noStrike" cap="none" dirty="0" smtClean="0">
-                <a:solidFill>
-                  <a:srgbClr val="00B0F0"/>
-                </a:solidFill>
-                <a:latin typeface="나눔스퀘어 ExtraBold" charset="0"/>
-                <a:ea typeface="나눔스퀘어 ExtraBold" charset="0"/>
-              </a:rPr>
-              <a:t>Test Result</a:t>
-            </a:r>
-            <a:endParaRPr lang="ko-KR" altLang="en-US" sz="5000" b="0" strike="noStrike" cap="none" dirty="0" smtClean="0">
-              <a:solidFill>
-                <a:srgbClr val="00B0F0"/>
-              </a:solidFill>
-              <a:latin typeface="나눔스퀘어 ExtraBold" charset="0"/>
-              <a:ea typeface="나눔스퀘어 ExtraBold" charset="0"/>
-            </a:endParaRPr>
-          </a:p>
-        </p:txBody>
-      </p:sp>
-    </p:spTree>
-  </p:cSld>
-  <p:clrMapOvr>
-    <a:masterClrMapping/>
-  </p:clrMapOvr>
-  <mc:AlternateContent xmlns:mc="http://schemas.openxmlformats.org/markup-compatibility/2006" xmlns:p14="http://schemas.microsoft.com/office/powerpoint/2010/main">
-    <mc:Choice Requires="p14">
-      <p:transition spd="slow" p14:dur="2000"/>
-    </mc:Choice>
-    <mc:Fallback xmlns="">
-      <p:transition spd="slow"/>
-    </mc:Fallback>
-  </mc:AlternateContent>
-  <p:timing>
-    <p:tnLst>
-      <p:par>
-        <p:cTn id="1" dur="indefinite" restart="never" nodeType="tmRoot"/>
-      </p:par>
-    </p:tnLst>
-  </p:timing>
-</p:sld>
-</file>
-
-<file path=ppt/slides/slide12.xml><?xml version="1.0" encoding="utf-8"?>
-<p:sld xmlns:a="http://schemas.openxmlformats.org/drawingml/2006/main" xmlns:r="http://schemas.openxmlformats.org/officeDocument/2006/relationships" xmlns:p="http://schemas.openxmlformats.org/presentationml/2006/main">
-  <p:cSld>
-    <p:spTree>
-      <p:nvGrpSpPr>
-        <p:cNvPr id="1" name=""/>
-        <p:cNvGrpSpPr/>
-        <p:nvPr/>
-      </p:nvGrpSpPr>
-      <p:grpSpPr>
-        <a:xfrm>
-          <a:off x="0" y="0"/>
-          <a:ext cx="0" cy="0"/>
-          <a:chOff x="0" y="0"/>
-          <a:chExt cx="0" cy="0"/>
-        </a:xfrm>
-      </p:grpSpPr>
-      <p:sp>
-        <p:nvSpPr>
-          <p:cNvPr id="4" name="직사각형 3"/>
-          <p:cNvSpPr>
-            <a:spLocks/>
-          </p:cNvSpPr>
-          <p:nvPr/>
-        </p:nvSpPr>
-        <p:spPr>
-          <a:xfrm rot="20460000">
-            <a:off x="-950595" y="350520"/>
-            <a:ext cx="15234285" cy="8173085"/>
-          </a:xfrm>
-          <a:prstGeom prst="rect">
-            <a:avLst/>
-          </a:prstGeom>
-          <a:solidFill>
-            <a:srgbClr val="00B0F0"/>
-          </a:solidFill>
-          <a:ln w="12700" cap="flat" cmpd="sng">
-            <a:solidFill>
-              <a:srgbClr val="00B0F0">
-                <a:alpha val="100000"/>
-              </a:srgbClr>
-            </a:solidFill>
-            <a:prstDash val="solid"/>
-          </a:ln>
-        </p:spPr>
-        <p:style>
-          <a:lnRef idx="2">
-            <a:schemeClr val="accent1">
-              <a:shade val="50000"/>
-            </a:schemeClr>
-          </a:lnRef>
-          <a:fillRef idx="1">
-            <a:schemeClr val="accent1"/>
-          </a:fillRef>
-          <a:effectRef idx="0">
-            <a:schemeClr val="accent1"/>
-          </a:effectRef>
-          <a:fontRef idx="minor">
-            <a:schemeClr val="lt1"/>
-          </a:fontRef>
-        </p:style>
-        <p:txBody>
-          <a:bodyPr vert="horz" wrap="square" lIns="91440" tIns="45720" rIns="91440" bIns="45720" numCol="1" anchor="ctr">
-            <a:noAutofit/>
-          </a:bodyPr>
-          <a:lstStyle/>
-          <a:p>
-            <a:pPr marL="0" indent="0" algn="ctr" defTabSz="914400" eaLnBrk="0" fontAlgn="auto">
-              <a:lnSpc>
-                <a:spcPct val="100000"/>
-              </a:lnSpc>
-              <a:spcBef>
-                <a:spcPts val="0"/>
-              </a:spcBef>
-              <a:spcAft>
-                <a:spcPts val="0"/>
-              </a:spcAft>
-              <a:buFontTx/>
-              <a:buNone/>
-            </a:pPr>
-            <a:endParaRPr lang="ko-KR" altLang="en-US" sz="1800" b="0" strike="noStrike" cap="none" dirty="0" smtClean="0">
-              <a:latin typeface="맑은 고딕" charset="0"/>
-              <a:ea typeface="맑은 고딕" charset="0"/>
-            </a:endParaRPr>
-          </a:p>
-        </p:txBody>
-      </p:sp>
-      <p:sp>
-        <p:nvSpPr>
-          <p:cNvPr id="2" name="제목 1"/>
-          <p:cNvSpPr>
-            <a:spLocks noGrp="1"/>
-          </p:cNvSpPr>
-          <p:nvPr>
-            <p:ph type="title"/>
-          </p:nvPr>
-        </p:nvSpPr>
-        <p:spPr>
-          <a:xfrm>
-            <a:off x="550545" y="374015"/>
-            <a:ext cx="3524250" cy="780415"/>
-          </a:xfrm>
-        </p:spPr>
-        <p:txBody>
-          <a:bodyPr>
-            <a:noAutofit/>
-          </a:bodyPr>
-          <a:lstStyle/>
-          <a:p>
-            <a:r>
-              <a:rPr lang="en-US" altLang="ko-KR" sz="5000" dirty="0" smtClean="0">
-                <a:solidFill>
-                  <a:srgbClr val="00B0F0"/>
-                </a:solidFill>
-                <a:latin typeface="나눔스퀘어 ExtraBold" panose="020B0600000101010101" pitchFamily="50" charset="-127"/>
-                <a:ea typeface="나눔스퀘어 ExtraBold" panose="020B0600000101010101" pitchFamily="50" charset="-127"/>
-              </a:rPr>
-              <a:t>Demo</a:t>
-            </a:r>
-            <a:endParaRPr lang="ko-KR" altLang="en-US" sz="5000" dirty="0">
-              <a:solidFill>
-                <a:srgbClr val="00B0F0"/>
-              </a:solidFill>
-              <a:latin typeface="나눔스퀘어 ExtraBold" panose="020B0600000101010101" pitchFamily="50" charset="-127"/>
-              <a:ea typeface="나눔스퀘어 ExtraBold" panose="020B0600000101010101" pitchFamily="50" charset="-127"/>
-            </a:endParaRPr>
-          </a:p>
-        </p:txBody>
-      </p:sp>
-    </p:spTree>
-    <p:extLst>
-      <p:ext uri="{BB962C8B-B14F-4D97-AF65-F5344CB8AC3E}">
-        <p14:creationId xmlns:p14="http://schemas.microsoft.com/office/powerpoint/2010/main" val="2570249122"/>
-      </p:ext>
-    </p:extLst>
-  </p:cSld>
-  <p:clrMapOvr>
-    <a:masterClrMapping/>
-  </p:clrMapOvr>
-  <mc:AlternateContent xmlns:mc="http://schemas.openxmlformats.org/markup-compatibility/2006" xmlns:p14="http://schemas.microsoft.com/office/powerpoint/2010/main">
-    <mc:Choice Requires="p14">
-      <p:transition spd="slow" p14:dur="2000"/>
-    </mc:Choice>
-    <mc:Fallback xmlns="">
-      <p:transition spd="slow"/>
-    </mc:Fallback>
-  </mc:AlternateContent>
-  <p:timing>
-    <p:tnLst>
-      <p:par>
-        <p:cTn id="1" dur="indefinite" restart="never" nodeType="tmRoot"/>
-      </p:par>
-    </p:tnLst>
-  </p:timing>
-</p:sld>
-</file>
-
 <file path=ppt/slides/slide2.xml><?xml version="1.0" encoding="utf-8"?>
-<p:sld xmlns:a="http://schemas.openxmlformats.org/drawingml/2006/main" xmlns:r="http://schemas.openxmlformats.org/officeDocument/2006/relationships" xmlns:p="http://schemas.openxmlformats.org/presentationml/2006/main">
+<p:sld xmlns:a="http://schemas.openxmlformats.org/drawingml/2006/main" xmlns:r="http://schemas.openxmlformats.org/officeDocument/2006/relationships" xmlns:p="http://schemas.openxmlformats.org/presentationml/2006/main" xmlns:p14="http://schemas.microsoft.com/office/powerpoint/2010/main">
   <p:cSld>
     <p:spTree>
       <p:nvGrpSpPr>
@@ -3846,61 +3337,55 @@
       <p:sp>
         <p:nvSpPr>
           <p:cNvPr id="2" name="제목 1"/>
-          <p:cNvSpPr>
-            <a:spLocks noGrp="1"/>
+          <p:cNvSpPr txBox="1">
+            <a:spLocks/>
           </p:cNvSpPr>
           <p:nvPr>
             <p:ph type="title"/>
           </p:nvPr>
         </p:nvSpPr>
         <p:spPr>
-          <a:xfrm>
-            <a:off x="550545" y="374015"/>
-            <a:ext cx="3759200" cy="780415"/>
+          <a:xfrm rot="0">
+            <a:off x="550545" y="362585"/>
+            <a:ext cx="3759835" cy="781050"/>
           </a:xfrm>
+          <a:prstGeom prst="rect"/>
         </p:spPr>
         <p:txBody>
-          <a:bodyPr>
+          <a:bodyPr wrap="square" lIns="91440" tIns="45720" rIns="91440" bIns="45720" numCol="1" vert="horz" anchor="ctr">
             <a:noAutofit/>
           </a:bodyPr>
           <a:lstStyle/>
           <a:p>
-            <a:r>
-              <a:rPr lang="en-US" altLang="ko-KR" sz="5500" dirty="0" smtClean="0">
+            <a:pPr marL="0" indent="0" algn="l" fontAlgn="auto" defTabSz="914400">
+              <a:lnSpc>
+                <a:spcPct val="90000"/>
+              </a:lnSpc>
+              <a:spcBef>
+                <a:spcPts val="0"/>
+              </a:spcBef>
+              <a:spcAft>
+                <a:spcPts val="0"/>
+              </a:spcAft>
+              <a:buFontTx/>
+              <a:buNone/>
+            </a:pPr>
+            <a:r>
+              <a:rPr lang="en-US" altLang="ko-KR" sz="5500" cap="none" dirty="0" smtClean="0" b="0" strike="noStrike">
                 <a:solidFill>
                   <a:srgbClr val="00B0F0"/>
                 </a:solidFill>
-                <a:latin typeface="나눔스퀘어 ExtraBold" panose="020B0600000101010101" pitchFamily="50" charset="-127"/>
-                <a:ea typeface="나눔스퀘어 ExtraBold" panose="020B0600000101010101" pitchFamily="50" charset="-127"/>
-              </a:rPr>
-              <a:t>UI </a:t>
-            </a:r>
-            <a:r>
-              <a:rPr lang="en-US" altLang="ko-KR" sz="5500" dirty="0">
-                <a:solidFill>
-                  <a:srgbClr val="00B0F0"/>
-                </a:solidFill>
-                <a:latin typeface="나눔스퀘어 ExtraBold" panose="020B0600000101010101" pitchFamily="50" charset="-127"/>
-                <a:ea typeface="나눔스퀘어 ExtraBold" panose="020B0600000101010101" pitchFamily="50" charset="-127"/>
-              </a:rPr>
-              <a:t>D</a:t>
-            </a:r>
-            <a:r>
-              <a:rPr lang="en-US" altLang="ko-KR" sz="5500" dirty="0" smtClean="0">
-                <a:solidFill>
-                  <a:srgbClr val="00B0F0"/>
-                </a:solidFill>
-                <a:latin typeface="나눔스퀘어 ExtraBold" panose="020B0600000101010101" pitchFamily="50" charset="-127"/>
-                <a:ea typeface="나눔스퀘어 ExtraBold" panose="020B0600000101010101" pitchFamily="50" charset="-127"/>
-              </a:rPr>
-              <a:t>esign</a:t>
-            </a:r>
-            <a:endParaRPr lang="ko-KR" altLang="en-US" sz="5500" dirty="0">
+                <a:latin typeface="나눔스퀘어 ExtraBold" charset="0"/>
+                <a:ea typeface="나눔스퀘어 ExtraBold" charset="0"/>
+              </a:rPr>
+              <a:t>UI Design</a:t>
+            </a:r>
+            <a:endParaRPr lang="ko-KR" altLang="en-US" sz="5500" cap="none" dirty="0" smtClean="0" b="0" strike="noStrike">
               <a:solidFill>
                 <a:srgbClr val="00B0F0"/>
               </a:solidFill>
-              <a:latin typeface="나눔스퀘어 ExtraBold" panose="020B0600000101010101" pitchFamily="50" charset="-127"/>
-              <a:ea typeface="나눔스퀘어 ExtraBold" panose="020B0600000101010101" pitchFamily="50" charset="-127"/>
+              <a:latin typeface="나눔스퀘어 ExtraBold" charset="0"/>
+              <a:ea typeface="나눔스퀘어 ExtraBold" charset="0"/>
             </a:endParaRPr>
           </a:p>
         </p:txBody>
@@ -4053,11 +3538,11 @@
   <p:clrMapOvr>
     <a:masterClrMapping/>
   </p:clrMapOvr>
-  <mc:AlternateContent xmlns:mc="http://schemas.openxmlformats.org/markup-compatibility/2006" xmlns:p14="http://schemas.microsoft.com/office/powerpoint/2010/main">
-    <mc:Choice Requires="p14">
+  <mc:AlternateContent xmlns:mc="http://schemas.openxmlformats.org/markup-compatibility/2006">
+    <mc:Choice xmlns:p14="http://schemas.microsoft.com/office/powerpoint/2010/main" Requires="p14">
       <p:transition spd="slow" p14:dur="2000"/>
     </mc:Choice>
-    <mc:Fallback xmlns="">
+    <mc:Fallback>
       <p:transition spd="slow"/>
     </mc:Fallback>
   </mc:AlternateContent>
@@ -4434,7 +3919,7 @@
 </file>
 
 <file path=ppt/slides/slide4.xml><?xml version="1.0" encoding="utf-8"?>
-<p:sld xmlns:a="http://schemas.openxmlformats.org/drawingml/2006/main" xmlns:r="http://schemas.openxmlformats.org/officeDocument/2006/relationships" xmlns:p="http://schemas.openxmlformats.org/presentationml/2006/main">
+<p:sld xmlns:a="http://schemas.openxmlformats.org/drawingml/2006/main" xmlns:r="http://schemas.openxmlformats.org/officeDocument/2006/relationships" xmlns:p="http://schemas.openxmlformats.org/presentationml/2006/main" xmlns:p14="http://schemas.microsoft.com/office/powerpoint/2010/main">
   <p:cSld>
     <p:spTree>
       <p:nvGrpSpPr>
@@ -4520,63 +4005,15 @@
           </a:p>
         </p:txBody>
       </p:sp>
-      <p:sp>
-        <p:nvSpPr>
-          <p:cNvPr id="2" name="제목 1"/>
-          <p:cNvSpPr>
-            <a:spLocks noGrp="1"/>
-          </p:cNvSpPr>
-          <p:nvPr>
-            <p:ph type="title"/>
-          </p:nvPr>
-        </p:nvSpPr>
-        <p:spPr>
-          <a:xfrm>
-            <a:off x="550545" y="374015"/>
-            <a:ext cx="10839450" cy="780415"/>
-          </a:xfrm>
-        </p:spPr>
-        <p:txBody>
-          <a:bodyPr/>
-          <a:lstStyle/>
-          <a:p>
-            <a:endParaRPr lang="ko-KR" altLang="en-US" dirty="0"/>
-          </a:p>
-        </p:txBody>
-      </p:sp>
-      <p:sp>
-        <p:nvSpPr>
-          <p:cNvPr id="3" name="내용 개체 틀 2"/>
-          <p:cNvSpPr>
-            <a:spLocks noGrp="1"/>
-          </p:cNvSpPr>
-          <p:nvPr>
-            <p:ph idx="1"/>
-          </p:nvPr>
-        </p:nvSpPr>
-        <p:spPr>
-          <a:xfrm>
-            <a:off x="550545" y="1444625"/>
-            <a:ext cx="10839450" cy="4681855"/>
-          </a:xfrm>
-        </p:spPr>
-        <p:txBody>
-          <a:bodyPr/>
-          <a:lstStyle/>
-          <a:p>
-            <a:endParaRPr lang="ko-KR" altLang="en-US"/>
-          </a:p>
-        </p:txBody>
-      </p:sp>
       <p:pic>
         <p:nvPicPr>
-          <p:cNvPr id="5" name="그림 4"/>
+          <p:cNvPr id="5" name="그림 4" descr="C:/Users/KMG/AppData/Roaming/PolarisOffice/ETemp/18836_16455400/image7.jpg"/>
           <p:cNvPicPr>
             <a:picLocks noChangeAspect="1"/>
           </p:cNvPicPr>
           <p:nvPr/>
         </p:nvPicPr>
-        <p:blipFill>
+        <p:blipFill rotWithShape="1">
           <a:blip r:embed="rId2">
             <a:extLst>
               <a:ext uri="{28A0092B-C50C-407E-A947-70E740481C1C}">
@@ -4584,20 +4021,76 @@
               </a:ext>
             </a:extLst>
           </a:blip>
+          <a:srcRect/>
           <a:stretch>
             <a:fillRect/>
           </a:stretch>
         </p:blipFill>
         <p:spPr>
-          <a:xfrm>
-            <a:off x="1811655" y="958850"/>
-            <a:ext cx="8317865" cy="4678680"/>
+          <a:xfrm rot="0">
+            <a:off x="3526155" y="1572260"/>
+            <a:ext cx="8318500" cy="4679315"/>
           </a:xfrm>
-          <a:prstGeom prst="rect">
-            <a:avLst/>
-          </a:prstGeom>
+          <a:prstGeom prst="rect"/>
+          <a:noFill/>
         </p:spPr>
       </p:pic>
+      <p:sp>
+        <p:nvSpPr>
+          <p:cNvPr id="6" name="텍스트 개체 틀 5"/>
+          <p:cNvSpPr txBox="1">
+            <a:spLocks/>
+          </p:cNvSpPr>
+          <p:nvPr>
+            <p:ph type="title" idx="2"/>
+          </p:nvPr>
+        </p:nvSpPr>
+        <p:spPr>
+          <a:xfrm rot="0">
+            <a:off x="550545" y="362585"/>
+            <a:ext cx="3759835" cy="781050"/>
+          </a:xfrm>
+          <a:prstGeom prst="rect"/>
+        </p:spPr>
+        <p:txBody>
+          <a:bodyPr wrap="square" lIns="91440" tIns="45720" rIns="91440" bIns="45720" vert="horz" anchor="ctr">
+            <a:noAutofit/>
+          </a:bodyPr>
+          <a:lstStyle/>
+          <a:p>
+            <a:pPr marL="0" indent="0" algn="l" fontAlgn="auto" defTabSz="914400">
+              <a:lnSpc>
+                <a:spcPct val="90000"/>
+              </a:lnSpc>
+              <a:spcBef>
+                <a:spcPts val="0"/>
+              </a:spcBef>
+              <a:spcAft>
+                <a:spcPts val="0"/>
+              </a:spcAft>
+              <a:buFontTx/>
+              <a:buNone/>
+            </a:pPr>
+            <a:r>
+              <a:rPr lang="en-US" altLang="ko-KR" sz="5500" cap="none" dirty="0" smtClean="0" b="0" strike="noStrike">
+                <a:solidFill>
+                  <a:srgbClr val="00B0F0"/>
+                </a:solidFill>
+                <a:latin typeface="나눔스퀘어 ExtraBold" charset="0"/>
+                <a:ea typeface="나눔스퀘어 ExtraBold" charset="0"/>
+              </a:rPr>
+              <a:t>UI Design</a:t>
+            </a:r>
+            <a:endParaRPr lang="ko-KR" altLang="en-US" sz="5500" cap="none" dirty="0" smtClean="0" b="0" strike="noStrike">
+              <a:solidFill>
+                <a:srgbClr val="00B0F0"/>
+              </a:solidFill>
+              <a:latin typeface="나눔스퀘어 ExtraBold" charset="0"/>
+              <a:ea typeface="나눔스퀘어 ExtraBold" charset="0"/>
+            </a:endParaRPr>
+          </a:p>
+        </p:txBody>
+      </p:sp>
     </p:spTree>
     <p:extLst>
       <p:ext uri="{BB962C8B-B14F-4D97-AF65-F5344CB8AC3E}">
@@ -4608,11 +4101,11 @@
   <p:clrMapOvr>
     <a:masterClrMapping/>
   </p:clrMapOvr>
-  <mc:AlternateContent xmlns:mc="http://schemas.openxmlformats.org/markup-compatibility/2006" xmlns:p14="http://schemas.microsoft.com/office/powerpoint/2010/main">
-    <mc:Choice Requires="p14">
+  <mc:AlternateContent xmlns:mc="http://schemas.openxmlformats.org/markup-compatibility/2006">
+    <mc:Choice xmlns:p14="http://schemas.microsoft.com/office/powerpoint/2010/main" Requires="p14">
       <p:transition spd="slow" p14:dur="2000"/>
     </mc:Choice>
-    <mc:Fallback xmlns="">
+    <mc:Fallback>
       <p:transition spd="slow"/>
     </mc:Fallback>
   </mc:AlternateContent>
@@ -5208,7 +4701,7 @@
 </file>
 
 <file path=ppt/slides/slide6.xml><?xml version="1.0" encoding="utf-8"?>
-<p:sld xmlns:a="http://schemas.openxmlformats.org/drawingml/2006/main" xmlns:r="http://schemas.openxmlformats.org/officeDocument/2006/relationships" xmlns:p="http://schemas.openxmlformats.org/presentationml/2006/main">
+<p:sld xmlns:a="http://schemas.openxmlformats.org/drawingml/2006/main" xmlns:r="http://schemas.openxmlformats.org/officeDocument/2006/relationships" xmlns:p="http://schemas.openxmlformats.org/presentationml/2006/main" xmlns:p14="http://schemas.microsoft.com/office/powerpoint/2010/main">
   <p:cSld>
     <p:spTree>
       <p:nvGrpSpPr>
@@ -5227,24 +4720,27 @@
       <p:sp>
         <p:nvSpPr>
           <p:cNvPr id="4" name="직사각형 3"/>
-          <p:cNvSpPr/>
+          <p:cNvSpPr>
+            <a:spLocks/>
+          </p:cNvSpPr>
           <p:nvPr/>
         </p:nvSpPr>
         <p:spPr>
-          <a:xfrm rot="20502044">
-            <a:off x="-2331594" y="-1769744"/>
-            <a:ext cx="15234920" cy="7983220"/>
+          <a:xfrm rot="20460000">
+            <a:off x="-2423795" y="-1769745"/>
+            <a:ext cx="15235555" cy="7983855"/>
           </a:xfrm>
-          <a:prstGeom prst="rect">
-            <a:avLst/>
-          </a:prstGeom>
+          <a:prstGeom prst="rect"/>
           <a:solidFill>
             <a:srgbClr val="00B0F0"/>
           </a:solidFill>
-          <a:ln>
+          <a:ln w="12700" cap="flat" cmpd="sng">
             <a:solidFill>
-              <a:srgbClr val="00B0F0"/>
+              <a:srgbClr val="00B0F0">
+                <a:alpha val="100000"/>
+              </a:srgbClr>
             </a:solidFill>
+            <a:prstDash val="solid"/>
           </a:ln>
         </p:spPr>
         <p:style>
@@ -5264,13 +4760,27 @@
           </a:fontRef>
         </p:style>
         <p:txBody>
-          <a:bodyPr rtlCol="0" anchor="ctr"/>
-          <a:lstStyle/>
-          <a:p>
-            <a:pPr algn="ctr"/>
-            <a:endParaRPr lang="ko-KR" altLang="en-US" dirty="0">
-              <a:latin typeface="나눔고딕" panose="020D0604000000000000" pitchFamily="50" charset="-127"/>
-              <a:ea typeface="나눔고딕" panose="020D0604000000000000" pitchFamily="50" charset="-127"/>
+          <a:bodyPr wrap="square" lIns="91440" tIns="45720" rIns="91440" bIns="45720" numCol="1" vert="horz" anchor="ctr">
+            <a:noAutofit/>
+          </a:bodyPr>
+          <a:lstStyle/>
+          <a:p>
+            <a:pPr marL="0" indent="0" algn="ctr" fontAlgn="auto" defTabSz="914400" eaLnBrk="0">
+              <a:lnSpc>
+                <a:spcPct val="100000"/>
+              </a:lnSpc>
+              <a:spcBef>
+                <a:spcPts val="0"/>
+              </a:spcBef>
+              <a:spcAft>
+                <a:spcPts val="0"/>
+              </a:spcAft>
+              <a:buFontTx/>
+              <a:buNone/>
+            </a:pPr>
+            <a:endParaRPr lang="ko-KR" altLang="en-US" sz="1800" cap="none" dirty="0" smtClean="0" b="0" strike="noStrike">
+              <a:latin typeface="나눔고딕" charset="0"/>
+              <a:ea typeface="나눔고딕" charset="0"/>
             </a:endParaRPr>
           </a:p>
         </p:txBody>
@@ -5382,108 +4892,204 @@
       <p:sp>
         <p:nvSpPr>
           <p:cNvPr id="2" name="TextBox 1"/>
-          <p:cNvSpPr txBox="1"/>
+          <p:cNvSpPr txBox="1">
+            <a:spLocks/>
+          </p:cNvSpPr>
           <p:nvPr/>
         </p:nvSpPr>
         <p:spPr>
-          <a:xfrm>
-            <a:off x="6767292" y="2571849"/>
-            <a:ext cx="4891308" cy="1754326"/>
+          <a:xfrm rot="0">
+            <a:off x="6570345" y="2988945"/>
+            <a:ext cx="4892040" cy="1936115"/>
           </a:xfrm>
-          <a:prstGeom prst="rect">
-            <a:avLst/>
-          </a:prstGeom>
+          <a:prstGeom prst="rect"/>
           <a:noFill/>
         </p:spPr>
         <p:txBody>
-          <a:bodyPr wrap="square" rtlCol="0">
+          <a:bodyPr wrap="square" lIns="91440" tIns="45720" rIns="91440" bIns="45720" numCol="1" vert="horz" anchor="t">
             <a:spAutoFit/>
           </a:bodyPr>
           <a:lstStyle/>
           <a:p>
-            <a:r>
-              <a:rPr lang="ko-KR" altLang="en-US" dirty="0" smtClean="0">
-                <a:latin typeface="나눔바른고딕" panose="020B0603020101020101" pitchFamily="50" charset="-127"/>
-                <a:ea typeface="나눔바른고딕" panose="020B0603020101020101" pitchFamily="50" charset="-127"/>
-              </a:rPr>
-              <a:t>골무의 색을 인식해서 그림을 그리는 </a:t>
-            </a:r>
-            <a:r>
-              <a:rPr lang="ko-KR" altLang="en-US" dirty="0" smtClean="0">
-                <a:latin typeface="나눔바른고딕" panose="020B0603020101020101" pitchFamily="50" charset="-127"/>
-                <a:ea typeface="나눔바른고딕" panose="020B0603020101020101" pitchFamily="50" charset="-127"/>
-              </a:rPr>
-              <a:t>프로젝트</a:t>
-            </a:r>
-            <a:endParaRPr lang="en-US" altLang="ko-KR" dirty="0" smtClean="0">
-              <a:latin typeface="나눔바른고딕" panose="020B0603020101020101" pitchFamily="50" charset="-127"/>
-              <a:ea typeface="나눔바른고딕" panose="020B0603020101020101" pitchFamily="50" charset="-127"/>
+            <a:pPr marL="0" indent="0" algn="l" fontAlgn="auto" defTabSz="914400" eaLnBrk="0">
+              <a:lnSpc>
+                <a:spcPct val="100000"/>
+              </a:lnSpc>
+              <a:spcBef>
+                <a:spcPts val="0"/>
+              </a:spcBef>
+              <a:spcAft>
+                <a:spcPts val="0"/>
+              </a:spcAft>
+              <a:buFontTx/>
+              <a:buNone/>
+            </a:pPr>
+            <a:r>
+              <a:rPr lang="en-US" altLang="ko-KR" sz="2000" cap="none" dirty="0" smtClean="0" b="0" strike="noStrike">
+                <a:latin typeface="나눔바른고딕" charset="0"/>
+                <a:ea typeface="나눔바른고딕" charset="0"/>
+              </a:rPr>
+              <a:t>골무의 색을 인식해서 그림을 그리는 프로젝트</a:t>
+            </a:r>
+            <a:endParaRPr lang="ko-KR" altLang="en-US" sz="2000" cap="none" dirty="0" smtClean="0" b="0" strike="noStrike">
+              <a:latin typeface="나눔바른고딕" charset="0"/>
+              <a:ea typeface="나눔바른고딕" charset="0"/>
             </a:endParaRPr>
           </a:p>
           <a:p>
-            <a:endParaRPr lang="en-US" altLang="ko-KR" dirty="0">
-              <a:latin typeface="나눔바른고딕" panose="020B0603020101020101" pitchFamily="50" charset="-127"/>
-              <a:ea typeface="나눔바른고딕" panose="020B0603020101020101" pitchFamily="50" charset="-127"/>
+            <a:pPr marL="0" indent="0" algn="l" fontAlgn="auto" defTabSz="914400" eaLnBrk="0">
+              <a:lnSpc>
+                <a:spcPct val="100000"/>
+              </a:lnSpc>
+              <a:spcBef>
+                <a:spcPts val="0"/>
+              </a:spcBef>
+              <a:spcAft>
+                <a:spcPts val="0"/>
+              </a:spcAft>
+              <a:buFontTx/>
+              <a:buNone/>
+            </a:pPr>
+            <a:endParaRPr lang="ko-KR" altLang="en-US" sz="2000" cap="none" dirty="0" smtClean="0" b="0" strike="noStrike">
+              <a:latin typeface="나눔바른고딕" charset="0"/>
+              <a:ea typeface="나눔바른고딕" charset="0"/>
             </a:endParaRPr>
           </a:p>
           <a:p>
-            <a:r>
-              <a:rPr lang="ko-KR" altLang="en-US" dirty="0" smtClean="0">
-                <a:latin typeface="나눔바른고딕" panose="020B0603020101020101" pitchFamily="50" charset="-127"/>
-                <a:ea typeface="나눔바른고딕" panose="020B0603020101020101" pitchFamily="50" charset="-127"/>
-              </a:rPr>
-              <a:t>우리</a:t>
-            </a:r>
-            <a:r>
-              <a:rPr lang="ko-KR" altLang="en-US" dirty="0" smtClean="0">
-                <a:latin typeface="나눔바른고딕" panose="020B0603020101020101" pitchFamily="50" charset="-127"/>
-                <a:ea typeface="나눔바른고딕" panose="020B0603020101020101" pitchFamily="50" charset="-127"/>
-              </a:rPr>
-              <a:t> 프로젝트와 많이 유사한 프로젝트</a:t>
-            </a:r>
-            <a:endParaRPr lang="en-US" altLang="ko-KR" dirty="0" smtClean="0">
-              <a:latin typeface="나눔바른고딕" panose="020B0603020101020101" pitchFamily="50" charset="-127"/>
-              <a:ea typeface="나눔바른고딕" panose="020B0603020101020101" pitchFamily="50" charset="-127"/>
+            <a:pPr marL="0" indent="0" algn="l" fontAlgn="auto" defTabSz="914400" eaLnBrk="0">
+              <a:lnSpc>
+                <a:spcPct val="100000"/>
+              </a:lnSpc>
+              <a:spcBef>
+                <a:spcPts val="0"/>
+              </a:spcBef>
+              <a:spcAft>
+                <a:spcPts val="0"/>
+              </a:spcAft>
+              <a:buFontTx/>
+              <a:buNone/>
+            </a:pPr>
+            <a:r>
+              <a:rPr lang="en-US" altLang="ko-KR" sz="2000" cap="none" dirty="0" smtClean="0" b="0" strike="noStrike">
+                <a:latin typeface="나눔바른고딕" charset="0"/>
+                <a:ea typeface="나눔바른고딕" charset="0"/>
+              </a:rPr>
+              <a:t>우리 프로젝트와 많이 유사한 프로젝트</a:t>
+            </a:r>
+            <a:endParaRPr lang="ko-KR" altLang="en-US" sz="2000" cap="none" dirty="0" smtClean="0" b="0" strike="noStrike">
+              <a:latin typeface="나눔바른고딕" charset="0"/>
+              <a:ea typeface="나눔바른고딕" charset="0"/>
             </a:endParaRPr>
           </a:p>
           <a:p>
-            <a:endParaRPr lang="en-US" altLang="ko-KR" dirty="0">
-              <a:latin typeface="나눔바른고딕" panose="020B0603020101020101" pitchFamily="50" charset="-127"/>
-              <a:ea typeface="나눔바른고딕" panose="020B0603020101020101" pitchFamily="50" charset="-127"/>
+            <a:pPr marL="0" indent="0" algn="l" fontAlgn="auto" defTabSz="914400" eaLnBrk="0">
+              <a:lnSpc>
+                <a:spcPct val="100000"/>
+              </a:lnSpc>
+              <a:spcBef>
+                <a:spcPts val="0"/>
+              </a:spcBef>
+              <a:spcAft>
+                <a:spcPts val="0"/>
+              </a:spcAft>
+              <a:buFontTx/>
+              <a:buNone/>
+            </a:pPr>
+            <a:endParaRPr lang="ko-KR" altLang="en-US" sz="2000" cap="none" dirty="0" smtClean="0" b="0" strike="noStrike">
+              <a:latin typeface="나눔바른고딕" charset="0"/>
+              <a:ea typeface="나눔바른고딕" charset="0"/>
             </a:endParaRPr>
           </a:p>
           <a:p>
-            <a:r>
-              <a:rPr lang="ko-KR" altLang="en-US" dirty="0" smtClean="0">
-                <a:latin typeface="나눔바른고딕" panose="020B0603020101020101" pitchFamily="50" charset="-127"/>
-                <a:ea typeface="나눔바른고딕" panose="020B0603020101020101" pitchFamily="50" charset="-127"/>
-              </a:rPr>
-              <a:t>우리</a:t>
-            </a:r>
-            <a:r>
-              <a:rPr lang="ko-KR" altLang="en-US" dirty="0" smtClean="0">
-                <a:latin typeface="나눔바른고딕" panose="020B0603020101020101" pitchFamily="50" charset="-127"/>
-                <a:ea typeface="나눔바른고딕" panose="020B0603020101020101" pitchFamily="50" charset="-127"/>
-              </a:rPr>
-              <a:t> 프로젝트는 손을 사용하고 줌인</a:t>
-            </a:r>
-            <a:r>
-              <a:rPr lang="en-US" altLang="ko-KR" dirty="0" smtClean="0">
-                <a:latin typeface="나눔바른고딕" panose="020B0603020101020101" pitchFamily="50" charset="-127"/>
-                <a:ea typeface="나눔바른고딕" panose="020B0603020101020101" pitchFamily="50" charset="-127"/>
-              </a:rPr>
-              <a:t>, </a:t>
-            </a:r>
-            <a:r>
-              <a:rPr lang="ko-KR" altLang="en-US" dirty="0" smtClean="0">
-                <a:latin typeface="나눔바른고딕" panose="020B0603020101020101" pitchFamily="50" charset="-127"/>
-                <a:ea typeface="나눔바른고딕" panose="020B0603020101020101" pitchFamily="50" charset="-127"/>
-              </a:rPr>
-              <a:t>줌 아웃을 할 수 있는 것에서 차별성을 두고 있음 </a:t>
-            </a:r>
-            <a:endParaRPr lang="ko-KR" altLang="en-US" dirty="0">
-              <a:latin typeface="나눔바른고딕" panose="020B0603020101020101" pitchFamily="50" charset="-127"/>
-              <a:ea typeface="나눔바른고딕" panose="020B0603020101020101" pitchFamily="50" charset="-127"/>
+            <a:pPr marL="0" indent="0" algn="l" fontAlgn="auto" defTabSz="914400" eaLnBrk="0">
+              <a:lnSpc>
+                <a:spcPct val="100000"/>
+              </a:lnSpc>
+              <a:spcBef>
+                <a:spcPts val="0"/>
+              </a:spcBef>
+              <a:spcAft>
+                <a:spcPts val="0"/>
+              </a:spcAft>
+              <a:buFontTx/>
+              <a:buNone/>
+            </a:pPr>
+            <a:r>
+              <a:rPr lang="en-US" altLang="ko-KR" sz="2000" cap="none" dirty="0" smtClean="0" b="0" strike="noStrike">
+                <a:latin typeface="나눔바른고딕" charset="0"/>
+                <a:ea typeface="나눔바른고딕" charset="0"/>
+              </a:rPr>
+              <a:t>훨씬 매끄러운 드로잉과 사용자의 모습이 보인다는 점에서 차별점이 있음</a:t>
+            </a:r>
+            <a:endParaRPr lang="ko-KR" altLang="en-US" sz="2000" cap="none" dirty="0" smtClean="0" b="0" strike="noStrike">
+              <a:latin typeface="나눔바른고딕" charset="0"/>
+              <a:ea typeface="나눔바른고딕" charset="0"/>
+            </a:endParaRPr>
+          </a:p>
+        </p:txBody>
+      </p:sp>
+      <p:sp>
+        <p:nvSpPr>
+          <p:cNvPr id="2054" name="텍스트 개체 틀 2053"/>
+          <p:cNvSpPr txBox="1">
+            <a:spLocks/>
+          </p:cNvSpPr>
+          <p:nvPr>
+            <p:ph type="title" idx="1"/>
+          </p:nvPr>
+        </p:nvSpPr>
+        <p:spPr>
+          <a:xfrm rot="0">
+            <a:off x="550545" y="374015"/>
+            <a:ext cx="4004310" cy="781050"/>
+          </a:xfrm>
+          <a:prstGeom prst="rect"/>
+        </p:spPr>
+        <p:txBody>
+          <a:bodyPr wrap="square" lIns="91440" tIns="45720" rIns="91440" bIns="45720" vert="horz" anchor="ctr">
+            <a:normAutofit fontScale="90000" lnSpcReduction="0"/>
+          </a:bodyPr>
+          <a:lstStyle/>
+          <a:p>
+            <a:pPr marL="0" indent="0" algn="l" fontAlgn="auto" defTabSz="914400">
+              <a:lnSpc>
+                <a:spcPct val="90000"/>
+              </a:lnSpc>
+              <a:spcBef>
+                <a:spcPts val="0"/>
+              </a:spcBef>
+              <a:spcAft>
+                <a:spcPts val="0"/>
+              </a:spcAft>
+              <a:buFontTx/>
+              <a:buNone/>
+            </a:pPr>
+            <a:r>
+              <a:rPr lang="en-US" altLang="ko-KR" sz="5000" cap="none" dirty="0" smtClean="0" b="0" strike="noStrike">
+                <a:solidFill>
+                  <a:schemeClr val="bg1"/>
+                </a:solidFill>
+                <a:latin typeface="Starcraft" charset="0"/>
+                <a:ea typeface="Starcraft" charset="0"/>
+              </a:rPr>
+              <a:t>USA</a:t>
+            </a:r>
+            <a:r>
+              <a:rPr lang="en-US" altLang="ko-KR" sz="5000" cap="none" dirty="0" smtClean="0" b="0" strike="noStrike">
+                <a:solidFill>
+                  <a:schemeClr val="bg1"/>
+                </a:solidFill>
+                <a:latin typeface="나눔스퀘어 ExtraBold" charset="0"/>
+                <a:ea typeface="나눔스퀘어 ExtraBold" charset="0"/>
+              </a:rPr>
+              <a:t> Project</a:t>
+            </a:r>
+            <a:endParaRPr lang="ko-KR" altLang="en-US" sz="5000" cap="none" dirty="0" smtClean="0" b="0" strike="noStrike">
+              <a:solidFill>
+                <a:schemeClr val="bg1"/>
+              </a:solidFill>
+              <a:latin typeface="나눔스퀘어 ExtraBold" charset="0"/>
+              <a:ea typeface="나눔스퀘어 ExtraBold" charset="0"/>
             </a:endParaRPr>
           </a:p>
         </p:txBody>
@@ -5498,11 +5104,11 @@
   <p:clrMapOvr>
     <a:masterClrMapping/>
   </p:clrMapOvr>
-  <mc:AlternateContent xmlns:mc="http://schemas.openxmlformats.org/markup-compatibility/2006" xmlns:p14="http://schemas.microsoft.com/office/powerpoint/2010/main">
-    <mc:Choice Requires="p14">
+  <mc:AlternateContent xmlns:mc="http://schemas.openxmlformats.org/markup-compatibility/2006">
+    <mc:Choice xmlns:p14="http://schemas.microsoft.com/office/powerpoint/2010/main" Requires="p14">
       <p:transition spd="slow" p14:dur="2000"/>
     </mc:Choice>
-    <mc:Fallback xmlns="">
+    <mc:Fallback>
       <p:transition spd="slow"/>
     </mc:Fallback>
   </mc:AlternateContent>
@@ -5517,163 +5123,6 @@
 </file>
 
 <file path=ppt/slides/slide7.xml><?xml version="1.0" encoding="utf-8"?>
-<p:sld xmlns:a="http://schemas.openxmlformats.org/drawingml/2006/main" xmlns:r="http://schemas.openxmlformats.org/officeDocument/2006/relationships" xmlns:p="http://schemas.openxmlformats.org/presentationml/2006/main">
-  <p:cSld>
-    <p:spTree>
-      <p:nvGrpSpPr>
-        <p:cNvPr id="1" name=""/>
-        <p:cNvGrpSpPr/>
-        <p:nvPr/>
-      </p:nvGrpSpPr>
-      <p:grpSpPr>
-        <a:xfrm>
-          <a:off x="0" y="0"/>
-          <a:ext cx="0" cy="0"/>
-          <a:chOff x="0" y="0"/>
-          <a:chExt cx="0" cy="0"/>
-        </a:xfrm>
-      </p:grpSpPr>
-      <p:sp>
-        <p:nvSpPr>
-          <p:cNvPr id="4" name="직사각형 3"/>
-          <p:cNvSpPr>
-            <a:spLocks/>
-          </p:cNvSpPr>
-          <p:nvPr/>
-        </p:nvSpPr>
-        <p:spPr>
-          <a:xfrm rot="20460000">
-            <a:off x="-1003935" y="498475"/>
-            <a:ext cx="15235555" cy="7983855"/>
-          </a:xfrm>
-          <a:prstGeom prst="rect">
-            <a:avLst/>
-          </a:prstGeom>
-          <a:solidFill>
-            <a:srgbClr val="00B0F0"/>
-          </a:solidFill>
-          <a:ln w="12700" cap="flat" cmpd="sng">
-            <a:solidFill>
-              <a:srgbClr val="00B0F0">
-                <a:alpha val="100000"/>
-              </a:srgbClr>
-            </a:solidFill>
-            <a:prstDash val="solid"/>
-          </a:ln>
-        </p:spPr>
-        <p:style>
-          <a:lnRef idx="2">
-            <a:schemeClr val="accent1">
-              <a:shade val="50000"/>
-            </a:schemeClr>
-          </a:lnRef>
-          <a:fillRef idx="1">
-            <a:schemeClr val="accent1"/>
-          </a:fillRef>
-          <a:effectRef idx="0">
-            <a:schemeClr val="accent1"/>
-          </a:effectRef>
-          <a:fontRef idx="minor">
-            <a:schemeClr val="lt1"/>
-          </a:fontRef>
-        </p:style>
-        <p:txBody>
-          <a:bodyPr vert="horz" wrap="square" lIns="91440" tIns="45720" rIns="91440" bIns="45720" numCol="1" anchor="ctr">
-            <a:noAutofit/>
-          </a:bodyPr>
-          <a:lstStyle/>
-          <a:p>
-            <a:pPr marL="0" indent="0" algn="ctr" defTabSz="914400" eaLnBrk="0" fontAlgn="auto">
-              <a:lnSpc>
-                <a:spcPct val="100000"/>
-              </a:lnSpc>
-              <a:spcBef>
-                <a:spcPts val="0"/>
-              </a:spcBef>
-              <a:spcAft>
-                <a:spcPts val="0"/>
-              </a:spcAft>
-              <a:buFontTx/>
-              <a:buNone/>
-            </a:pPr>
-            <a:endParaRPr lang="ko-KR" altLang="en-US" sz="1800" b="0" strike="noStrike" cap="none" dirty="0" smtClean="0">
-              <a:latin typeface="맑은 고딕" charset="0"/>
-              <a:ea typeface="맑은 고딕" charset="0"/>
-            </a:endParaRPr>
-          </a:p>
-        </p:txBody>
-      </p:sp>
-      <p:sp>
-        <p:nvSpPr>
-          <p:cNvPr id="2" name="제목 1"/>
-          <p:cNvSpPr>
-            <a:spLocks noGrp="1"/>
-          </p:cNvSpPr>
-          <p:nvPr>
-            <p:ph type="title"/>
-          </p:nvPr>
-        </p:nvSpPr>
-        <p:spPr>
-          <a:xfrm>
-            <a:off x="550545" y="374015"/>
-            <a:ext cx="3656965" cy="780415"/>
-          </a:xfrm>
-        </p:spPr>
-        <p:txBody>
-          <a:bodyPr>
-            <a:normAutofit/>
-          </a:bodyPr>
-          <a:lstStyle/>
-          <a:p>
-            <a:r>
-              <a:rPr lang="en-US" altLang="ko-KR" sz="5000" dirty="0" smtClean="0">
-                <a:solidFill>
-                  <a:srgbClr val="00B0F0"/>
-                </a:solidFill>
-                <a:latin typeface="나눔스퀘어 ExtraBold" panose="020B0600000101010101" pitchFamily="50" charset="-127"/>
-                <a:ea typeface="나눔스퀘어 ExtraBold" panose="020B0600000101010101" pitchFamily="50" charset="-127"/>
-              </a:rPr>
-              <a:t>Flow Chart</a:t>
-            </a:r>
-            <a:endParaRPr lang="ko-KR" altLang="en-US" sz="5000" dirty="0">
-              <a:solidFill>
-                <a:srgbClr val="00B0F0"/>
-              </a:solidFill>
-              <a:latin typeface="나눔스퀘어 ExtraBold" panose="020B0600000101010101" pitchFamily="50" charset="-127"/>
-              <a:ea typeface="나눔스퀘어 ExtraBold" panose="020B0600000101010101" pitchFamily="50" charset="-127"/>
-            </a:endParaRPr>
-          </a:p>
-        </p:txBody>
-      </p:sp>
-    </p:spTree>
-    <p:extLst>
-      <p:ext uri="{BB962C8B-B14F-4D97-AF65-F5344CB8AC3E}">
-        <p14:creationId xmlns:p14="http://schemas.microsoft.com/office/powerpoint/2010/main" val="3004114604"/>
-      </p:ext>
-    </p:extLst>
-  </p:cSld>
-  <p:clrMapOvr>
-    <a:masterClrMapping/>
-  </p:clrMapOvr>
-  <mc:AlternateContent xmlns:mc="http://schemas.openxmlformats.org/markup-compatibility/2006" xmlns:p14="http://schemas.microsoft.com/office/powerpoint/2010/main">
-    <mc:Choice Requires="p14">
-      <p:transition spd="slow" p14:dur="2000"/>
-    </mc:Choice>
-    <mc:Fallback xmlns="">
-      <p:transition spd="slow"/>
-    </mc:Fallback>
-  </mc:AlternateContent>
-  <p:timing>
-    <p:tnLst>
-      <p:par>
-        <p:cTn id="1" dur="indefinite" restart="never" nodeType="tmRoot"/>
-      </p:par>
-    </p:tnLst>
-  </p:timing>
-</p:sld>
-</file>
-
-<file path=ppt/slides/slide8.xml><?xml version="1.0" encoding="utf-8"?>
 <p:sld xmlns:a="http://schemas.openxmlformats.org/drawingml/2006/main" xmlns:r="http://schemas.openxmlformats.org/officeDocument/2006/relationships" xmlns:p="http://schemas.openxmlformats.org/presentationml/2006/main">
   <p:cSld>
     <p:spTree>
@@ -6749,8 +6198,8 @@
 </p:sld>
 </file>
 
-<file path=ppt/slides/slide9.xml><?xml version="1.0" encoding="utf-8"?>
-<p:sld xmlns:a="http://schemas.openxmlformats.org/drawingml/2006/main" xmlns:r="http://schemas.openxmlformats.org/officeDocument/2006/relationships" xmlns:p="http://schemas.openxmlformats.org/presentationml/2006/main">
+<file path=ppt/slides/slide8.xml><?xml version="1.0" encoding="utf-8"?>
+<p:sld xmlns:a="http://schemas.openxmlformats.org/drawingml/2006/main" xmlns:r="http://schemas.openxmlformats.org/officeDocument/2006/relationships" xmlns:p="http://schemas.openxmlformats.org/presentationml/2006/main" xmlns:p14="http://schemas.microsoft.com/office/powerpoint/2010/main">
   <p:cSld>
     <p:spTree>
       <p:nvGrpSpPr>
@@ -6776,12 +6225,10 @@
         </p:nvSpPr>
         <p:spPr>
           <a:xfrm rot="20460000">
-            <a:off x="-365760" y="355600"/>
-            <a:ext cx="15235555" cy="7983855"/>
+            <a:off x="-950595" y="350520"/>
+            <a:ext cx="15234920" cy="8173720"/>
           </a:xfrm>
-          <a:prstGeom prst="rect">
-            <a:avLst/>
-          </a:prstGeom>
+          <a:prstGeom prst="rect"/>
           <a:solidFill>
             <a:srgbClr val="00B0F0"/>
           </a:solidFill>
@@ -6811,12 +6258,12 @@
           </a:fontRef>
         </p:style>
         <p:txBody>
-          <a:bodyPr vert="horz" wrap="square" lIns="91440" tIns="45720" rIns="91440" bIns="45720" numCol="1" anchor="ctr">
+          <a:bodyPr wrap="square" lIns="91440" tIns="45720" rIns="91440" bIns="45720" numCol="1" vert="horz" anchor="ctr">
             <a:noAutofit/>
           </a:bodyPr>
           <a:lstStyle/>
           <a:p>
-            <a:pPr marL="0" indent="0" algn="ctr" defTabSz="914400" eaLnBrk="0" fontAlgn="auto">
+            <a:pPr marL="0" indent="0" algn="ctr" fontAlgn="auto" defTabSz="914400" eaLnBrk="0">
               <a:lnSpc>
                 <a:spcPct val="100000"/>
               </a:lnSpc>
@@ -6829,7 +6276,7 @@
               <a:buFontTx/>
               <a:buNone/>
             </a:pPr>
-            <a:endParaRPr lang="ko-KR" altLang="en-US" sz="1800" b="0" strike="noStrike" cap="none" dirty="0" smtClean="0">
+            <a:endParaRPr lang="ko-KR" altLang="en-US" sz="1800" cap="none" dirty="0" smtClean="0" b="0" strike="noStrike">
               <a:latin typeface="맑은 고딕" charset="0"/>
               <a:ea typeface="맑은 고딕" charset="0"/>
             </a:endParaRPr>
@@ -6849,31 +6296,103 @@
         <p:spPr>
           <a:xfrm>
             <a:off x="550545" y="374015"/>
-            <a:ext cx="3754755" cy="780415"/>
+            <a:ext cx="3524885" cy="781050"/>
           </a:xfrm>
         </p:spPr>
         <p:txBody>
-          <a:bodyPr>
+          <a:bodyPr wrap="square" lIns="91440" tIns="45720" rIns="91440" bIns="45720" numCol="1" vert="horz" anchor="ctr">
             <a:noAutofit/>
           </a:bodyPr>
           <a:lstStyle/>
           <a:p>
-            <a:r>
-              <a:rPr lang="en-US" altLang="ko-KR" sz="5000" dirty="0" smtClean="0">
+            <a:pPr marL="0" indent="0" algn="l" fontAlgn="auto" defTabSz="914400">
+              <a:lnSpc>
+                <a:spcPct val="90000"/>
+              </a:lnSpc>
+              <a:spcBef>
+                <a:spcPts val="0"/>
+              </a:spcBef>
+              <a:spcAft>
+                <a:spcPts val="0"/>
+              </a:spcAft>
+              <a:buFontTx/>
+              <a:buNone/>
+            </a:pPr>
+            <a:r>
+              <a:rPr lang="en-US" altLang="ko-KR" sz="5000" cap="none" dirty="0" smtClean="0" b="0" strike="noStrike">
                 <a:solidFill>
                   <a:srgbClr val="00B0F0"/>
                 </a:solidFill>
-                <a:latin typeface="나눔스퀘어 ExtraBold" panose="020B0600000101010101" pitchFamily="50" charset="-127"/>
-                <a:ea typeface="나눔스퀘어 ExtraBold" panose="020B0600000101010101" pitchFamily="50" charset="-127"/>
-              </a:rPr>
-              <a:t>Test Result</a:t>
-            </a:r>
-            <a:endParaRPr lang="ko-KR" altLang="en-US" sz="5000" dirty="0">
+                <a:latin typeface="나눔스퀘어 ExtraBold" charset="0"/>
+                <a:ea typeface="나눔스퀘어 ExtraBold" charset="0"/>
+              </a:rPr>
+              <a:t>Demo</a:t>
+            </a:r>
+            <a:endParaRPr lang="ko-KR" altLang="en-US" sz="5000" cap="none" dirty="0" smtClean="0" b="0" strike="noStrike">
               <a:solidFill>
                 <a:srgbClr val="00B0F0"/>
               </a:solidFill>
-              <a:latin typeface="나눔스퀘어 ExtraBold" panose="020B0600000101010101" pitchFamily="50" charset="-127"/>
-              <a:ea typeface="나눔스퀘어 ExtraBold" panose="020B0600000101010101" pitchFamily="50" charset="-127"/>
+              <a:latin typeface="나눔스퀘어 ExtraBold" charset="0"/>
+              <a:ea typeface="나눔스퀘어 ExtraBold" charset="0"/>
+            </a:endParaRPr>
+          </a:p>
+        </p:txBody>
+      </p:sp>
+      <p:sp>
+        <p:nvSpPr>
+          <p:cNvPr id="5" name="텍스트 상자 4"/>
+          <p:cNvSpPr txBox="1">
+            <a:spLocks/>
+          </p:cNvSpPr>
+          <p:nvPr/>
+        </p:nvSpPr>
+        <p:spPr>
+          <a:xfrm rot="0">
+            <a:off x="4796790" y="2652395"/>
+            <a:ext cx="2572385" cy="1569720"/>
+          </a:xfrm>
+          <a:prstGeom prst="rect"/>
+          <a:noFill/>
+          <a:ln w="0">
+            <a:noFill/>
+            <a:prstDash/>
+          </a:ln>
+        </p:spPr>
+        <p:txBody>
+          <a:bodyPr wrap="square" lIns="89535" tIns="46355" rIns="89535" bIns="46355" vert="horz" anchor="t">
+            <a:spAutoFit/>
+          </a:bodyPr>
+          <a:lstStyle/>
+          <a:p>
+            <a:pPr marL="0" indent="0" algn="l" fontAlgn="auto" defTabSz="508000">
+              <a:lnSpc>
+                <a:spcPct val="100000"/>
+              </a:lnSpc>
+              <a:spcBef>
+                <a:spcPts val="0"/>
+              </a:spcBef>
+              <a:spcAft>
+                <a:spcPts val="0"/>
+              </a:spcAft>
+              <a:buFontTx/>
+              <a:buNone/>
+            </a:pPr>
+            <a:r>
+              <a:rPr lang="en-US" altLang="ko-KR" sz="9600" cap="none" dirty="0" smtClean="0" b="0" strike="noStrike">
+                <a:solidFill>
+                  <a:schemeClr val="bg1"/>
+                </a:solidFill>
+                <a:latin typeface="나눔스퀘어 ExtraBold" charset="0"/>
+                <a:ea typeface="나눔스퀘어 ExtraBold" charset="0"/>
+              </a:rPr>
+              <a:t>시연</a:t>
+            </a:r>
+            <a:endParaRPr lang="ko-KR" altLang="en-US" sz="9600" cap="none" dirty="0" smtClean="0" b="0" strike="noStrike">
+              <a:solidFill>
+                <a:schemeClr val="bg1"/>
+              </a:solidFill>
+              <a:latin typeface="나눔스퀘어 ExtraBold" charset="0"/>
+              <a:ea typeface="나눔스퀘어 ExtraBold" charset="0"/>
             </a:endParaRPr>
           </a:p>
         </p:txBody>
@@ -6881,18 +6400,18 @@
     </p:spTree>
     <p:extLst>
       <p:ext uri="{BB962C8B-B14F-4D97-AF65-F5344CB8AC3E}">
-        <p14:creationId xmlns:p14="http://schemas.microsoft.com/office/powerpoint/2010/main" val="457471856"/>
+        <p14:creationId xmlns:p14="http://schemas.microsoft.com/office/powerpoint/2010/main" val="2570249122"/>
       </p:ext>
     </p:extLst>
   </p:cSld>
   <p:clrMapOvr>
     <a:masterClrMapping/>
   </p:clrMapOvr>
-  <mc:AlternateContent xmlns:mc="http://schemas.openxmlformats.org/markup-compatibility/2006" xmlns:p14="http://schemas.microsoft.com/office/powerpoint/2010/main">
-    <mc:Choice Requires="p14">
+  <mc:AlternateContent xmlns:mc="http://schemas.openxmlformats.org/markup-compatibility/2006">
+    <mc:Choice xmlns:p14="http://schemas.microsoft.com/office/powerpoint/2010/main" Requires="p14">
       <p:transition spd="slow" p14:dur="2000"/>
     </mc:Choice>
-    <mc:Fallback xmlns="">
+    <mc:Fallback>
       <p:transition spd="slow"/>
     </mc:Fallback>
   </mc:AlternateContent>

--- a/VoidPrinter.pptx
+++ b/VoidPrinter.pptx
@@ -2,17 +2,18 @@
 <file path=ppt/presentation.xml><?xml version="1.0" encoding="utf-8"?>
 <p:presentation xmlns:a="http://schemas.openxmlformats.org/drawingml/2006/main" xmlns:r="http://schemas.openxmlformats.org/officeDocument/2006/relationships" xmlns:p="http://schemas.openxmlformats.org/presentationml/2006/main" xmlns:p14="http://schemas.microsoft.com/office/powerpoint/2010/main" embedTrueTypeFonts="1" saveSubsetFonts="1">
   <p:sldMasterIdLst>
-    <p:sldMasterId id="2147483663" r:id="rId20"/>
+    <p:sldMasterId id="2147483666" r:id="rId20"/>
   </p:sldMasterIdLst>
   <p:sldIdLst>
     <p:sldId id="256" r:id="rId22"/>
     <p:sldId id="260" r:id="rId23"/>
     <p:sldId id="258" r:id="rId24"/>
     <p:sldId id="261" r:id="rId25"/>
-    <p:sldId id="267" r:id="rId26"/>
+    <p:sldId id="274" r:id="rId26"/>
     <p:sldId id="268" r:id="rId27"/>
     <p:sldId id="270" r:id="rId28"/>
-    <p:sldId id="272" r:id="rId29"/>
+    <p:sldId id="273" r:id="rId29"/>
+    <p:sldId id="272" r:id="rId30"/>
   </p:sldIdLst>
   <p:sldSz cx="12192000" cy="6858000"/>
   <p:notesSz cx="6858000" cy="9144000"/>
@@ -2981,7 +2982,7 @@
 </file>
 
 <file path=ppt/slides/slide1.xml><?xml version="1.0" encoding="utf-8"?>
-<p:sld xmlns:a="http://schemas.openxmlformats.org/drawingml/2006/main" xmlns:r="http://schemas.openxmlformats.org/officeDocument/2006/relationships" xmlns:p="http://schemas.openxmlformats.org/presentationml/2006/main">
+<p:sld xmlns:a="http://schemas.openxmlformats.org/drawingml/2006/main" xmlns:r="http://schemas.openxmlformats.org/officeDocument/2006/relationships" xmlns:p="http://schemas.openxmlformats.org/presentationml/2006/main" xmlns:p14="http://schemas.microsoft.com/office/powerpoint/2010/main">
   <p:cSld>
     <p:spTree>
       <p:nvGrpSpPr>
@@ -3229,11 +3230,11 @@
   <p:clrMapOvr>
     <a:masterClrMapping/>
   </p:clrMapOvr>
-  <mc:AlternateContent xmlns:mc="http://schemas.openxmlformats.org/markup-compatibility/2006" xmlns:p14="http://schemas.microsoft.com/office/powerpoint/2010/main">
-    <mc:Choice Requires="p14">
+  <mc:AlternateContent xmlns:mc="http://schemas.openxmlformats.org/markup-compatibility/2006">
+    <mc:Choice xmlns:p14="http://schemas.microsoft.com/office/powerpoint/2010/main" Requires="p14">
       <p:transition spd="slow" p14:dur="2000"/>
     </mc:Choice>
-    <mc:Fallback xmlns="">
+    <mc:Fallback>
       <p:transition spd="slow"/>
     </mc:Fallback>
   </mc:AlternateContent>
@@ -3557,7 +3558,7 @@
 </file>
 
 <file path=ppt/slides/slide3.xml><?xml version="1.0" encoding="utf-8"?>
-<p:sld xmlns:a="http://schemas.openxmlformats.org/drawingml/2006/main" xmlns:r="http://schemas.openxmlformats.org/officeDocument/2006/relationships" xmlns:p="http://schemas.openxmlformats.org/presentationml/2006/main">
+<p:sld xmlns:a="http://schemas.openxmlformats.org/drawingml/2006/main" xmlns:r="http://schemas.openxmlformats.org/officeDocument/2006/relationships" xmlns:p="http://schemas.openxmlformats.org/presentationml/2006/main" xmlns:p14="http://schemas.microsoft.com/office/powerpoint/2010/main">
   <p:cSld>
     <p:spTree>
       <p:nvGrpSpPr>
@@ -3900,11 +3901,11 @@
   <p:clrMapOvr>
     <a:masterClrMapping/>
   </p:clrMapOvr>
-  <mc:AlternateContent xmlns:mc="http://schemas.openxmlformats.org/markup-compatibility/2006" xmlns:p14="http://schemas.microsoft.com/office/powerpoint/2010/main">
-    <mc:Choice Requires="p14">
+  <mc:AlternateContent xmlns:mc="http://schemas.openxmlformats.org/markup-compatibility/2006">
+    <mc:Choice xmlns:p14="http://schemas.microsoft.com/office/powerpoint/2010/main" Requires="p14">
       <p:transition spd="slow" p14:dur="2000"/>
     </mc:Choice>
-    <mc:Fallback xmlns="">
+    <mc:Fallback>
       <p:transition spd="slow"/>
     </mc:Fallback>
   </mc:AlternateContent>
@@ -4120,7 +4121,7 @@
 </file>
 
 <file path=ppt/slides/slide5.xml><?xml version="1.0" encoding="utf-8"?>
-<p:sld xmlns:a="http://schemas.openxmlformats.org/drawingml/2006/main" xmlns:r="http://schemas.openxmlformats.org/officeDocument/2006/relationships" xmlns:p="http://schemas.openxmlformats.org/presentationml/2006/main">
+<p:sld xmlns:a="http://schemas.openxmlformats.org/drawingml/2006/main" xmlns:r="http://schemas.openxmlformats.org/officeDocument/2006/relationships" xmlns:p="http://schemas.openxmlformats.org/presentationml/2006/main" show="0">
   <p:cSld>
     <p:spTree>
       <p:nvGrpSpPr>
@@ -4147,11 +4148,9 @@
         <p:spPr>
           <a:xfrm rot="20460000">
             <a:off x="-1256665" y="432435"/>
-            <a:ext cx="15235555" cy="7983855"/>
+            <a:ext cx="15236190" cy="7984490"/>
           </a:xfrm>
-          <a:prstGeom prst="rect">
-            <a:avLst/>
-          </a:prstGeom>
+          <a:prstGeom prst="rect"/>
           <a:solidFill>
             <a:srgbClr val="00B0F0"/>
           </a:solidFill>
@@ -4181,12 +4180,12 @@
           </a:fontRef>
         </p:style>
         <p:txBody>
-          <a:bodyPr vert="horz" wrap="square" lIns="91440" tIns="45720" rIns="91440" bIns="45720" numCol="1" anchor="ctr">
+          <a:bodyPr wrap="square" lIns="91440" tIns="45720" rIns="91440" bIns="45720" vert="horz" anchor="ctr">
             <a:noAutofit/>
           </a:bodyPr>
           <a:lstStyle/>
           <a:p>
-            <a:pPr marL="0" indent="0" algn="ctr" defTabSz="914400" eaLnBrk="0" fontAlgn="auto">
+            <a:pPr marL="0" indent="0" algn="ctr" fontAlgn="auto" defTabSz="914400" eaLnBrk="0">
               <a:lnSpc>
                 <a:spcPct val="100000"/>
               </a:lnSpc>
@@ -4199,7 +4198,7 @@
               <a:buFontTx/>
               <a:buNone/>
             </a:pPr>
-            <a:endParaRPr lang="ko-KR" altLang="en-US" sz="1800" b="0" strike="noStrike" cap="none" dirty="0" smtClean="0">
+            <a:endParaRPr lang="ko-KR" altLang="en-US" sz="1800" cap="none" dirty="0" smtClean="0" b="0" strike="noStrike">
               <a:latin typeface="맑은 고딕" charset="0"/>
               <a:ea typeface="맑은 고딕" charset="0"/>
             </a:endParaRPr>
@@ -4208,52 +4207,66 @@
       </p:sp>
       <p:sp>
         <p:nvSpPr>
-          <p:cNvPr id="2" name="제목 1"/>
-          <p:cNvSpPr>
-            <a:spLocks noGrp="1"/>
+          <p:cNvPr id="2" name="텍스트 개체 틀 1"/>
+          <p:cNvSpPr txBox="1">
+            <a:spLocks/>
           </p:cNvSpPr>
           <p:nvPr>
             <p:ph type="title"/>
           </p:nvPr>
         </p:nvSpPr>
         <p:spPr>
-          <a:xfrm>
+          <a:xfrm rot="0">
             <a:off x="550545" y="374015"/>
-            <a:ext cx="4003675" cy="780415"/>
+            <a:ext cx="4004310" cy="781050"/>
           </a:xfrm>
+          <a:prstGeom prst="rect"/>
         </p:spPr>
         <p:txBody>
-          <a:bodyPr>
-            <a:normAutofit fontScale="90000"/>
+          <a:bodyPr wrap="square" lIns="91440" tIns="45720" rIns="91440" bIns="45720" vert="horz" anchor="ctr">
+            <a:normAutofit fontScale="90000" lnSpcReduction="0"/>
           </a:bodyPr>
           <a:lstStyle/>
           <a:p>
-            <a:r>
-              <a:rPr lang="en-US" altLang="ko-KR" sz="5000" dirty="0" smtClean="0">
+            <a:pPr marL="0" indent="0" algn="l" fontAlgn="auto" defTabSz="914400">
+              <a:lnSpc>
+                <a:spcPct val="90000"/>
+              </a:lnSpc>
+              <a:spcBef>
+                <a:spcPts val="0"/>
+              </a:spcBef>
+              <a:spcAft>
+                <a:spcPts val="0"/>
+              </a:spcAft>
+              <a:buFontTx/>
+              <a:buNone/>
+            </a:pPr>
+            <a:r>
+              <a:rPr lang="en-US" altLang="ko-KR" sz="5000" cap="none" dirty="0" smtClean="0" b="0" strike="noStrike">
                 <a:solidFill>
                   <a:srgbClr val="00B0F0"/>
                 </a:solidFill>
-                <a:latin typeface="Starcraft" panose="04020500000000000000" pitchFamily="82" charset="0"/>
-                <a:ea typeface="나눔스퀘어 ExtraBold" panose="020B0600000101010101" pitchFamily="50" charset="-127"/>
+                <a:latin typeface="Starcraft" charset="0"/>
+                <a:ea typeface="Starcraft" charset="0"/>
               </a:rPr>
               <a:t>USA</a:t>
             </a:r>
             <a:r>
-              <a:rPr lang="en-US" altLang="ko-KR" sz="5000" dirty="0" smtClean="0">
+              <a:rPr lang="en-US" altLang="ko-KR" sz="5000" cap="none" dirty="0" smtClean="0" b="0" strike="noStrike">
                 <a:solidFill>
                   <a:srgbClr val="00B0F0"/>
                 </a:solidFill>
-                <a:latin typeface="나눔스퀘어 ExtraBold" panose="020B0600000101010101" pitchFamily="50" charset="-127"/>
-                <a:ea typeface="나눔스퀘어 ExtraBold" panose="020B0600000101010101" pitchFamily="50" charset="-127"/>
+                <a:latin typeface="나눔스퀘어 ExtraBold" charset="0"/>
+                <a:ea typeface="나눔스퀘어 ExtraBold" charset="0"/>
               </a:rPr>
               <a:t> Project</a:t>
             </a:r>
-            <a:endParaRPr lang="ko-KR" altLang="en-US" sz="5000" dirty="0">
+            <a:endParaRPr lang="ko-KR" altLang="en-US" sz="5000" cap="none" dirty="0" smtClean="0" b="0" strike="noStrike">
               <a:solidFill>
                 <a:srgbClr val="00B0F0"/>
               </a:solidFill>
-              <a:latin typeface="나눔스퀘어 ExtraBold" panose="020B0600000101010101" pitchFamily="50" charset="-127"/>
-              <a:ea typeface="나눔스퀘어 ExtraBold" panose="020B0600000101010101" pitchFamily="50" charset="-127"/>
+              <a:latin typeface="나눔스퀘어 ExtraBold" charset="0"/>
+              <a:ea typeface="나눔스퀘어 ExtraBold" charset="0"/>
             </a:endParaRPr>
           </a:p>
         </p:txBody>
@@ -4262,74 +4275,57 @@
         <p:nvSpPr>
           <p:cNvPr id="3" name="Rectangle 2"/>
           <p:cNvSpPr>
-            <a:spLocks noChangeArrowheads="1"/>
+            <a:spLocks/>
           </p:cNvSpPr>
           <p:nvPr/>
         </p:nvSpPr>
         <p:spPr bwMode="auto">
-          <a:xfrm>
+          <a:xfrm rot="0">
             <a:off x="-1773555" y="748030"/>
-            <a:ext cx="19718020" cy="720725"/>
+            <a:ext cx="19718655" cy="721360"/>
           </a:xfrm>
-          <a:prstGeom prst="rect">
-            <a:avLst/>
-          </a:prstGeom>
+          <a:prstGeom prst="rect"/>
           <a:noFill/>
-          <a:ln>
+          <a:ln w="0">
             <a:noFill/>
+            <a:prstDash/>
           </a:ln>
-          <a:effectLst/>
-          <a:extLst>
-            <a:ext uri="{909E8E84-426E-40DD-AFC4-6F175D3DCCD1}">
-              <a14:hiddenFill xmlns:a14="http://schemas.microsoft.com/office/drawing/2010/main">
-                <a:solidFill>
-                  <a:schemeClr val="accent1"/>
-                </a:solidFill>
-              </a14:hiddenFill>
-            </a:ext>
-            <a:ext uri="{91240B29-F687-4F45-9708-019B960494DF}">
-              <a14:hiddenLine xmlns:a14="http://schemas.microsoft.com/office/drawing/2010/main" w="9525">
-                <a:solidFill>
-                  <a:schemeClr val="tx1"/>
-                </a:solidFill>
-                <a:miter lim="800000"/>
-                <a:headEnd/>
-                <a:tailEnd/>
-              </a14:hiddenLine>
-            </a:ext>
-            <a:ext uri="{AF507438-7753-43E0-B8FC-AC1667EBCBE1}">
-              <a14:hiddenEffects xmlns:a14="http://schemas.microsoft.com/office/drawing/2010/main">
-                <a:effectLst>
-                  <a:outerShdw dist="35921" dir="2700000" algn="ctr" rotWithShape="0">
-                    <a:schemeClr val="bg2"/>
-                  </a:outerShdw>
-                </a:effectLst>
-              </a14:hiddenEffects>
-            </a:ext>
-          </a:extLst>
         </p:spPr>
         <p:txBody>
-          <a:bodyPr vert="horz" wrap="square" lIns="91440" tIns="45720" rIns="91440" bIns="45720" numCol="1" anchor="ctr" anchorCtr="0" compatLnSpc="1">
-            <a:prstTxWarp prst="textNoShape">
-              <a:avLst/>
-            </a:prstTxWarp>
+          <a:bodyPr wrap="square" lIns="91440" tIns="45720" rIns="91440" bIns="45720" vert="horz" anchor="ctr">
             <a:spAutoFit/>
           </a:bodyPr>
           <a:lstStyle/>
           <a:p>
-            <a:endParaRPr lang="ko-KR" altLang="en-US"/>
+            <a:pPr marL="0" indent="0" algn="l" fontAlgn="auto" defTabSz="914400" eaLnBrk="0">
+              <a:lnSpc>
+                <a:spcPct val="100000"/>
+              </a:lnSpc>
+              <a:spcBef>
+                <a:spcPts val="0"/>
+              </a:spcBef>
+              <a:spcAft>
+                <a:spcPts val="0"/>
+              </a:spcAft>
+              <a:buFontTx/>
+              <a:buNone/>
+            </a:pPr>
+            <a:endParaRPr lang="ko-KR" altLang="en-US" sz="1800" cap="none" dirty="0" smtClean="0" b="0" strike="noStrike">
+              <a:latin typeface="맑은 고딕" charset="0"/>
+              <a:ea typeface="맑은 고딕" charset="0"/>
+            </a:endParaRPr>
           </a:p>
         </p:txBody>
       </p:sp>
       <p:pic>
         <p:nvPicPr>
-          <p:cNvPr id="1025" name="_x323561040"/>
+          <p:cNvPr id="1025" name="_x323561040" descr="C:/Users/KMG/AppData/Roaming/PolarisOffice/ETemp/18836_16455400/image8.png"/>
           <p:cNvPicPr>
-            <a:picLocks noChangeAspect="1" noChangeArrowheads="1"/>
+            <a:picLocks noChangeAspect="1"/>
           </p:cNvPicPr>
           <p:nvPr/>
         </p:nvPicPr>
-        <p:blipFill>
+        <p:blipFill rotWithShape="1">
           <a:blip r:embed="rId2">
             <a:extLst>
               <a:ext uri="{28A0092B-C50C-407E-A947-70E740481C1C}">
@@ -4343,175 +4339,242 @@
           </a:stretch>
         </p:blipFill>
         <p:spPr bwMode="auto">
-          <a:xfrm>
+          <a:xfrm rot="0">
             <a:off x="1009650" y="2002790"/>
-            <a:ext cx="3446145" cy="3061335"/>
+            <a:ext cx="3446780" cy="3061970"/>
           </a:xfrm>
-          <a:prstGeom prst="rect">
-            <a:avLst/>
-          </a:prstGeom>
+          <a:prstGeom prst="rect"/>
           <a:noFill/>
-          <a:extLst>
-            <a:ext uri="{909E8E84-426E-40DD-AFC4-6F175D3DCCD1}">
-              <a14:hiddenFill xmlns:a14="http://schemas.microsoft.com/office/drawing/2010/main">
-                <a:solidFill>
-                  <a:srgbClr val="FFFFFF"/>
-                </a:solidFill>
-              </a14:hiddenFill>
-            </a:ext>
-          </a:extLst>
         </p:spPr>
       </p:pic>
       <p:sp>
         <p:nvSpPr>
           <p:cNvPr id="5" name="TextBox 4"/>
-          <p:cNvSpPr txBox="1"/>
+          <p:cNvSpPr txBox="1">
+            <a:spLocks/>
+          </p:cNvSpPr>
           <p:nvPr/>
         </p:nvSpPr>
         <p:spPr>
-          <a:xfrm>
-            <a:off x="4956772" y="4112759"/>
-            <a:ext cx="5174780" cy="2031325"/>
+          <a:xfrm rot="0">
+            <a:off x="4956810" y="4112895"/>
+            <a:ext cx="5175250" cy="2032000"/>
           </a:xfrm>
-          <a:prstGeom prst="rect">
-            <a:avLst/>
-          </a:prstGeom>
+          <a:prstGeom prst="rect"/>
           <a:noFill/>
         </p:spPr>
         <p:txBody>
-          <a:bodyPr wrap="square" rtlCol="0">
+          <a:bodyPr wrap="square" lIns="91440" tIns="45720" rIns="91440" bIns="45720" vert="horz" anchor="t">
             <a:spAutoFit/>
           </a:bodyPr>
           <a:lstStyle/>
           <a:p>
-            <a:r>
-              <a:rPr lang="ko-KR" altLang="en-US" dirty="0" smtClean="0">
-                <a:latin typeface="나눔바른고딕" panose="020B0603020101020101" pitchFamily="50" charset="-127"/>
-                <a:ea typeface="나눔바른고딕" panose="020B0603020101020101" pitchFamily="50" charset="-127"/>
+            <a:pPr marL="0" indent="0" algn="l" fontAlgn="auto" defTabSz="914400" eaLnBrk="0">
+              <a:lnSpc>
+                <a:spcPct val="100000"/>
+              </a:lnSpc>
+              <a:spcBef>
+                <a:spcPts val="0"/>
+              </a:spcBef>
+              <a:spcAft>
+                <a:spcPts val="0"/>
+              </a:spcAft>
+              <a:buFontTx/>
+              <a:buNone/>
+            </a:pPr>
+            <a:r>
+              <a:rPr lang="en-US" altLang="ko-KR" sz="1800" cap="none" dirty="0" smtClean="0" b="0" strike="noStrike">
+                <a:latin typeface="나눔바른고딕" charset="0"/>
+                <a:ea typeface="나눔바른고딕" charset="0"/>
               </a:rPr>
-              <a:t>손가락의 끝과 손가락 </a:t>
-            </a:r>
-            <a:r>
-              <a:rPr lang="ko-KR" altLang="en-US" dirty="0" smtClean="0">
-                <a:latin typeface="나눔바른고딕" panose="020B0603020101020101" pitchFamily="50" charset="-127"/>
-                <a:ea typeface="나눔바른고딕" panose="020B0603020101020101" pitchFamily="50" charset="-127"/>
-              </a:rPr>
-              <a:t>사이 들어간 지점을  구하여 손을 판단하는 프로젝트</a:t>
-            </a:r>
-            <a:endParaRPr lang="en-US" altLang="ko-KR" dirty="0" smtClean="0">
-              <a:latin typeface="나눔바른고딕" panose="020B0603020101020101" pitchFamily="50" charset="-127"/>
-              <a:ea typeface="나눔바른고딕" panose="020B0603020101020101" pitchFamily="50" charset="-127"/>
+              <a:t>손가락의 끝과 손가락 사이 들어간 지점을  구하여 손을 판단하는 프로젝트</a:t>
+            </a:r>
+            <a:endParaRPr lang="ko-KR" altLang="en-US" sz="1800" cap="none" dirty="0" smtClean="0" b="0" strike="noStrike">
+              <a:latin typeface="나눔바른고딕" charset="0"/>
+              <a:ea typeface="나눔바른고딕" charset="0"/>
             </a:endParaRPr>
           </a:p>
           <a:p>
-            <a:endParaRPr lang="en-US" altLang="ko-KR" dirty="0">
-              <a:latin typeface="나눔바른고딕" panose="020B0603020101020101" pitchFamily="50" charset="-127"/>
-              <a:ea typeface="나눔바른고딕" panose="020B0603020101020101" pitchFamily="50" charset="-127"/>
+            <a:pPr marL="0" indent="0" algn="l" fontAlgn="auto" defTabSz="914400" eaLnBrk="0">
+              <a:lnSpc>
+                <a:spcPct val="100000"/>
+              </a:lnSpc>
+              <a:spcBef>
+                <a:spcPts val="0"/>
+              </a:spcBef>
+              <a:spcAft>
+                <a:spcPts val="0"/>
+              </a:spcAft>
+              <a:buFontTx/>
+              <a:buNone/>
+            </a:pPr>
+            <a:endParaRPr lang="ko-KR" altLang="en-US" sz="1800" cap="none" dirty="0" smtClean="0" b="0" strike="noStrike">
+              <a:latin typeface="나눔바른고딕" charset="0"/>
+              <a:ea typeface="나눔바른고딕" charset="0"/>
             </a:endParaRPr>
           </a:p>
           <a:p>
-            <a:r>
-              <a:rPr lang="ko-KR" altLang="en-US" dirty="0" smtClean="0">
-                <a:latin typeface="나눔바른고딕" panose="020B0603020101020101" pitchFamily="50" charset="-127"/>
-                <a:ea typeface="나눔바른고딕" panose="020B0603020101020101" pitchFamily="50" charset="-127"/>
+            <a:pPr marL="0" indent="0" algn="l" fontAlgn="auto" defTabSz="914400" eaLnBrk="0">
+              <a:lnSpc>
+                <a:spcPct val="100000"/>
+              </a:lnSpc>
+              <a:spcBef>
+                <a:spcPts val="0"/>
+              </a:spcBef>
+              <a:spcAft>
+                <a:spcPts val="0"/>
+              </a:spcAft>
+              <a:buFontTx/>
+              <a:buNone/>
+            </a:pPr>
+            <a:r>
+              <a:rPr lang="en-US" altLang="ko-KR" sz="1800" cap="none" dirty="0" smtClean="0" b="0" strike="noStrike">
+                <a:latin typeface="나눔바른고딕" charset="0"/>
+                <a:ea typeface="나눔바른고딕" charset="0"/>
               </a:rPr>
               <a:t>처음에 손을 학습시키고 손을 검출하는 방식</a:t>
             </a:r>
-            <a:endParaRPr lang="en-US" altLang="ko-KR" dirty="0" smtClean="0">
-              <a:latin typeface="나눔바른고딕" panose="020B0603020101020101" pitchFamily="50" charset="-127"/>
-              <a:ea typeface="나눔바른고딕" panose="020B0603020101020101" pitchFamily="50" charset="-127"/>
+            <a:endParaRPr lang="ko-KR" altLang="en-US" sz="1800" cap="none" dirty="0" smtClean="0" b="0" strike="noStrike">
+              <a:latin typeface="나눔바른고딕" charset="0"/>
+              <a:ea typeface="나눔바른고딕" charset="0"/>
             </a:endParaRPr>
           </a:p>
           <a:p>
-            <a:endParaRPr lang="en-US" altLang="ko-KR" dirty="0">
-              <a:latin typeface="나눔바른고딕" panose="020B0603020101020101" pitchFamily="50" charset="-127"/>
-              <a:ea typeface="나눔바른고딕" panose="020B0603020101020101" pitchFamily="50" charset="-127"/>
+            <a:pPr marL="0" indent="0" algn="l" fontAlgn="auto" defTabSz="914400" eaLnBrk="0">
+              <a:lnSpc>
+                <a:spcPct val="100000"/>
+              </a:lnSpc>
+              <a:spcBef>
+                <a:spcPts val="0"/>
+              </a:spcBef>
+              <a:spcAft>
+                <a:spcPts val="0"/>
+              </a:spcAft>
+              <a:buFontTx/>
+              <a:buNone/>
+            </a:pPr>
+            <a:endParaRPr lang="ko-KR" altLang="en-US" sz="1800" cap="none" dirty="0" smtClean="0" b="0" strike="noStrike">
+              <a:latin typeface="나눔바른고딕" charset="0"/>
+              <a:ea typeface="나눔바른고딕" charset="0"/>
             </a:endParaRPr>
           </a:p>
           <a:p>
-            <a:r>
-              <a:rPr lang="ko-KR" altLang="en-US" dirty="0" smtClean="0">
-                <a:latin typeface="나눔바른고딕" panose="020B0603020101020101" pitchFamily="50" charset="-127"/>
-                <a:ea typeface="나눔바른고딕" panose="020B0603020101020101" pitchFamily="50" charset="-127"/>
+            <a:pPr marL="0" indent="0" algn="l" fontAlgn="auto" defTabSz="914400" eaLnBrk="0">
+              <a:lnSpc>
+                <a:spcPct val="100000"/>
+              </a:lnSpc>
+              <a:spcBef>
+                <a:spcPts val="0"/>
+              </a:spcBef>
+              <a:spcAft>
+                <a:spcPts val="0"/>
+              </a:spcAft>
+              <a:buFontTx/>
+              <a:buNone/>
+            </a:pPr>
+            <a:r>
+              <a:rPr lang="en-US" altLang="ko-KR" sz="1800" cap="none" dirty="0" smtClean="0" b="0" strike="noStrike">
+                <a:latin typeface="나눔바른고딕" charset="0"/>
+                <a:ea typeface="나눔바른고딕" charset="0"/>
               </a:rPr>
               <a:t>손가락 사이와 손 끝의 각도를 계산해서 손 여부를 판단</a:t>
             </a:r>
-            <a:endParaRPr lang="en-US" altLang="ko-KR" dirty="0" smtClean="0">
-              <a:latin typeface="나눔바른고딕" panose="020B0603020101020101" pitchFamily="50" charset="-127"/>
-              <a:ea typeface="나눔바른고딕" panose="020B0603020101020101" pitchFamily="50" charset="-127"/>
+            <a:endParaRPr lang="ko-KR" altLang="en-US" sz="1800" cap="none" dirty="0" smtClean="0" b="0" strike="noStrike">
+              <a:latin typeface="나눔바른고딕" charset="0"/>
+              <a:ea typeface="나눔바른고딕" charset="0"/>
             </a:endParaRPr>
           </a:p>
           <a:p>
-            <a:endParaRPr lang="ko-KR" altLang="en-US" dirty="0">
-              <a:latin typeface="나눔바른고딕" panose="020B0603020101020101" pitchFamily="50" charset="-127"/>
-              <a:ea typeface="나눔바른고딕" panose="020B0603020101020101" pitchFamily="50" charset="-127"/>
+            <a:pPr marL="0" indent="0" algn="l" fontAlgn="auto" defTabSz="914400" eaLnBrk="0">
+              <a:lnSpc>
+                <a:spcPct val="100000"/>
+              </a:lnSpc>
+              <a:spcBef>
+                <a:spcPts val="0"/>
+              </a:spcBef>
+              <a:spcAft>
+                <a:spcPts val="0"/>
+              </a:spcAft>
+              <a:buFontTx/>
+              <a:buNone/>
+            </a:pPr>
+            <a:endParaRPr lang="ko-KR" altLang="en-US" sz="1800" cap="none" dirty="0" smtClean="0" b="0" strike="noStrike">
+              <a:latin typeface="나눔바른고딕" charset="0"/>
+              <a:ea typeface="나눔바른고딕" charset="0"/>
             </a:endParaRPr>
           </a:p>
         </p:txBody>
       </p:sp>
       <p:pic>
         <p:nvPicPr>
-          <p:cNvPr id="6" name="그림 5"/>
+          <p:cNvPr id="6" name="그림 5" descr="C:/Users/KMG/AppData/Roaming/PolarisOffice/ETemp/18836_16455400/image9.png"/>
           <p:cNvPicPr>
             <a:picLocks noChangeAspect="1"/>
           </p:cNvPicPr>
           <p:nvPr/>
         </p:nvPicPr>
-        <p:blipFill>
-          <a:blip r:embed="rId3"/>
+        <p:blipFill rotWithShape="1">
+          <a:blip r:embed="rId3">
+            <a:extLst>
+              <a:ext uri="{28A0092B-C50C-407E-A947-70E740481C1C}">
+                <a14:useLocalDpi xmlns:a14="http://schemas.microsoft.com/office/drawing/2010/main" val="0"/>
+              </a:ext>
+            </a:extLst>
+          </a:blip>
+          <a:srcRect/>
           <a:stretch>
             <a:fillRect/>
           </a:stretch>
         </p:blipFill>
         <p:spPr>
-          <a:xfrm>
-            <a:off x="5558116" y="716933"/>
-            <a:ext cx="5720603" cy="3130045"/>
+          <a:xfrm rot="0">
+            <a:off x="5558155" y="716915"/>
+            <a:ext cx="5721350" cy="3130550"/>
           </a:xfrm>
-          <a:prstGeom prst="rect">
-            <a:avLst/>
-          </a:prstGeom>
+          <a:prstGeom prst="rect"/>
+          <a:noFill/>
         </p:spPr>
       </p:pic>
       <p:pic>
         <p:nvPicPr>
-          <p:cNvPr id="7" name="그림 6"/>
+          <p:cNvPr id="7" name="그림 6" descr="C:/Users/KMG/AppData/Roaming/PolarisOffice/ETemp/18836_16455400/image10.png"/>
           <p:cNvPicPr>
             <a:picLocks noChangeAspect="1"/>
           </p:cNvPicPr>
           <p:nvPr/>
         </p:nvPicPr>
-        <p:blipFill>
-          <a:blip r:embed="rId4"/>
+        <p:blipFill rotWithShape="1">
+          <a:blip r:embed="rId4">
+            <a:extLst>
+              <a:ext uri="{28A0092B-C50C-407E-A947-70E740481C1C}">
+                <a14:useLocalDpi xmlns:a14="http://schemas.microsoft.com/office/drawing/2010/main" val="0"/>
+              </a:ext>
+            </a:extLst>
+          </a:blip>
+          <a:srcRect/>
           <a:stretch>
             <a:fillRect/>
           </a:stretch>
         </p:blipFill>
         <p:spPr>
-          <a:xfrm>
-            <a:off x="5323627" y="1021630"/>
-            <a:ext cx="6189580" cy="2511827"/>
+          <a:xfrm rot="0">
+            <a:off x="5323840" y="1021715"/>
+            <a:ext cx="6189980" cy="2512695"/>
           </a:xfrm>
-          <a:prstGeom prst="rect">
-            <a:avLst/>
-          </a:prstGeom>
+          <a:prstGeom prst="rect"/>
+          <a:noFill/>
         </p:spPr>
       </p:pic>
     </p:spTree>
-    <p:extLst>
-      <p:ext uri="{BB962C8B-B14F-4D97-AF65-F5344CB8AC3E}">
-        <p14:creationId xmlns:p14="http://schemas.microsoft.com/office/powerpoint/2010/main" val="2086089211"/>
-      </p:ext>
-    </p:extLst>
   </p:cSld>
   <p:clrMapOvr>
     <a:masterClrMapping/>
   </p:clrMapOvr>
-  <mc:AlternateContent xmlns:mc="http://schemas.openxmlformats.org/markup-compatibility/2006" xmlns:p14="http://schemas.microsoft.com/office/powerpoint/2010/main">
-    <mc:Choice Requires="p14">
+  <mc:AlternateContent xmlns:mc="http://schemas.openxmlformats.org/markup-compatibility/2006">
+    <mc:Choice xmlns:p14="http://schemas.microsoft.com/office/powerpoint/2010/main" Requires="p14">
       <p:transition spd="slow" p14:dur="2000"/>
     </mc:Choice>
-    <mc:Fallback xmlns="">
+    <mc:Fallback>
       <p:transition spd="slow"/>
     </mc:Fallback>
   </mc:AlternateContent>
@@ -4727,8 +4790,8 @@
         </p:nvSpPr>
         <p:spPr>
           <a:xfrm rot="20460000">
-            <a:off x="-2423795" y="-1769745"/>
-            <a:ext cx="15235555" cy="7983855"/>
+            <a:off x="-2345055" y="-1571625"/>
+            <a:ext cx="15235555" cy="8680450"/>
           </a:xfrm>
           <a:prstGeom prst="rect"/>
           <a:solidFill>
@@ -4850,13 +4913,13 @@
       </p:sp>
       <p:pic>
         <p:nvPicPr>
-          <p:cNvPr id="2053" name="_x323575152"/>
+          <p:cNvPr id="2053" name="_x323575152" descr="C:/Users/KMG/AppData/Roaming/PolarisOffice/ETemp/18836_16455400/image11.png"/>
           <p:cNvPicPr>
-            <a:picLocks noChangeAspect="1" noChangeArrowheads="1"/>
+            <a:picLocks noChangeAspect="1"/>
           </p:cNvPicPr>
           <p:nvPr/>
         </p:nvPicPr>
-        <p:blipFill>
+        <p:blipFill rotWithShape="1">
           <a:blip r:embed="rId2">
             <a:extLst>
               <a:ext uri="{28A0092B-C50C-407E-A947-70E740481C1C}">
@@ -4870,23 +4933,12 @@
           </a:stretch>
         </p:blipFill>
         <p:spPr bwMode="auto">
-          <a:xfrm>
-            <a:off x="700405" y="2221865"/>
-            <a:ext cx="5544185" cy="2756535"/>
+          <a:xfrm rot="0">
+            <a:off x="452120" y="1966595"/>
+            <a:ext cx="6116955" cy="3420745"/>
           </a:xfrm>
-          <a:prstGeom prst="rect">
-            <a:avLst/>
-          </a:prstGeom>
+          <a:prstGeom prst="rect"/>
           <a:noFill/>
-          <a:extLst>
-            <a:ext uri="{909E8E84-426E-40DD-AFC4-6F175D3DCCD1}">
-              <a14:hiddenFill xmlns:a14="http://schemas.microsoft.com/office/drawing/2010/main">
-                <a:solidFill>
-                  <a:srgbClr val="FFFFFF"/>
-                </a:solidFill>
-              </a14:hiddenFill>
-            </a:ext>
-          </a:extLst>
         </p:spPr>
       </p:pic>
       <p:sp>
@@ -5123,7 +5175,7 @@
 </file>
 
 <file path=ppt/slides/slide7.xml><?xml version="1.0" encoding="utf-8"?>
-<p:sld xmlns:a="http://schemas.openxmlformats.org/drawingml/2006/main" xmlns:r="http://schemas.openxmlformats.org/officeDocument/2006/relationships" xmlns:p="http://schemas.openxmlformats.org/presentationml/2006/main">
+<p:sld xmlns:a="http://schemas.openxmlformats.org/drawingml/2006/main" xmlns:r="http://schemas.openxmlformats.org/officeDocument/2006/relationships" xmlns:p="http://schemas.openxmlformats.org/presentationml/2006/main" xmlns:p14="http://schemas.microsoft.com/office/powerpoint/2010/main">
   <p:cSld>
     <p:spTree>
       <p:nvGrpSpPr>
@@ -5261,8 +5313,8 @@
         </p:nvSpPr>
         <p:spPr>
           <a:xfrm>
-            <a:off x="2791587" y="1698244"/>
-            <a:ext cx="9288780" cy="5018040"/>
+            <a:off x="2791460" y="1697990"/>
+            <a:ext cx="9289415" cy="5409565"/>
           </a:xfrm>
           <a:prstGeom prst="rect">
             <a:avLst/>
@@ -5274,12 +5326,12 @@
           </a:ln>
         </p:spPr>
         <p:txBody>
-          <a:bodyPr vert="horz" wrap="square" lIns="89535" tIns="46355" rIns="89535" bIns="46355" anchor="t">
+          <a:bodyPr wrap="square" lIns="89535" tIns="46355" rIns="89535" bIns="46355" numCol="1" vert="horz" anchor="t">
             <a:spAutoFit/>
           </a:bodyPr>
           <a:lstStyle/>
           <a:p>
-            <a:pPr marL="0" indent="0" algn="l" defTabSz="508000" fontAlgn="auto">
+            <a:pPr marL="0" indent="0" algn="l" fontAlgn="auto" defTabSz="508000" eaLnBrk="0">
               <a:lnSpc>
                 <a:spcPct val="160000"/>
               </a:lnSpc>
@@ -5293,25 +5345,25 @@
               <a:buNone/>
             </a:pPr>
             <a:r>
-              <a:rPr lang="en-US" altLang="ko-KR" sz="1800" b="1" strike="noStrike" cap="none" dirty="0" smtClean="0">
+              <a:rPr lang="en-US" altLang="ko-KR" sz="1800" cap="none" dirty="0" smtClean="0" b="1" strike="noStrike">
                 <a:solidFill>
                   <a:schemeClr val="bg1"/>
                 </a:solidFill>
-                <a:latin typeface="나눔스퀘어 ExtraBold" panose="020B0600000101010101" pitchFamily="50" charset="-127"/>
-                <a:ea typeface="나눔스퀘어 ExtraBold" panose="020B0600000101010101" pitchFamily="50" charset="-127"/>
+                <a:latin typeface="나눔스퀘어 ExtraBold" charset="0"/>
+                <a:ea typeface="나눔스퀘어 ExtraBold" charset="0"/>
               </a:rPr>
               <a:t>그림을 그리는 도중 시스템이 다운될 경우</a:t>
             </a:r>
-            <a:endParaRPr lang="ko-KR" altLang="en-US" sz="1800" b="1" strike="noStrike" cap="none" dirty="0" smtClean="0">
+            <a:endParaRPr lang="ko-KR" altLang="en-US" sz="1800" cap="none" dirty="0" smtClean="0" b="1" strike="noStrike">
               <a:solidFill>
                 <a:schemeClr val="bg1"/>
               </a:solidFill>
-              <a:latin typeface="나눔스퀘어 ExtraBold" panose="020B0600000101010101" pitchFamily="50" charset="-127"/>
-              <a:ea typeface="나눔스퀘어 ExtraBold" panose="020B0600000101010101" pitchFamily="50" charset="-127"/>
+              <a:latin typeface="나눔스퀘어 ExtraBold" charset="0"/>
+              <a:ea typeface="나눔스퀘어 ExtraBold" charset="0"/>
             </a:endParaRPr>
           </a:p>
           <a:p>
-            <a:pPr marL="0" indent="0" algn="l" defTabSz="508000" fontAlgn="auto">
+            <a:pPr marL="0" indent="0" algn="l" fontAlgn="auto" defTabSz="508000" eaLnBrk="0">
               <a:lnSpc>
                 <a:spcPct val="160000"/>
               </a:lnSpc>
@@ -5325,7 +5377,7 @@
               <a:buNone/>
             </a:pPr>
             <a:r>
-              <a:rPr lang="en-US" altLang="ko-KR" sz="1600" b="0" strike="noStrike" cap="none" dirty="0" smtClean="0">
+              <a:rPr lang="en-US" altLang="ko-KR" sz="1600" cap="none" dirty="0" smtClean="0" b="0" strike="noStrike">
                 <a:solidFill>
                   <a:schemeClr val="bg1"/>
                 </a:solidFill>
@@ -5334,7 +5386,7 @@
               </a:rPr>
               <a:t>저장을 누르면 그림이 저장</a:t>
             </a:r>
-            <a:endParaRPr lang="ko-KR" altLang="en-US" sz="1600" b="0" strike="noStrike" cap="none" dirty="0" smtClean="0">
+            <a:endParaRPr lang="ko-KR" altLang="en-US" sz="1600" cap="none" dirty="0" smtClean="0" b="0" strike="noStrike">
               <a:solidFill>
                 <a:schemeClr val="bg1"/>
               </a:solidFill>
@@ -5343,7 +5395,7 @@
             </a:endParaRPr>
           </a:p>
           <a:p>
-            <a:pPr marL="0" indent="0" algn="l" defTabSz="508000" fontAlgn="auto">
+            <a:pPr marL="0" indent="0" algn="l" fontAlgn="auto" defTabSz="508000" eaLnBrk="0">
               <a:lnSpc>
                 <a:spcPct val="160000"/>
               </a:lnSpc>
@@ -5357,51 +5409,134 @@
               <a:buNone/>
             </a:pPr>
             <a:r>
-              <a:rPr lang="en-US" altLang="ko-KR" sz="1600" b="0" strike="noStrike" cap="none" dirty="0" smtClean="0">
+              <a:rPr lang="en-US" altLang="ko-KR" sz="1600" cap="none" dirty="0" smtClean="0" b="0" strike="noStrike">
                 <a:solidFill>
                   <a:schemeClr val="bg1"/>
                 </a:solidFill>
                 <a:latin typeface="나눔스퀘어" charset="0"/>
                 <a:ea typeface="나눔스퀘어" charset="0"/>
               </a:rPr>
-              <a:t>저장 이후에 알 수 없는 에러로 다운이 되면 그 저장을 불러올 수 </a:t>
-            </a:r>
-            <a:r>
-              <a:rPr lang="en-US" altLang="ko-KR" sz="1600" b="0" strike="noStrike" cap="none" dirty="0" err="1" smtClean="0">
+              <a:t>저장 이후에 알 수 없는 에러로 다운이 되면 그 저장을 불러올 수 있습니다</a:t>
+            </a:r>
+            <a:endParaRPr lang="ko-KR" altLang="en-US" sz="1600" cap="none" dirty="0" smtClean="0" b="0" strike="noStrike">
+              <a:solidFill>
+                <a:schemeClr val="bg1"/>
+              </a:solidFill>
+              <a:latin typeface="나눔스퀘어" charset="0"/>
+              <a:ea typeface="나눔스퀘어" charset="0"/>
+            </a:endParaRPr>
+          </a:p>
+          <a:p>
+            <a:pPr marL="0" indent="0" algn="l" fontAlgn="auto" defTabSz="508000" eaLnBrk="0">
+              <a:lnSpc>
+                <a:spcPct val="160000"/>
+              </a:lnSpc>
+              <a:spcBef>
+                <a:spcPts val="0"/>
+              </a:spcBef>
+              <a:spcAft>
+                <a:spcPts val="0"/>
+              </a:spcAft>
+              <a:buFontTx/>
+              <a:buNone/>
+            </a:pPr>
+            <a:r>
+              <a:rPr lang="en-US" altLang="ko-KR" sz="1600" cap="none" dirty="0" smtClean="0" b="0" strike="noStrike">
                 <a:solidFill>
                   <a:schemeClr val="bg1"/>
                 </a:solidFill>
                 <a:latin typeface="나눔스퀘어" charset="0"/>
                 <a:ea typeface="나눔스퀘어" charset="0"/>
               </a:rPr>
-              <a:t>있습니다</a:t>
-            </a:r>
-            <a:r>
-              <a:rPr lang="en-US" altLang="ko-KR" sz="1600" b="0" strike="noStrike" cap="none" dirty="0" smtClean="0">
+              <a:t>이후 일어나는 저장관련 오류는 책임지지 않음</a:t>
+            </a:r>
+            <a:endParaRPr lang="ko-KR" altLang="en-US" sz="1600" cap="none" dirty="0" smtClean="0" b="0" strike="noStrike">
+              <a:solidFill>
+                <a:schemeClr val="bg1"/>
+              </a:solidFill>
+              <a:latin typeface="나눔스퀘어" charset="0"/>
+              <a:ea typeface="나눔스퀘어" charset="0"/>
+            </a:endParaRPr>
+          </a:p>
+          <a:p>
+            <a:pPr marL="0" indent="0" algn="l" fontAlgn="auto" defTabSz="508000" eaLnBrk="0">
+              <a:lnSpc>
+                <a:spcPct val="160000"/>
+              </a:lnSpc>
+              <a:spcBef>
+                <a:spcPts val="0"/>
+              </a:spcBef>
+              <a:spcAft>
+                <a:spcPts val="0"/>
+              </a:spcAft>
+              <a:buFontTx/>
+              <a:buNone/>
+            </a:pPr>
+            <a:endParaRPr lang="ko-KR" altLang="en-US" sz="1600" cap="none" dirty="0" smtClean="0" b="0" strike="noStrike">
+              <a:solidFill>
+                <a:schemeClr val="bg1"/>
+              </a:solidFill>
+              <a:latin typeface="나눔스퀘어" charset="0"/>
+              <a:ea typeface="나눔스퀘어" charset="0"/>
+            </a:endParaRPr>
+          </a:p>
+          <a:p>
+            <a:pPr marL="0" indent="0" algn="l" fontAlgn="auto" defTabSz="508000" eaLnBrk="0">
+              <a:lnSpc>
+                <a:spcPct val="160000"/>
+              </a:lnSpc>
+              <a:spcBef>
+                <a:spcPts val="0"/>
+              </a:spcBef>
+              <a:spcAft>
+                <a:spcPts val="0"/>
+              </a:spcAft>
+              <a:buFontTx/>
+              <a:buNone/>
+            </a:pPr>
+            <a:r>
+              <a:rPr lang="en-US" altLang="ko-KR" sz="1800" cap="none" dirty="0" smtClean="0" b="1" strike="noStrike">
+                <a:solidFill>
+                  <a:schemeClr val="bg1"/>
+                </a:solidFill>
+                <a:latin typeface="나눔스퀘어 ExtraBold" charset="0"/>
+                <a:ea typeface="나눔스퀘어 ExtraBold" charset="0"/>
+              </a:rPr>
+              <a:t>손가락 말고 다른 것이 인식될 경우</a:t>
+            </a:r>
+            <a:endParaRPr lang="ko-KR" altLang="en-US" sz="1800" cap="none" dirty="0" smtClean="0" b="1" strike="noStrike">
+              <a:solidFill>
+                <a:schemeClr val="bg1"/>
+              </a:solidFill>
+              <a:latin typeface="나눔스퀘어 ExtraBold" charset="0"/>
+              <a:ea typeface="나눔스퀘어 ExtraBold" charset="0"/>
+            </a:endParaRPr>
+          </a:p>
+          <a:p>
+            <a:pPr marL="0" indent="0" algn="l" fontAlgn="auto" defTabSz="508000" eaLnBrk="0">
+              <a:lnSpc>
+                <a:spcPct val="160000"/>
+              </a:lnSpc>
+              <a:spcBef>
+                <a:spcPts val="0"/>
+              </a:spcBef>
+              <a:spcAft>
+                <a:spcPts val="0"/>
+              </a:spcAft>
+              <a:buFontTx/>
+              <a:buNone/>
+            </a:pPr>
+            <a:r>
+              <a:rPr lang="en-US" altLang="ko-KR" sz="1600" cap="none" dirty="0" smtClean="0" b="0" strike="noStrike">
                 <a:solidFill>
                   <a:schemeClr val="bg1"/>
                 </a:solidFill>
                 <a:latin typeface="나눔스퀘어" charset="0"/>
                 <a:ea typeface="나눔스퀘어" charset="0"/>
               </a:rPr>
-              <a:t>.</a:t>
-            </a:r>
-          </a:p>
-          <a:p>
-            <a:pPr marL="0" indent="0" algn="l" defTabSz="508000" fontAlgn="auto">
-              <a:lnSpc>
-                <a:spcPct val="160000"/>
-              </a:lnSpc>
-              <a:spcBef>
-                <a:spcPts val="0"/>
-              </a:spcBef>
-              <a:spcAft>
-                <a:spcPts val="0"/>
-              </a:spcAft>
-              <a:buFontTx/>
-              <a:buNone/>
-            </a:pPr>
-            <a:endParaRPr lang="ko-KR" altLang="en-US" sz="1600" b="0" strike="noStrike" cap="none" dirty="0" smtClean="0">
+              <a:t>손가락 주변에서 지속적으로 RoI를 생성해 인식함으로 다른 것이 검출될 확률은 낮습니다.</a:t>
+            </a:r>
+            <a:endParaRPr lang="ko-KR" altLang="en-US" sz="1600" cap="none" dirty="0" smtClean="0" b="0" strike="noStrike">
               <a:solidFill>
                 <a:schemeClr val="bg1"/>
               </a:solidFill>
@@ -5410,7 +5545,7 @@
             </a:endParaRPr>
           </a:p>
           <a:p>
-            <a:pPr marL="0" indent="0" algn="l" defTabSz="508000" fontAlgn="auto">
+            <a:pPr marL="0" indent="0" algn="l" fontAlgn="auto" defTabSz="508000" eaLnBrk="0">
               <a:lnSpc>
                 <a:spcPct val="160000"/>
               </a:lnSpc>
@@ -5424,258 +5559,16 @@
               <a:buNone/>
             </a:pPr>
             <a:r>
-              <a:rPr lang="en-US" altLang="ko-KR" sz="1800" b="1" strike="noStrike" cap="none" dirty="0" smtClean="0">
-                <a:solidFill>
-                  <a:schemeClr val="bg1"/>
-                </a:solidFill>
-                <a:latin typeface="나눔스퀘어 ExtraBold" panose="020B0600000101010101" pitchFamily="50" charset="-127"/>
-                <a:ea typeface="나눔스퀘어 ExtraBold" panose="020B0600000101010101" pitchFamily="50" charset="-127"/>
-              </a:rPr>
-              <a:t>손가락 말고 다른 것이 인식될 경우</a:t>
-            </a:r>
-            <a:endParaRPr lang="ko-KR" altLang="en-US" sz="1800" b="1" strike="noStrike" cap="none" dirty="0" smtClean="0">
-              <a:solidFill>
-                <a:schemeClr val="bg1"/>
-              </a:solidFill>
-              <a:latin typeface="나눔스퀘어 ExtraBold" panose="020B0600000101010101" pitchFamily="50" charset="-127"/>
-              <a:ea typeface="나눔스퀘어 ExtraBold" panose="020B0600000101010101" pitchFamily="50" charset="-127"/>
-            </a:endParaRPr>
-          </a:p>
-          <a:p>
-            <a:pPr marL="0" indent="0" algn="l" defTabSz="508000" fontAlgn="auto">
-              <a:lnSpc>
-                <a:spcPct val="160000"/>
-              </a:lnSpc>
-              <a:spcBef>
-                <a:spcPts val="0"/>
-              </a:spcBef>
-              <a:spcAft>
-                <a:spcPts val="0"/>
-              </a:spcAft>
-              <a:buFontTx/>
-              <a:buNone/>
-            </a:pPr>
-            <a:r>
-              <a:rPr lang="en-US" altLang="ko-KR" sz="1600" b="0" strike="noStrike" cap="none" dirty="0" err="1" smtClean="0">
+              <a:rPr lang="en-US" altLang="ko-KR" sz="1600" cap="none" dirty="0" smtClean="0" b="0" strike="noStrike">
                 <a:solidFill>
                   <a:schemeClr val="bg1"/>
                 </a:solidFill>
                 <a:latin typeface="나눔스퀘어" charset="0"/>
                 <a:ea typeface="나눔스퀘어" charset="0"/>
               </a:rPr>
-              <a:t>손가락</a:t>
-            </a:r>
-            <a:r>
-              <a:rPr lang="en-US" altLang="ko-KR" sz="1600" b="0" strike="noStrike" cap="none" dirty="0" smtClean="0">
-                <a:solidFill>
-                  <a:schemeClr val="bg1"/>
-                </a:solidFill>
-                <a:latin typeface="나눔스퀘어" charset="0"/>
-                <a:ea typeface="나눔스퀘어" charset="0"/>
-              </a:rPr>
-              <a:t> </a:t>
-            </a:r>
-            <a:r>
-              <a:rPr lang="en-US" altLang="ko-KR" sz="1600" b="0" strike="noStrike" cap="none" dirty="0" err="1" smtClean="0">
-                <a:solidFill>
-                  <a:schemeClr val="bg1"/>
-                </a:solidFill>
-                <a:latin typeface="나눔스퀘어" charset="0"/>
-                <a:ea typeface="나눔스퀘어" charset="0"/>
-              </a:rPr>
-              <a:t>주변에서</a:t>
-            </a:r>
-            <a:r>
-              <a:rPr lang="en-US" altLang="ko-KR" sz="1600" b="0" strike="noStrike" cap="none" dirty="0" smtClean="0">
-                <a:solidFill>
-                  <a:schemeClr val="bg1"/>
-                </a:solidFill>
-                <a:latin typeface="나눔스퀘어" charset="0"/>
-                <a:ea typeface="나눔스퀘어" charset="0"/>
-              </a:rPr>
-              <a:t> </a:t>
-            </a:r>
-            <a:r>
-              <a:rPr lang="en-US" altLang="ko-KR" sz="1600" b="0" strike="noStrike" cap="none" dirty="0" err="1" smtClean="0">
-                <a:solidFill>
-                  <a:schemeClr val="bg1"/>
-                </a:solidFill>
-                <a:latin typeface="나눔스퀘어" charset="0"/>
-                <a:ea typeface="나눔스퀘어" charset="0"/>
-              </a:rPr>
-              <a:t>지속적으로</a:t>
-            </a:r>
-            <a:r>
-              <a:rPr lang="en-US" altLang="ko-KR" sz="1600" b="0" strike="noStrike" cap="none" dirty="0" smtClean="0">
-                <a:solidFill>
-                  <a:schemeClr val="bg1"/>
-                </a:solidFill>
-                <a:latin typeface="나눔스퀘어" charset="0"/>
-                <a:ea typeface="나눔스퀘어" charset="0"/>
-              </a:rPr>
-              <a:t> </a:t>
-            </a:r>
-            <a:r>
-              <a:rPr lang="en-US" altLang="ko-KR" sz="1600" b="0" strike="noStrike" cap="none" dirty="0" err="1" smtClean="0">
-                <a:solidFill>
-                  <a:schemeClr val="bg1"/>
-                </a:solidFill>
-                <a:latin typeface="나눔스퀘어" charset="0"/>
-                <a:ea typeface="나눔스퀘어" charset="0"/>
-              </a:rPr>
-              <a:t>RoI를</a:t>
-            </a:r>
-            <a:r>
-              <a:rPr lang="en-US" altLang="ko-KR" sz="1600" b="0" strike="noStrike" cap="none" dirty="0" smtClean="0">
-                <a:solidFill>
-                  <a:schemeClr val="bg1"/>
-                </a:solidFill>
-                <a:latin typeface="나눔스퀘어" charset="0"/>
-                <a:ea typeface="나눔스퀘어" charset="0"/>
-              </a:rPr>
-              <a:t> </a:t>
-            </a:r>
-            <a:r>
-              <a:rPr lang="en-US" altLang="ko-KR" sz="1600" b="0" strike="noStrike" cap="none" dirty="0" err="1" smtClean="0">
-                <a:solidFill>
-                  <a:schemeClr val="bg1"/>
-                </a:solidFill>
-                <a:latin typeface="나눔스퀘어" charset="0"/>
-                <a:ea typeface="나눔스퀘어" charset="0"/>
-              </a:rPr>
-              <a:t>생성해</a:t>
-            </a:r>
-            <a:r>
-              <a:rPr lang="en-US" altLang="ko-KR" sz="1600" b="0" strike="noStrike" cap="none" dirty="0" smtClean="0">
-                <a:solidFill>
-                  <a:schemeClr val="bg1"/>
-                </a:solidFill>
-                <a:latin typeface="나눔스퀘어" charset="0"/>
-                <a:ea typeface="나눔스퀘어" charset="0"/>
-              </a:rPr>
-              <a:t> </a:t>
-            </a:r>
-            <a:r>
-              <a:rPr lang="en-US" altLang="ko-KR" sz="1600" b="0" strike="noStrike" cap="none" dirty="0" err="1" smtClean="0">
-                <a:solidFill>
-                  <a:schemeClr val="bg1"/>
-                </a:solidFill>
-                <a:latin typeface="나눔스퀘어" charset="0"/>
-                <a:ea typeface="나눔스퀘어" charset="0"/>
-              </a:rPr>
-              <a:t>인식함으로</a:t>
-            </a:r>
-            <a:r>
-              <a:rPr lang="en-US" altLang="ko-KR" sz="1600" b="0" strike="noStrike" cap="none" dirty="0" smtClean="0">
-                <a:solidFill>
-                  <a:schemeClr val="bg1"/>
-                </a:solidFill>
-                <a:latin typeface="나눔스퀘어" charset="0"/>
-                <a:ea typeface="나눔스퀘어" charset="0"/>
-              </a:rPr>
-              <a:t> </a:t>
-            </a:r>
-            <a:r>
-              <a:rPr lang="en-US" altLang="ko-KR" sz="1600" b="0" strike="noStrike" cap="none" dirty="0" err="1" smtClean="0">
-                <a:solidFill>
-                  <a:schemeClr val="bg1"/>
-                </a:solidFill>
-                <a:latin typeface="나눔스퀘어" charset="0"/>
-                <a:ea typeface="나눔스퀘어" charset="0"/>
-              </a:rPr>
-              <a:t>다른</a:t>
-            </a:r>
-            <a:r>
-              <a:rPr lang="en-US" altLang="ko-KR" sz="1600" b="0" strike="noStrike" cap="none" dirty="0" smtClean="0">
-                <a:solidFill>
-                  <a:schemeClr val="bg1"/>
-                </a:solidFill>
-                <a:latin typeface="나눔스퀘어" charset="0"/>
-                <a:ea typeface="나눔스퀘어" charset="0"/>
-              </a:rPr>
-              <a:t> </a:t>
-            </a:r>
-            <a:r>
-              <a:rPr lang="en-US" altLang="ko-KR" sz="1600" b="0" strike="noStrike" cap="none" dirty="0" err="1" smtClean="0">
-                <a:solidFill>
-                  <a:schemeClr val="bg1"/>
-                </a:solidFill>
-                <a:latin typeface="나눔스퀘어" charset="0"/>
-                <a:ea typeface="나눔스퀘어" charset="0"/>
-              </a:rPr>
-              <a:t>것이</a:t>
-            </a:r>
-            <a:r>
-              <a:rPr lang="en-US" altLang="ko-KR" sz="1600" b="0" strike="noStrike" cap="none" dirty="0" smtClean="0">
-                <a:solidFill>
-                  <a:schemeClr val="bg1"/>
-                </a:solidFill>
-                <a:latin typeface="나눔스퀘어" charset="0"/>
-                <a:ea typeface="나눔스퀘어" charset="0"/>
-              </a:rPr>
-              <a:t> </a:t>
-            </a:r>
-            <a:r>
-              <a:rPr lang="en-US" altLang="ko-KR" sz="1600" b="0" strike="noStrike" cap="none" dirty="0" err="1" smtClean="0">
-                <a:solidFill>
-                  <a:schemeClr val="bg1"/>
-                </a:solidFill>
-                <a:latin typeface="나눔스퀘어" charset="0"/>
-                <a:ea typeface="나눔스퀘어" charset="0"/>
-              </a:rPr>
-              <a:t>검출될</a:t>
-            </a:r>
-            <a:r>
-              <a:rPr lang="en-US" altLang="ko-KR" sz="1600" b="0" strike="noStrike" cap="none" dirty="0" smtClean="0">
-                <a:solidFill>
-                  <a:schemeClr val="bg1"/>
-                </a:solidFill>
-                <a:latin typeface="나눔스퀘어" charset="0"/>
-                <a:ea typeface="나눔스퀘어" charset="0"/>
-              </a:rPr>
-              <a:t> </a:t>
-            </a:r>
-            <a:r>
-              <a:rPr lang="en-US" altLang="ko-KR" sz="1600" b="0" strike="noStrike" cap="none" dirty="0" err="1" smtClean="0">
-                <a:solidFill>
-                  <a:schemeClr val="bg1"/>
-                </a:solidFill>
-                <a:latin typeface="나눔스퀘어" charset="0"/>
-                <a:ea typeface="나눔스퀘어" charset="0"/>
-              </a:rPr>
-              <a:t>확률은</a:t>
-            </a:r>
-            <a:r>
-              <a:rPr lang="en-US" altLang="ko-KR" sz="1600" b="0" strike="noStrike" cap="none" dirty="0" smtClean="0">
-                <a:solidFill>
-                  <a:schemeClr val="bg1"/>
-                </a:solidFill>
-                <a:latin typeface="나눔스퀘어" charset="0"/>
-                <a:ea typeface="나눔스퀘어" charset="0"/>
-              </a:rPr>
-              <a:t> </a:t>
-            </a:r>
-            <a:r>
-              <a:rPr lang="en-US" altLang="ko-KR" sz="1600" b="0" strike="noStrike" cap="none" dirty="0" err="1" smtClean="0">
-                <a:solidFill>
-                  <a:schemeClr val="bg1"/>
-                </a:solidFill>
-                <a:latin typeface="나눔스퀘어" charset="0"/>
-                <a:ea typeface="나눔스퀘어" charset="0"/>
-              </a:rPr>
-              <a:t>낮습니다</a:t>
-            </a:r>
-            <a:r>
-              <a:rPr lang="en-US" altLang="ko-KR" sz="1600" b="0" strike="noStrike" cap="none" dirty="0" smtClean="0">
-                <a:solidFill>
-                  <a:schemeClr val="bg1"/>
-                </a:solidFill>
-                <a:latin typeface="나눔스퀘어" charset="0"/>
-                <a:ea typeface="나눔스퀘어" charset="0"/>
-              </a:rPr>
-              <a:t>.</a:t>
-            </a:r>
-            <a:endParaRPr lang="ko-KR" altLang="en-US" sz="1600" b="0" strike="noStrike" cap="none" dirty="0" smtClean="0">
+              <a:t>하지만 다른 것이 손가락 주변에서 인식이 될 경우 인식한 물체 중심으로 색을 검색을 하는 단점이 있습니다.</a:t>
+            </a:r>
+            <a:endParaRPr lang="ko-KR" altLang="en-US" sz="1600" cap="none" dirty="0" smtClean="0" b="0" strike="noStrike">
               <a:solidFill>
                 <a:schemeClr val="bg1"/>
               </a:solidFill>
@@ -5684,7 +5577,7 @@
             </a:endParaRPr>
           </a:p>
           <a:p>
-            <a:pPr marL="0" indent="0" algn="l" defTabSz="508000" fontAlgn="auto">
+            <a:pPr marL="0" indent="0" algn="l" fontAlgn="auto" defTabSz="508000" eaLnBrk="0">
               <a:lnSpc>
                 <a:spcPct val="160000"/>
               </a:lnSpc>
@@ -5697,322 +5590,7 @@
               <a:buFontTx/>
               <a:buNone/>
             </a:pPr>
-            <a:r>
-              <a:rPr lang="en-US" altLang="ko-KR" sz="1600" b="0" strike="noStrike" cap="none" dirty="0" err="1" smtClean="0">
-                <a:solidFill>
-                  <a:schemeClr val="bg1"/>
-                </a:solidFill>
-                <a:latin typeface="나눔스퀘어" charset="0"/>
-                <a:ea typeface="나눔스퀘어" charset="0"/>
-              </a:rPr>
-              <a:t>하지만</a:t>
-            </a:r>
-            <a:r>
-              <a:rPr lang="en-US" altLang="ko-KR" sz="1600" b="0" strike="noStrike" cap="none" dirty="0" smtClean="0">
-                <a:solidFill>
-                  <a:schemeClr val="bg1"/>
-                </a:solidFill>
-                <a:latin typeface="나눔스퀘어" charset="0"/>
-                <a:ea typeface="나눔스퀘어" charset="0"/>
-              </a:rPr>
-              <a:t> </a:t>
-            </a:r>
-            <a:r>
-              <a:rPr lang="en-US" altLang="ko-KR" sz="1600" b="0" strike="noStrike" cap="none" dirty="0" err="1" smtClean="0">
-                <a:solidFill>
-                  <a:schemeClr val="bg1"/>
-                </a:solidFill>
-                <a:latin typeface="나눔스퀘어" charset="0"/>
-                <a:ea typeface="나눔스퀘어" charset="0"/>
-              </a:rPr>
-              <a:t>다른</a:t>
-            </a:r>
-            <a:r>
-              <a:rPr lang="en-US" altLang="ko-KR" sz="1600" b="0" strike="noStrike" cap="none" dirty="0" smtClean="0">
-                <a:solidFill>
-                  <a:schemeClr val="bg1"/>
-                </a:solidFill>
-                <a:latin typeface="나눔스퀘어" charset="0"/>
-                <a:ea typeface="나눔스퀘어" charset="0"/>
-              </a:rPr>
-              <a:t> </a:t>
-            </a:r>
-            <a:r>
-              <a:rPr lang="en-US" altLang="ko-KR" sz="1600" b="0" strike="noStrike" cap="none" dirty="0" err="1" smtClean="0">
-                <a:solidFill>
-                  <a:schemeClr val="bg1"/>
-                </a:solidFill>
-                <a:latin typeface="나눔스퀘어" charset="0"/>
-                <a:ea typeface="나눔스퀘어" charset="0"/>
-              </a:rPr>
-              <a:t>것이</a:t>
-            </a:r>
-            <a:r>
-              <a:rPr lang="en-US" altLang="ko-KR" sz="1600" b="0" strike="noStrike" cap="none" dirty="0" smtClean="0">
-                <a:solidFill>
-                  <a:schemeClr val="bg1"/>
-                </a:solidFill>
-                <a:latin typeface="나눔스퀘어" charset="0"/>
-                <a:ea typeface="나눔스퀘어" charset="0"/>
-              </a:rPr>
-              <a:t> </a:t>
-            </a:r>
-            <a:r>
-              <a:rPr lang="en-US" altLang="ko-KR" sz="1600" b="0" strike="noStrike" cap="none" dirty="0" err="1" smtClean="0">
-                <a:solidFill>
-                  <a:schemeClr val="bg1"/>
-                </a:solidFill>
-                <a:latin typeface="나눔스퀘어" charset="0"/>
-                <a:ea typeface="나눔스퀘어" charset="0"/>
-              </a:rPr>
-              <a:t>손가락</a:t>
-            </a:r>
-            <a:r>
-              <a:rPr lang="en-US" altLang="ko-KR" sz="1600" b="0" strike="noStrike" cap="none" dirty="0" smtClean="0">
-                <a:solidFill>
-                  <a:schemeClr val="bg1"/>
-                </a:solidFill>
-                <a:latin typeface="나눔스퀘어" charset="0"/>
-                <a:ea typeface="나눔스퀘어" charset="0"/>
-              </a:rPr>
-              <a:t> </a:t>
-            </a:r>
-            <a:r>
-              <a:rPr lang="en-US" altLang="ko-KR" sz="1600" b="0" strike="noStrike" cap="none" dirty="0" err="1" smtClean="0">
-                <a:solidFill>
-                  <a:schemeClr val="bg1"/>
-                </a:solidFill>
-                <a:latin typeface="나눔스퀘어" charset="0"/>
-                <a:ea typeface="나눔스퀘어" charset="0"/>
-              </a:rPr>
-              <a:t>주변에서</a:t>
-            </a:r>
-            <a:r>
-              <a:rPr lang="en-US" altLang="ko-KR" sz="1600" b="0" strike="noStrike" cap="none" dirty="0" smtClean="0">
-                <a:solidFill>
-                  <a:schemeClr val="bg1"/>
-                </a:solidFill>
-                <a:latin typeface="나눔스퀘어" charset="0"/>
-                <a:ea typeface="나눔스퀘어" charset="0"/>
-              </a:rPr>
-              <a:t> </a:t>
-            </a:r>
-            <a:r>
-              <a:rPr lang="en-US" altLang="ko-KR" sz="1600" b="0" strike="noStrike" cap="none" dirty="0" err="1" smtClean="0">
-                <a:solidFill>
-                  <a:schemeClr val="bg1"/>
-                </a:solidFill>
-                <a:latin typeface="나눔스퀘어" charset="0"/>
-                <a:ea typeface="나눔스퀘어" charset="0"/>
-              </a:rPr>
-              <a:t>인식이</a:t>
-            </a:r>
-            <a:r>
-              <a:rPr lang="en-US" altLang="ko-KR" sz="1600" b="0" strike="noStrike" cap="none" dirty="0" smtClean="0">
-                <a:solidFill>
-                  <a:schemeClr val="bg1"/>
-                </a:solidFill>
-                <a:latin typeface="나눔스퀘어" charset="0"/>
-                <a:ea typeface="나눔스퀘어" charset="0"/>
-              </a:rPr>
-              <a:t> 될 </a:t>
-            </a:r>
-            <a:r>
-              <a:rPr lang="en-US" altLang="ko-KR" sz="1600" b="0" strike="noStrike" cap="none" dirty="0" err="1" smtClean="0">
-                <a:solidFill>
-                  <a:schemeClr val="bg1"/>
-                </a:solidFill>
-                <a:latin typeface="나눔스퀘어" charset="0"/>
-                <a:ea typeface="나눔스퀘어" charset="0"/>
-              </a:rPr>
-              <a:t>경우</a:t>
-            </a:r>
-            <a:r>
-              <a:rPr lang="en-US" altLang="ko-KR" sz="1600" b="0" strike="noStrike" cap="none" dirty="0" smtClean="0">
-                <a:solidFill>
-                  <a:schemeClr val="bg1"/>
-                </a:solidFill>
-                <a:latin typeface="나눔스퀘어" charset="0"/>
-                <a:ea typeface="나눔스퀘어" charset="0"/>
-              </a:rPr>
-              <a:t> </a:t>
-            </a:r>
-            <a:r>
-              <a:rPr lang="en-US" altLang="ko-KR" sz="1600" b="0" strike="noStrike" cap="none" dirty="0" err="1" smtClean="0">
-                <a:solidFill>
-                  <a:schemeClr val="bg1"/>
-                </a:solidFill>
-                <a:latin typeface="나눔스퀘어" charset="0"/>
-                <a:ea typeface="나눔스퀘어" charset="0"/>
-              </a:rPr>
-              <a:t>인식한</a:t>
-            </a:r>
-            <a:r>
-              <a:rPr lang="en-US" altLang="ko-KR" sz="1600" b="0" strike="noStrike" cap="none" dirty="0" smtClean="0">
-                <a:solidFill>
-                  <a:schemeClr val="bg1"/>
-                </a:solidFill>
-                <a:latin typeface="나눔스퀘어" charset="0"/>
-                <a:ea typeface="나눔스퀘어" charset="0"/>
-              </a:rPr>
-              <a:t> </a:t>
-            </a:r>
-            <a:r>
-              <a:rPr lang="en-US" altLang="ko-KR" sz="1600" b="0" strike="noStrike" cap="none" dirty="0" err="1" smtClean="0">
-                <a:solidFill>
-                  <a:schemeClr val="bg1"/>
-                </a:solidFill>
-                <a:latin typeface="나눔스퀘어" charset="0"/>
-                <a:ea typeface="나눔스퀘어" charset="0"/>
-              </a:rPr>
-              <a:t>물체</a:t>
-            </a:r>
-            <a:r>
-              <a:rPr lang="en-US" altLang="ko-KR" sz="1600" b="0" strike="noStrike" cap="none" dirty="0" smtClean="0">
-                <a:solidFill>
-                  <a:schemeClr val="bg1"/>
-                </a:solidFill>
-                <a:latin typeface="나눔스퀘어" charset="0"/>
-                <a:ea typeface="나눔스퀘어" charset="0"/>
-              </a:rPr>
-              <a:t> </a:t>
-            </a:r>
-            <a:r>
-              <a:rPr lang="en-US" altLang="ko-KR" sz="1600" b="0" strike="noStrike" cap="none" dirty="0" err="1" smtClean="0">
-                <a:solidFill>
-                  <a:schemeClr val="bg1"/>
-                </a:solidFill>
-                <a:latin typeface="나눔스퀘어" charset="0"/>
-                <a:ea typeface="나눔스퀘어" charset="0"/>
-              </a:rPr>
-              <a:t>중심으로</a:t>
-            </a:r>
-            <a:r>
-              <a:rPr lang="en-US" altLang="ko-KR" sz="1600" b="0" strike="noStrike" cap="none" dirty="0" smtClean="0">
-                <a:solidFill>
-                  <a:schemeClr val="bg1"/>
-                </a:solidFill>
-                <a:latin typeface="나눔스퀘어" charset="0"/>
-                <a:ea typeface="나눔스퀘어" charset="0"/>
-              </a:rPr>
-              <a:t> </a:t>
-            </a:r>
-            <a:r>
-              <a:rPr lang="en-US" altLang="ko-KR" sz="1600" b="0" strike="noStrike" cap="none" dirty="0" err="1" smtClean="0">
-                <a:solidFill>
-                  <a:schemeClr val="bg1"/>
-                </a:solidFill>
-                <a:latin typeface="나눔스퀘어" charset="0"/>
-                <a:ea typeface="나눔스퀘어" charset="0"/>
-              </a:rPr>
-              <a:t>색을</a:t>
-            </a:r>
-            <a:r>
-              <a:rPr lang="en-US" altLang="ko-KR" sz="1600" b="0" strike="noStrike" cap="none" dirty="0" smtClean="0">
-                <a:solidFill>
-                  <a:schemeClr val="bg1"/>
-                </a:solidFill>
-                <a:latin typeface="나눔스퀘어" charset="0"/>
-                <a:ea typeface="나눔스퀘어" charset="0"/>
-              </a:rPr>
-              <a:t> </a:t>
-            </a:r>
-            <a:r>
-              <a:rPr lang="en-US" altLang="ko-KR" sz="1600" b="0" strike="noStrike" cap="none" dirty="0" err="1" smtClean="0">
-                <a:solidFill>
-                  <a:schemeClr val="bg1"/>
-                </a:solidFill>
-                <a:latin typeface="나눔스퀘어" charset="0"/>
-                <a:ea typeface="나눔스퀘어" charset="0"/>
-              </a:rPr>
-              <a:t>검색을</a:t>
-            </a:r>
-            <a:r>
-              <a:rPr lang="en-US" altLang="ko-KR" sz="1600" b="0" strike="noStrike" cap="none" dirty="0" smtClean="0">
-                <a:solidFill>
-                  <a:schemeClr val="bg1"/>
-                </a:solidFill>
-                <a:latin typeface="나눔스퀘어" charset="0"/>
-                <a:ea typeface="나눔스퀘어" charset="0"/>
-              </a:rPr>
-              <a:t> </a:t>
-            </a:r>
-            <a:r>
-              <a:rPr lang="en-US" altLang="ko-KR" sz="1600" b="0" strike="noStrike" cap="none" dirty="0" err="1" smtClean="0">
-                <a:solidFill>
-                  <a:schemeClr val="bg1"/>
-                </a:solidFill>
-                <a:latin typeface="나눔스퀘어" charset="0"/>
-                <a:ea typeface="나눔스퀘어" charset="0"/>
-              </a:rPr>
-              <a:t>하는</a:t>
-            </a:r>
-            <a:r>
-              <a:rPr lang="en-US" altLang="ko-KR" sz="1600" b="0" strike="noStrike" cap="none" dirty="0" smtClean="0">
-                <a:solidFill>
-                  <a:schemeClr val="bg1"/>
-                </a:solidFill>
-                <a:latin typeface="나눔스퀘어" charset="0"/>
-                <a:ea typeface="나눔스퀘어" charset="0"/>
-              </a:rPr>
-              <a:t> </a:t>
-            </a:r>
-            <a:r>
-              <a:rPr lang="en-US" altLang="ko-KR" sz="1600" b="0" strike="noStrike" cap="none" dirty="0" err="1" smtClean="0">
-                <a:solidFill>
-                  <a:schemeClr val="bg1"/>
-                </a:solidFill>
-                <a:latin typeface="나눔스퀘어" charset="0"/>
-                <a:ea typeface="나눔스퀘어" charset="0"/>
-              </a:rPr>
-              <a:t>단점이</a:t>
-            </a:r>
-            <a:r>
-              <a:rPr lang="en-US" altLang="ko-KR" sz="1600" b="0" strike="noStrike" cap="none" dirty="0" smtClean="0">
-                <a:solidFill>
-                  <a:schemeClr val="bg1"/>
-                </a:solidFill>
-                <a:latin typeface="나눔스퀘어" charset="0"/>
-                <a:ea typeface="나눔스퀘어" charset="0"/>
-              </a:rPr>
-              <a:t> </a:t>
-            </a:r>
-            <a:r>
-              <a:rPr lang="en-US" altLang="ko-KR" sz="1600" b="0" strike="noStrike" cap="none" dirty="0" err="1" smtClean="0">
-                <a:solidFill>
-                  <a:schemeClr val="bg1"/>
-                </a:solidFill>
-                <a:latin typeface="나눔스퀘어" charset="0"/>
-                <a:ea typeface="나눔스퀘어" charset="0"/>
-              </a:rPr>
-              <a:t>있습니다</a:t>
-            </a:r>
-            <a:r>
-              <a:rPr lang="en-US" altLang="ko-KR" sz="1600" b="0" strike="noStrike" cap="none" dirty="0" smtClean="0">
-                <a:solidFill>
-                  <a:schemeClr val="bg1"/>
-                </a:solidFill>
-                <a:latin typeface="나눔스퀘어" charset="0"/>
-                <a:ea typeface="나눔스퀘어" charset="0"/>
-              </a:rPr>
-              <a:t>.</a:t>
-            </a:r>
-          </a:p>
-          <a:p>
-            <a:pPr marL="0" indent="0" algn="l" defTabSz="508000" fontAlgn="auto">
-              <a:lnSpc>
-                <a:spcPct val="160000"/>
-              </a:lnSpc>
-              <a:spcBef>
-                <a:spcPts val="0"/>
-              </a:spcBef>
-              <a:spcAft>
-                <a:spcPts val="0"/>
-              </a:spcAft>
-              <a:buFontTx/>
-              <a:buNone/>
-            </a:pPr>
-            <a:endParaRPr lang="ko-KR" altLang="en-US" sz="1600" b="0" strike="noStrike" cap="none" dirty="0" smtClean="0">
+            <a:endParaRPr lang="ko-KR" altLang="en-US" sz="1600" cap="none" dirty="0" smtClean="0" b="0" strike="noStrike">
               <a:solidFill>
                 <a:schemeClr val="bg1"/>
               </a:solidFill>
@@ -6021,7 +5599,7 @@
             </a:endParaRPr>
           </a:p>
           <a:p>
-            <a:pPr marL="0" indent="0" algn="l" defTabSz="508000" fontAlgn="auto">
+            <a:pPr marL="0" indent="0" algn="l" fontAlgn="auto" defTabSz="508000" eaLnBrk="0">
               <a:lnSpc>
                 <a:spcPct val="160000"/>
               </a:lnSpc>
@@ -6035,45 +5613,25 @@
               <a:buNone/>
             </a:pPr>
             <a:r>
-              <a:rPr lang="en-US" altLang="ko-KR" sz="1800" b="1" strike="noStrike" cap="none" dirty="0" err="1" smtClean="0">
+              <a:rPr lang="en-US" altLang="ko-KR" sz="1800" cap="none" dirty="0" smtClean="0" b="1" strike="noStrike">
                 <a:solidFill>
                   <a:schemeClr val="bg1"/>
                 </a:solidFill>
-                <a:latin typeface="나눔스퀘어 ExtraBold" panose="020B0600000101010101" pitchFamily="50" charset="-127"/>
-                <a:ea typeface="나눔스퀘어 ExtraBold" panose="020B0600000101010101" pitchFamily="50" charset="-127"/>
+                <a:latin typeface="나눔스퀘어 ExtraBold" charset="0"/>
+                <a:ea typeface="나눔스퀘어 ExtraBold" charset="0"/>
               </a:rPr>
-              <a:t>같은</a:t>
-            </a:r>
-            <a:r>
-              <a:rPr lang="en-US" altLang="ko-KR" sz="1800" b="1" strike="noStrike" cap="none" dirty="0" smtClean="0">
-                <a:solidFill>
-                  <a:schemeClr val="bg1"/>
-                </a:solidFill>
-                <a:latin typeface="나눔스퀘어 ExtraBold" panose="020B0600000101010101" pitchFamily="50" charset="-127"/>
-                <a:ea typeface="나눔스퀘어 ExtraBold" panose="020B0600000101010101" pitchFamily="50" charset="-127"/>
-              </a:rPr>
-              <a:t> </a:t>
-            </a:r>
-            <a:r>
-              <a:rPr lang="en-US" altLang="ko-KR" sz="1800" b="1" strike="noStrike" cap="none" dirty="0" smtClean="0">
-                <a:solidFill>
-                  <a:schemeClr val="bg1"/>
-                </a:solidFill>
-                <a:latin typeface="나눔스퀘어 ExtraBold" panose="020B0600000101010101" pitchFamily="50" charset="-127"/>
-                <a:ea typeface="나눔스퀘어 ExtraBold" panose="020B0600000101010101" pitchFamily="50" charset="-127"/>
-              </a:rPr>
-              <a:t>사진 이름이 저장하려는 경우</a:t>
-            </a:r>
-            <a:endParaRPr lang="ko-KR" altLang="en-US" sz="1800" b="1" strike="noStrike" cap="none" dirty="0" smtClean="0">
+              <a:t>같은 사진 이름이 저장하려는 경우</a:t>
+            </a:r>
+            <a:endParaRPr lang="ko-KR" altLang="en-US" sz="1800" cap="none" dirty="0" smtClean="0" b="1" strike="noStrike">
               <a:solidFill>
                 <a:schemeClr val="bg1"/>
               </a:solidFill>
-              <a:latin typeface="나눔스퀘어 ExtraBold" panose="020B0600000101010101" pitchFamily="50" charset="-127"/>
-              <a:ea typeface="나눔스퀘어 ExtraBold" panose="020B0600000101010101" pitchFamily="50" charset="-127"/>
+              <a:latin typeface="나눔스퀘어 ExtraBold" charset="0"/>
+              <a:ea typeface="나눔스퀘어 ExtraBold" charset="0"/>
             </a:endParaRPr>
           </a:p>
           <a:p>
-            <a:pPr marL="0" indent="0" algn="l" defTabSz="508000" fontAlgn="auto">
+            <a:pPr marL="0" indent="0" algn="l" fontAlgn="auto" defTabSz="508000" eaLnBrk="0">
               <a:lnSpc>
                 <a:spcPct val="160000"/>
               </a:lnSpc>
@@ -6087,7 +5645,7 @@
               <a:buNone/>
             </a:pPr>
             <a:r>
-              <a:rPr lang="en-US" altLang="ko-KR" sz="1600" b="0" strike="noStrike" cap="none" dirty="0" smtClean="0">
+              <a:rPr lang="en-US" altLang="ko-KR" sz="1600" cap="none" dirty="0" smtClean="0" b="0" strike="noStrike">
                 <a:solidFill>
                   <a:schemeClr val="bg1"/>
                 </a:solidFill>
@@ -6096,7 +5654,7 @@
               </a:rPr>
               <a:t>중복을 확인 – DB에서 중복을 확인</a:t>
             </a:r>
-            <a:endParaRPr lang="ko-KR" altLang="en-US" sz="1600" b="0" strike="noStrike" cap="none" dirty="0" smtClean="0">
+            <a:endParaRPr lang="ko-KR" altLang="en-US" sz="1600" cap="none" dirty="0" smtClean="0" b="0" strike="noStrike">
               <a:solidFill>
                 <a:schemeClr val="bg1"/>
               </a:solidFill>
@@ -6105,7 +5663,7 @@
             </a:endParaRPr>
           </a:p>
           <a:p>
-            <a:pPr marL="0" indent="0" algn="l" defTabSz="508000" fontAlgn="auto">
+            <a:pPr marL="0" indent="0" algn="l" fontAlgn="auto" defTabSz="508000" eaLnBrk="0">
               <a:lnSpc>
                 <a:spcPct val="160000"/>
               </a:lnSpc>
@@ -6119,7 +5677,7 @@
               <a:buNone/>
             </a:pPr>
             <a:r>
-              <a:rPr lang="en-US" altLang="ko-KR" sz="1600" b="0" strike="noStrike" cap="none" dirty="0" smtClean="0">
+              <a:rPr lang="en-US" altLang="ko-KR" sz="1600" cap="none" dirty="0" smtClean="0" b="0" strike="noStrike">
                 <a:solidFill>
                   <a:schemeClr val="bg1"/>
                 </a:solidFill>
@@ -6128,7 +5686,7 @@
               </a:rPr>
               <a:t>중복이면 확인 메시지 아니면 그냥 저장 (저장 경로는 로컬에서) </a:t>
             </a:r>
-            <a:endParaRPr lang="ko-KR" altLang="en-US" sz="1600" b="0" strike="noStrike" cap="none" dirty="0" smtClean="0">
+            <a:endParaRPr lang="ko-KR" altLang="en-US" sz="1600" cap="none" dirty="0" smtClean="0" b="0" strike="noStrike">
               <a:solidFill>
                 <a:schemeClr val="bg1"/>
               </a:solidFill>
@@ -6137,7 +5695,7 @@
             </a:endParaRPr>
           </a:p>
           <a:p>
-            <a:pPr marL="0" indent="0" algn="just" defTabSz="508000" fontAlgn="auto">
+            <a:pPr marL="0" indent="0" algn="just" fontAlgn="auto" defTabSz="508000" eaLnBrk="0">
               <a:lnSpc>
                 <a:spcPct val="160000"/>
               </a:lnSpc>
@@ -6151,7 +5709,7 @@
               <a:buNone/>
             </a:pPr>
             <a:r>
-              <a:rPr lang="en-US" altLang="ko-KR" sz="1800" b="0" strike="noStrike" cap="none" dirty="0" smtClean="0">
+              <a:rPr lang="en-US" altLang="ko-KR" sz="1800" cap="none" dirty="0" smtClean="0" b="0" strike="noStrike">
                 <a:solidFill>
                   <a:schemeClr val="bg1"/>
                 </a:solidFill>
@@ -6160,7 +5718,7 @@
               </a:rPr>
               <a:t>  </a:t>
             </a:r>
-            <a:endParaRPr lang="ko-KR" altLang="en-US" sz="1800" b="0" strike="noStrike" cap="none" dirty="0" smtClean="0">
+            <a:endParaRPr lang="ko-KR" altLang="en-US" sz="1800" cap="none" dirty="0" smtClean="0" b="0" strike="noStrike">
               <a:solidFill>
                 <a:schemeClr val="bg1"/>
               </a:solidFill>
@@ -6180,11 +5738,11 @@
   <p:clrMapOvr>
     <a:masterClrMapping/>
   </p:clrMapOvr>
-  <mc:AlternateContent xmlns:mc="http://schemas.openxmlformats.org/markup-compatibility/2006" xmlns:p14="http://schemas.microsoft.com/office/powerpoint/2010/main">
-    <mc:Choice Requires="p14">
+  <mc:AlternateContent xmlns:mc="http://schemas.openxmlformats.org/markup-compatibility/2006">
+    <mc:Choice xmlns:p14="http://schemas.microsoft.com/office/powerpoint/2010/main" Requires="p14">
       <p:transition spd="slow" p14:dur="2000"/>
     </mc:Choice>
-    <mc:Fallback xmlns="">
+    <mc:Fallback>
       <p:transition spd="slow"/>
     </mc:Fallback>
   </mc:AlternateContent>
@@ -6199,6 +5757,199 @@
 </file>
 
 <file path=ppt/slides/slide8.xml><?xml version="1.0" encoding="utf-8"?>
+<p:sld xmlns:a="http://schemas.openxmlformats.org/drawingml/2006/main" xmlns:r="http://schemas.openxmlformats.org/officeDocument/2006/relationships" xmlns:p="http://schemas.openxmlformats.org/presentationml/2006/main">
+  <p:cSld>
+    <p:spTree>
+      <p:nvGrpSpPr>
+        <p:cNvPr id="1" name=""/>
+        <p:cNvGrpSpPr/>
+        <p:nvPr/>
+      </p:nvGrpSpPr>
+      <p:grpSpPr>
+        <a:xfrm>
+          <a:off x="0" y="0"/>
+          <a:ext cx="0" cy="0"/>
+          <a:chOff x="0" y="0"/>
+          <a:chExt cx="0" cy="0"/>
+        </a:xfrm>
+      </p:grpSpPr>
+      <p:sp>
+        <p:nvSpPr>
+          <p:cNvPr id="4" name="직사각형 3"/>
+          <p:cNvSpPr>
+            <a:spLocks/>
+          </p:cNvSpPr>
+          <p:nvPr/>
+        </p:nvSpPr>
+        <p:spPr>
+          <a:xfrm rot="20460000">
+            <a:off x="-1036955" y="608330"/>
+            <a:ext cx="15236190" cy="7984490"/>
+          </a:xfrm>
+          <a:prstGeom prst="rect"/>
+          <a:solidFill>
+            <a:srgbClr val="00B0F0"/>
+          </a:solidFill>
+          <a:ln w="12700" cap="flat" cmpd="sng">
+            <a:solidFill>
+              <a:srgbClr val="00B0F0">
+                <a:alpha val="100000"/>
+              </a:srgbClr>
+            </a:solidFill>
+            <a:prstDash val="solid"/>
+          </a:ln>
+        </p:spPr>
+        <p:style>
+          <a:lnRef idx="2">
+            <a:schemeClr val="accent1">
+              <a:shade val="50000"/>
+            </a:schemeClr>
+          </a:lnRef>
+          <a:fillRef idx="1">
+            <a:schemeClr val="accent1"/>
+          </a:fillRef>
+          <a:effectRef idx="0">
+            <a:schemeClr val="accent1"/>
+          </a:effectRef>
+          <a:fontRef idx="minor">
+            <a:schemeClr val="lt1"/>
+          </a:fontRef>
+        </p:style>
+        <p:txBody>
+          <a:bodyPr wrap="square" lIns="91440" tIns="45720" rIns="91440" bIns="45720" vert="horz" anchor="ctr">
+            <a:noAutofit/>
+          </a:bodyPr>
+          <a:lstStyle/>
+          <a:p>
+            <a:pPr marL="0" indent="0" algn="ctr" fontAlgn="auto" defTabSz="914400" eaLnBrk="0">
+              <a:lnSpc>
+                <a:spcPct val="100000"/>
+              </a:lnSpc>
+              <a:spcBef>
+                <a:spcPts val="0"/>
+              </a:spcBef>
+              <a:spcAft>
+                <a:spcPts val="0"/>
+              </a:spcAft>
+              <a:buFontTx/>
+              <a:buNone/>
+            </a:pPr>
+            <a:endParaRPr lang="ko-KR" altLang="en-US" sz="1800" cap="none" dirty="0" smtClean="0" b="0" strike="noStrike">
+              <a:latin typeface="맑은 고딕" charset="0"/>
+              <a:ea typeface="맑은 고딕" charset="0"/>
+            </a:endParaRPr>
+          </a:p>
+        </p:txBody>
+      </p:sp>
+      <p:sp>
+        <p:nvSpPr>
+          <p:cNvPr id="2" name="텍스트 개체 틀 1"/>
+          <p:cNvSpPr txBox="1">
+            <a:spLocks/>
+          </p:cNvSpPr>
+          <p:nvPr>
+            <p:ph type="title"/>
+          </p:nvPr>
+        </p:nvSpPr>
+        <p:spPr>
+          <a:xfrm rot="0">
+            <a:off x="550545" y="374015"/>
+            <a:ext cx="3524885" cy="781050"/>
+          </a:xfrm>
+          <a:prstGeom prst="rect"/>
+        </p:spPr>
+        <p:txBody>
+          <a:bodyPr wrap="square" lIns="91440" tIns="45720" rIns="91440" bIns="45720" vert="horz" anchor="ctr">
+            <a:noAutofit/>
+          </a:bodyPr>
+          <a:lstStyle/>
+          <a:p>
+            <a:pPr marL="0" indent="0" algn="l" fontAlgn="auto" defTabSz="914400">
+              <a:lnSpc>
+                <a:spcPct val="90000"/>
+              </a:lnSpc>
+              <a:spcBef>
+                <a:spcPts val="0"/>
+              </a:spcBef>
+              <a:spcAft>
+                <a:spcPts val="0"/>
+              </a:spcAft>
+              <a:buFontTx/>
+              <a:buNone/>
+            </a:pPr>
+            <a:r>
+              <a:rPr lang="en-US" altLang="ko-KR" sz="5000" cap="none" dirty="0" smtClean="0" b="0" strike="noStrike">
+                <a:solidFill>
+                  <a:srgbClr val="00B0F0"/>
+                </a:solidFill>
+                <a:latin typeface="나눔스퀘어 ExtraBold" charset="0"/>
+                <a:ea typeface="나눔스퀘어 ExtraBold" charset="0"/>
+              </a:rPr>
+              <a:t>FlowChart</a:t>
+            </a:r>
+            <a:endParaRPr lang="ko-KR" altLang="en-US" sz="5000" cap="none" dirty="0" smtClean="0" b="0" strike="noStrike">
+              <a:solidFill>
+                <a:srgbClr val="00B0F0"/>
+              </a:solidFill>
+              <a:latin typeface="나눔스퀘어 ExtraBold" charset="0"/>
+              <a:ea typeface="나눔스퀘어 ExtraBold" charset="0"/>
+            </a:endParaRPr>
+          </a:p>
+        </p:txBody>
+      </p:sp>
+      <p:pic>
+        <p:nvPicPr>
+          <p:cNvPr id="5" name="그림 4" descr="C:/Users/KMG/AppData/Roaming/PolarisOffice/ETemp/18836_16455400/fImage3406115541.jpeg"/>
+          <p:cNvPicPr>
+            <a:picLocks noChangeAspect="1"/>
+          </p:cNvPicPr>
+          <p:nvPr/>
+        </p:nvPicPr>
+        <p:blipFill rotWithShape="1">
+          <a:blip r:embed="rId2">
+            <a:extLst>
+              <a:ext uri="{28A0092B-C50C-407E-A947-70E740481C1C}">
+                <a14:useLocalDpi xmlns:a14="http://schemas.microsoft.com/office/drawing/2010/main" val="0"/>
+              </a:ext>
+            </a:extLst>
+          </a:blip>
+          <a:stretch>
+            <a:fillRect/>
+          </a:stretch>
+        </p:blipFill>
+        <p:spPr>
+          <a:xfrm rot="0">
+            <a:off x="3996690" y="961390"/>
+            <a:ext cx="4646295" cy="5572760"/>
+          </a:xfrm>
+          <a:prstGeom prst="rect"/>
+          <a:noFill/>
+        </p:spPr>
+      </p:pic>
+    </p:spTree>
+  </p:cSld>
+  <p:clrMapOvr>
+    <a:masterClrMapping/>
+  </p:clrMapOvr>
+  <mc:AlternateContent xmlns:mc="http://schemas.openxmlformats.org/markup-compatibility/2006">
+    <mc:Choice xmlns:p14="http://schemas.microsoft.com/office/powerpoint/2010/main" Requires="p14">
+      <p:transition spd="slow" p14:dur="2000"/>
+    </mc:Choice>
+    <mc:Fallback>
+      <p:transition spd="slow"/>
+    </mc:Fallback>
+  </mc:AlternateContent>
+  <p:timing>
+    <p:tnLst>
+      <p:par>
+        <p:cTn id="1" dur="indefinite" restart="never" nodeType="tmRoot"/>
+      </p:par>
+    </p:tnLst>
+  </p:timing>
+</p:sld>
+</file>
+
+<file path=ppt/slides/slide9.xml><?xml version="1.0" encoding="utf-8"?>
 <p:sld xmlns:a="http://schemas.openxmlformats.org/drawingml/2006/main" xmlns:r="http://schemas.openxmlformats.org/officeDocument/2006/relationships" xmlns:p="http://schemas.openxmlformats.org/presentationml/2006/main" xmlns:p14="http://schemas.microsoft.com/office/powerpoint/2010/main">
   <p:cSld>
     <p:spTree>
@@ -6225,7 +5976,7 @@
         </p:nvSpPr>
         <p:spPr>
           <a:xfrm rot="20460000">
-            <a:off x="-950595" y="350520"/>
+            <a:off x="-1069975" y="331470"/>
             <a:ext cx="15234920" cy="8173720"/>
           </a:xfrm>
           <a:prstGeom prst="rect"/>
